--- a/doc/チームA型発表資料.pptx
+++ b/doc/チームA型発表資料.pptx
@@ -35,9 +35,9 @@
     <p:sldId id="280" r:id="rId26"/>
     <p:sldId id="283" r:id="rId27"/>
     <p:sldId id="267" r:id="rId28"/>
-    <p:sldId id="275" r:id="rId29"/>
-    <p:sldId id="291" r:id="rId30"/>
-    <p:sldId id="268" r:id="rId31"/>
+    <p:sldId id="291" r:id="rId29"/>
+    <p:sldId id="275" r:id="rId30"/>
+    <p:sldId id="292" r:id="rId31"/>
   </p:sldIdLst>
   <p:sldSz cx="12192000" cy="6858000"/>
   <p:notesSz cx="6858000" cy="9144000"/>
@@ -3535,6 +3535,18 @@
           <a:lstStyle/>
           <a:p>
             <a:r>
+              <a:rPr kumimoji="1" lang="en-US" altLang="ja-JP" dirty="0"/>
+              <a:t>【</a:t>
+            </a:r>
+            <a:r>
+              <a:rPr kumimoji="1" lang="ja-JP" altLang="en-US" dirty="0"/>
+              <a:t>高井</a:t>
+            </a:r>
+            <a:r>
+              <a:rPr kumimoji="1" lang="en-US" altLang="ja-JP" dirty="0"/>
+              <a:t>】</a:t>
+            </a:r>
+            <a:r>
               <a:rPr kumimoji="1" lang="ja-JP" altLang="en-US" dirty="0"/>
               <a:t>これからチーム</a:t>
             </a:r>
@@ -3629,24 +3641,7 @@
           <a:bodyPr/>
           <a:lstStyle/>
           <a:p>
-            <a:r>
-              <a:rPr kumimoji="1" lang="ja-JP" altLang="en-US" dirty="0"/>
-              <a:t>こちらが実際の画面です。</a:t>
-            </a:r>
-            <a:endParaRPr kumimoji="1" lang="en-US" altLang="ja-JP" dirty="0"/>
-          </a:p>
-          <a:p>
-            <a:r>
-              <a:rPr kumimoji="1" lang="ja-JP" altLang="en-US" dirty="0"/>
-              <a:t>同じ日時、気温でも暑がり・寒がり指数が異なる２人では提案されるおすすめの組み合わせに変化が生じています。</a:t>
-            </a:r>
-            <a:endParaRPr kumimoji="1" lang="en-US" altLang="ja-JP" dirty="0"/>
-          </a:p>
-          <a:p>
-            <a:r>
-              <a:rPr kumimoji="1" lang="ja-JP" altLang="en-US" dirty="0"/>
-              <a:t>このように、本アプリでは個人に最適な服装を提案することができます。</a:t>
-            </a:r>
+            <a:endParaRPr kumimoji="1" lang="ja-JP" altLang="en-US" dirty="0"/>
           </a:p>
         </p:txBody>
       </p:sp>
@@ -3667,7 +3662,7 @@
           <a:p>
             <a:fld id="{890481F9-CFF6-4F01-8E16-C7AB0AB3A6FC}" type="slidenum">
               <a:rPr kumimoji="1" lang="ja-JP" altLang="en-US" smtClean="0"/>
-              <a:t>17</a:t>
+              <a:t>15</a:t>
             </a:fld>
             <a:endParaRPr kumimoji="1" lang="ja-JP" altLang="en-US"/>
           </a:p>
@@ -3676,7 +3671,7 @@
     </p:spTree>
     <p:extLst>
       <p:ext uri="{BB962C8B-B14F-4D97-AF65-F5344CB8AC3E}">
-        <p14:creationId xmlns:p14="http://schemas.microsoft.com/office/powerpoint/2010/main" val="3284136297"/>
+        <p14:creationId xmlns:p14="http://schemas.microsoft.com/office/powerpoint/2010/main" val="1948329169"/>
       </p:ext>
     </p:extLst>
   </p:cSld>
@@ -3731,48 +3726,44 @@
           <a:lstStyle/>
           <a:p>
             <a:r>
+              <a:rPr kumimoji="1" lang="en-US" altLang="ja-JP" dirty="0"/>
+              <a:t>【</a:t>
+            </a:r>
+            <a:r>
               <a:rPr kumimoji="1" lang="ja-JP" altLang="en-US" dirty="0"/>
-              <a:t>２つ目は、コーディネート登録・履歴機能です</a:t>
+              <a:t>松倉</a:t>
+            </a:r>
+            <a:r>
+              <a:rPr kumimoji="1" lang="en-US" altLang="ja-JP" dirty="0"/>
+              <a:t>】</a:t>
+            </a:r>
+            <a:r>
+              <a:rPr kumimoji="1" lang="ja-JP" altLang="en-US" dirty="0"/>
+              <a:t>ここから、特にこだわった機能を紹介します。１つ目は「暑がり・寒がり機能です</a:t>
             </a:r>
             <a:endParaRPr kumimoji="1" lang="en-US" altLang="ja-JP" dirty="0"/>
           </a:p>
           <a:p>
             <a:r>
               <a:rPr kumimoji="1" lang="ja-JP" altLang="en-US" dirty="0"/>
-              <a:t>おすすめの組み合わせに沿って実際に着用した服の組み合わせをコーディネートとして登録することができます。</a:t>
+              <a:t>同じ気温でも、暑がりな人と寒がりな人とでは体感温度が異なるため、個人で暑がり・寒がりの段階を設定し、それによっておすすめする服が変化します。</a:t>
             </a:r>
             <a:endParaRPr kumimoji="1" lang="en-US" altLang="ja-JP" dirty="0"/>
           </a:p>
           <a:p>
             <a:r>
+              <a:rPr kumimoji="1" lang="en-US" altLang="ja-JP" dirty="0"/>
+              <a:t>(</a:t>
+            </a:r>
+            <a:r>
               <a:rPr kumimoji="1" lang="ja-JP" altLang="en-US" dirty="0"/>
-              <a:t>登録したコーディネートは</a:t>
-            </a:r>
-            <a:r>
-              <a:rPr lang="ja-JP" altLang="en-US" dirty="0"/>
-              <a:t>日付、最高気温、最低気温のいずれかで検索することができ、</a:t>
-            </a:r>
-            <a:endParaRPr lang="en-US" altLang="ja-JP" dirty="0"/>
-          </a:p>
-          <a:p>
-            <a:r>
-              <a:rPr lang="ja-JP" altLang="en-US" dirty="0"/>
-              <a:t>同じような時期や気温の日に過去のコーディネートを参考にして服を選ぶこともできます。</a:t>
-            </a:r>
-            <a:endParaRPr lang="en-US" altLang="ja-JP" dirty="0"/>
-          </a:p>
-          <a:p>
-            <a:r>
-              <a:rPr kumimoji="1" lang="ja-JP" altLang="en-US" dirty="0"/>
-              <a:t>これにより、忙しいあなたには過去に着用したコーディネートをさっと見て参考にすることができ、コーディネートがマンネリ化してしまうあなたには</a:t>
-            </a:r>
-            <a:endParaRPr kumimoji="1" lang="en-US" altLang="ja-JP" dirty="0"/>
-          </a:p>
-          <a:p>
-            <a:r>
-              <a:rPr kumimoji="1" lang="ja-JP" altLang="en-US" dirty="0"/>
-              <a:t>新しい組み合わせを探すきっかけにもなります。</a:t>
-            </a:r>
+              <a:t>必要であれば機能の詳しい説明</a:t>
+            </a:r>
+            <a:r>
+              <a:rPr kumimoji="1" lang="en-US" altLang="ja-JP" dirty="0"/>
+              <a:t>)</a:t>
+            </a:r>
+            <a:endParaRPr kumimoji="1" lang="ja-JP" altLang="en-US" dirty="0"/>
           </a:p>
         </p:txBody>
       </p:sp>
@@ -3793,7 +3784,7 @@
           <a:p>
             <a:fld id="{890481F9-CFF6-4F01-8E16-C7AB0AB3A6FC}" type="slidenum">
               <a:rPr kumimoji="1" lang="ja-JP" altLang="en-US" smtClean="0"/>
-              <a:t>18</a:t>
+              <a:t>16</a:t>
             </a:fld>
             <a:endParaRPr kumimoji="1" lang="ja-JP" altLang="en-US"/>
           </a:p>
@@ -3802,7 +3793,7 @@
     </p:spTree>
     <p:extLst>
       <p:ext uri="{BB962C8B-B14F-4D97-AF65-F5344CB8AC3E}">
-        <p14:creationId xmlns:p14="http://schemas.microsoft.com/office/powerpoint/2010/main" val="3023460288"/>
+        <p14:creationId xmlns:p14="http://schemas.microsoft.com/office/powerpoint/2010/main" val="1136344043"/>
       </p:ext>
     </p:extLst>
   </p:cSld>
@@ -3857,49 +3848,34 @@
           <a:lstStyle/>
           <a:p>
             <a:r>
+              <a:rPr kumimoji="1" lang="en-US" altLang="ja-JP" dirty="0"/>
+              <a:t>【</a:t>
+            </a:r>
+            <a:r>
               <a:rPr kumimoji="1" lang="ja-JP" altLang="en-US" dirty="0"/>
-              <a:t>ここからは、開発にあったてのチームでの取り組みについてお話しします。</a:t>
+              <a:t>松倉</a:t>
+            </a:r>
+            <a:r>
+              <a:rPr kumimoji="1" lang="en-US" altLang="ja-JP" dirty="0"/>
+              <a:t>】</a:t>
+            </a:r>
+            <a:r>
+              <a:rPr kumimoji="1" lang="ja-JP" altLang="en-US" dirty="0"/>
+              <a:t>こちらが実際の画面です。</a:t>
             </a:r>
             <a:endParaRPr kumimoji="1" lang="en-US" altLang="ja-JP" dirty="0"/>
           </a:p>
           <a:p>
             <a:r>
               <a:rPr kumimoji="1" lang="ja-JP" altLang="en-US" dirty="0"/>
-              <a:t>わたしたちチーム</a:t>
-            </a:r>
-            <a:r>
-              <a:rPr kumimoji="1" lang="en-US" altLang="ja-JP" dirty="0"/>
-              <a:t>A</a:t>
-            </a:r>
+              <a:t>同じ日時、気温でも暑がり・寒がり指数が異なる２人では提案されるおすすめの組み合わせに変化が生じています。</a:t>
+            </a:r>
+            <a:endParaRPr kumimoji="1" lang="en-US" altLang="ja-JP" dirty="0"/>
+          </a:p>
+          <a:p>
             <a:r>
               <a:rPr kumimoji="1" lang="ja-JP" altLang="en-US" dirty="0"/>
-              <a:t>型では、次のような目標を定めました。</a:t>
-            </a:r>
-            <a:r>
-              <a:rPr kumimoji="1" lang="en-US" altLang="ja-JP" dirty="0"/>
-              <a:t>(</a:t>
-            </a:r>
-            <a:r>
-              <a:rPr kumimoji="1" lang="ja-JP" altLang="en-US" dirty="0"/>
-              <a:t>読み上げる</a:t>
-            </a:r>
-            <a:r>
-              <a:rPr kumimoji="1" lang="en-US" altLang="ja-JP" dirty="0"/>
-              <a:t>)</a:t>
-            </a:r>
-          </a:p>
-          <a:p>
-            <a:r>
-              <a:rPr kumimoji="1" lang="ja-JP" altLang="en-US" dirty="0"/>
-              <a:t>これらの目標を意識しながら、約</a:t>
-            </a:r>
-            <a:r>
-              <a:rPr kumimoji="1" lang="en-US" altLang="ja-JP" dirty="0"/>
-              <a:t>1</a:t>
-            </a:r>
-            <a:r>
-              <a:rPr kumimoji="1" lang="ja-JP" altLang="en-US" dirty="0"/>
-              <a:t>か月間のチーム開発に取り組みました。</a:t>
+              <a:t>このように、本アプリでは個人に最適な服装を提案することができます。</a:t>
             </a:r>
           </a:p>
         </p:txBody>
@@ -3921,7 +3897,7 @@
           <a:p>
             <a:fld id="{890481F9-CFF6-4F01-8E16-C7AB0AB3A6FC}" type="slidenum">
               <a:rPr kumimoji="1" lang="ja-JP" altLang="en-US" smtClean="0"/>
-              <a:t>20</a:t>
+              <a:t>17</a:t>
             </a:fld>
             <a:endParaRPr kumimoji="1" lang="ja-JP" altLang="en-US"/>
           </a:p>
@@ -3930,7 +3906,7 @@
     </p:spTree>
     <p:extLst>
       <p:ext uri="{BB962C8B-B14F-4D97-AF65-F5344CB8AC3E}">
-        <p14:creationId xmlns:p14="http://schemas.microsoft.com/office/powerpoint/2010/main" val="2547089736"/>
+        <p14:creationId xmlns:p14="http://schemas.microsoft.com/office/powerpoint/2010/main" val="3284136297"/>
       </p:ext>
     </p:extLst>
   </p:cSld>
@@ -3985,23 +3961,59 @@
           <a:lstStyle/>
           <a:p>
             <a:r>
+              <a:rPr kumimoji="1" lang="en-US" altLang="ja-JP" dirty="0"/>
+              <a:t>【</a:t>
+            </a:r>
+            <a:r>
               <a:rPr kumimoji="1" lang="ja-JP" altLang="en-US" dirty="0"/>
-              <a:t>その中の取り組みとして、解決した問題をナレッジとして日々</a:t>
+              <a:t>笹原</a:t>
             </a:r>
             <a:r>
               <a:rPr kumimoji="1" lang="en-US" altLang="ja-JP" dirty="0"/>
-              <a:t>Slack</a:t>
+              <a:t>】</a:t>
             </a:r>
             <a:r>
               <a:rPr kumimoji="1" lang="ja-JP" altLang="en-US" dirty="0"/>
-              <a:t>に投稿しました。</a:t>
+              <a:t>２つ目は、コーディネート登録・履歴機能です</a:t>
             </a:r>
             <a:endParaRPr kumimoji="1" lang="en-US" altLang="ja-JP" dirty="0"/>
           </a:p>
           <a:p>
             <a:r>
               <a:rPr kumimoji="1" lang="ja-JP" altLang="en-US" dirty="0"/>
-              <a:t>このナレッジを参考に問題を解決することもあり、有意義な取り組みだと感じています。</a:t>
+              <a:t>おすすめの組み合わせに沿って実際に着用した服の組み合わせをコーディネートとして登録することができます。</a:t>
+            </a:r>
+            <a:endParaRPr kumimoji="1" lang="en-US" altLang="ja-JP" dirty="0"/>
+          </a:p>
+          <a:p>
+            <a:r>
+              <a:rPr kumimoji="1" lang="ja-JP" altLang="en-US" dirty="0"/>
+              <a:t>登録したコーディネートは</a:t>
+            </a:r>
+            <a:r>
+              <a:rPr lang="ja-JP" altLang="en-US" dirty="0"/>
+              <a:t>日付、最高気温、最低気温のいずれかで検索することができ、</a:t>
+            </a:r>
+            <a:endParaRPr lang="en-US" altLang="ja-JP" dirty="0"/>
+          </a:p>
+          <a:p>
+            <a:r>
+              <a:rPr lang="ja-JP" altLang="en-US" dirty="0"/>
+              <a:t>同じような時期や気温の日に過去のコーディネートを参考にして服を選ぶこともできます。</a:t>
+            </a:r>
+            <a:endParaRPr lang="en-US" altLang="ja-JP" dirty="0"/>
+          </a:p>
+          <a:p>
+            <a:r>
+              <a:rPr kumimoji="1" lang="ja-JP" altLang="en-US" dirty="0"/>
+              <a:t>これにより、忙しいあなたには過去に着用したコーディネートをさっと見て参考にすることができ、コーディネートがマンネリ化してしまうあなたには</a:t>
+            </a:r>
+            <a:endParaRPr kumimoji="1" lang="en-US" altLang="ja-JP" dirty="0"/>
+          </a:p>
+          <a:p>
+            <a:r>
+              <a:rPr kumimoji="1" lang="ja-JP" altLang="en-US" dirty="0"/>
+              <a:t>新しい組み合わせを探すきっかけにもなります。</a:t>
             </a:r>
           </a:p>
         </p:txBody>
@@ -4023,7 +4035,7 @@
           <a:p>
             <a:fld id="{890481F9-CFF6-4F01-8E16-C7AB0AB3A6FC}" type="slidenum">
               <a:rPr kumimoji="1" lang="ja-JP" altLang="en-US" smtClean="0"/>
-              <a:t>22</a:t>
+              <a:t>18</a:t>
             </a:fld>
             <a:endParaRPr kumimoji="1" lang="ja-JP" altLang="en-US"/>
           </a:p>
@@ -4032,7 +4044,7 @@
     </p:spTree>
     <p:extLst>
       <p:ext uri="{BB962C8B-B14F-4D97-AF65-F5344CB8AC3E}">
-        <p14:creationId xmlns:p14="http://schemas.microsoft.com/office/powerpoint/2010/main" val="1896413620"/>
+        <p14:creationId xmlns:p14="http://schemas.microsoft.com/office/powerpoint/2010/main" val="3023460288"/>
       </p:ext>
     </p:extLst>
   </p:cSld>
@@ -4086,7 +4098,38 @@
           <a:bodyPr/>
           <a:lstStyle/>
           <a:p>
-            <a:endParaRPr kumimoji="1" lang="ja-JP" altLang="en-US" dirty="0"/>
+            <a:r>
+              <a:rPr kumimoji="1" lang="en-US" altLang="ja-JP" dirty="0"/>
+              <a:t>【</a:t>
+            </a:r>
+            <a:r>
+              <a:rPr kumimoji="1" lang="ja-JP" altLang="en-US" dirty="0"/>
+              <a:t>藤澤</a:t>
+            </a:r>
+            <a:r>
+              <a:rPr kumimoji="1" lang="en-US" altLang="ja-JP" dirty="0"/>
+              <a:t>】</a:t>
+            </a:r>
+          </a:p>
+          <a:p>
+            <a:r>
+              <a:rPr kumimoji="1" lang="ja-JP" altLang="en-US" dirty="0"/>
+              <a:t>このアプリを実際に使用してみた際の所要時間と工程がこちらです、</a:t>
+            </a:r>
+            <a:endParaRPr kumimoji="1" lang="en-US" altLang="ja-JP" dirty="0"/>
+          </a:p>
+          <a:p>
+            <a:r>
+              <a:rPr kumimoji="1" lang="ja-JP" altLang="en-US" dirty="0"/>
+              <a:t>工程の数と所要時間が大幅に削減されたことが分かると思います。</a:t>
+            </a:r>
+            <a:endParaRPr kumimoji="1" lang="en-US" altLang="ja-JP" dirty="0"/>
+          </a:p>
+          <a:p>
+            <a:r>
+              <a:rPr kumimoji="1" lang="ja-JP" altLang="en-US" dirty="0"/>
+              <a:t>このように朝の忙しい時間を効率的に、そして１日をより快適に過ごすことができるようになります。</a:t>
+            </a:r>
           </a:p>
         </p:txBody>
       </p:sp>
@@ -4107,6 +4150,469 @@
           <a:p>
             <a:fld id="{890481F9-CFF6-4F01-8E16-C7AB0AB3A6FC}" type="slidenum">
               <a:rPr kumimoji="1" lang="ja-JP" altLang="en-US" smtClean="0"/>
+              <a:t>19</a:t>
+            </a:fld>
+            <a:endParaRPr kumimoji="1" lang="ja-JP" altLang="en-US"/>
+          </a:p>
+        </p:txBody>
+      </p:sp>
+    </p:spTree>
+    <p:extLst>
+      <p:ext uri="{BB962C8B-B14F-4D97-AF65-F5344CB8AC3E}">
+        <p14:creationId xmlns:p14="http://schemas.microsoft.com/office/powerpoint/2010/main" val="2451210238"/>
+      </p:ext>
+    </p:extLst>
+  </p:cSld>
+  <p:clrMapOvr>
+    <a:masterClrMapping/>
+  </p:clrMapOvr>
+</p:notes>
+</file>
+
+<file path=ppt/notesSlides/notesSlide15.xml><?xml version="1.0" encoding="utf-8"?>
+<p:notes xmlns:a="http://schemas.openxmlformats.org/drawingml/2006/main" xmlns:r="http://schemas.openxmlformats.org/officeDocument/2006/relationships" xmlns:p="http://schemas.openxmlformats.org/presentationml/2006/main">
+  <p:cSld>
+    <p:spTree>
+      <p:nvGrpSpPr>
+        <p:cNvPr id="1" name=""/>
+        <p:cNvGrpSpPr/>
+        <p:nvPr/>
+      </p:nvGrpSpPr>
+      <p:grpSpPr>
+        <a:xfrm>
+          <a:off x="0" y="0"/>
+          <a:ext cx="0" cy="0"/>
+          <a:chOff x="0" y="0"/>
+          <a:chExt cx="0" cy="0"/>
+        </a:xfrm>
+      </p:grpSpPr>
+      <p:sp>
+        <p:nvSpPr>
+          <p:cNvPr id="2" name="スライド イメージ プレースホルダー 1"/>
+          <p:cNvSpPr>
+            <a:spLocks noGrp="1" noRot="1" noChangeAspect="1"/>
+          </p:cNvSpPr>
+          <p:nvPr>
+            <p:ph type="sldImg"/>
+          </p:nvPr>
+        </p:nvSpPr>
+        <p:spPr/>
+      </p:sp>
+      <p:sp>
+        <p:nvSpPr>
+          <p:cNvPr id="3" name="ノート プレースホルダー 2"/>
+          <p:cNvSpPr>
+            <a:spLocks noGrp="1"/>
+          </p:cNvSpPr>
+          <p:nvPr>
+            <p:ph type="body" idx="1"/>
+          </p:nvPr>
+        </p:nvSpPr>
+        <p:spPr/>
+        <p:txBody>
+          <a:bodyPr/>
+          <a:lstStyle/>
+          <a:p>
+            <a:r>
+              <a:rPr kumimoji="1" lang="en-US" altLang="ja-JP" dirty="0"/>
+              <a:t>【</a:t>
+            </a:r>
+            <a:r>
+              <a:rPr kumimoji="1" lang="ja-JP" altLang="en-US" dirty="0"/>
+              <a:t>笹原</a:t>
+            </a:r>
+            <a:r>
+              <a:rPr kumimoji="1" lang="en-US" altLang="ja-JP" dirty="0"/>
+              <a:t>】</a:t>
+            </a:r>
+          </a:p>
+          <a:p>
+            <a:r>
+              <a:rPr kumimoji="1" lang="ja-JP" altLang="en-US" dirty="0"/>
+              <a:t>ここからは、開発にあったてのチームでの取り組みについてお話しします。</a:t>
+            </a:r>
+            <a:endParaRPr kumimoji="1" lang="en-US" altLang="ja-JP" dirty="0"/>
+          </a:p>
+          <a:p>
+            <a:r>
+              <a:rPr kumimoji="1" lang="ja-JP" altLang="en-US" dirty="0"/>
+              <a:t>わたしたちチーム</a:t>
+            </a:r>
+            <a:r>
+              <a:rPr kumimoji="1" lang="en-US" altLang="ja-JP" dirty="0"/>
+              <a:t>A</a:t>
+            </a:r>
+            <a:r>
+              <a:rPr kumimoji="1" lang="ja-JP" altLang="en-US" dirty="0"/>
+              <a:t>型では、次のような目標を定めました。</a:t>
+            </a:r>
+            <a:r>
+              <a:rPr kumimoji="1" lang="en-US" altLang="ja-JP" dirty="0"/>
+              <a:t>(</a:t>
+            </a:r>
+            <a:r>
+              <a:rPr kumimoji="1" lang="ja-JP" altLang="en-US" dirty="0"/>
+              <a:t>読み上げる</a:t>
+            </a:r>
+            <a:r>
+              <a:rPr kumimoji="1" lang="en-US" altLang="ja-JP" dirty="0"/>
+              <a:t>)</a:t>
+            </a:r>
+          </a:p>
+          <a:p>
+            <a:r>
+              <a:rPr kumimoji="1" lang="ja-JP" altLang="en-US" dirty="0"/>
+              <a:t>これらの目標を意識しながら、約</a:t>
+            </a:r>
+            <a:r>
+              <a:rPr kumimoji="1" lang="en-US" altLang="ja-JP" dirty="0"/>
+              <a:t>1</a:t>
+            </a:r>
+            <a:r>
+              <a:rPr kumimoji="1" lang="ja-JP" altLang="en-US" dirty="0"/>
+              <a:t>か月間のチーム開発に取り組みました。</a:t>
+            </a:r>
+          </a:p>
+        </p:txBody>
+      </p:sp>
+      <p:sp>
+        <p:nvSpPr>
+          <p:cNvPr id="4" name="スライド番号プレースホルダー 3"/>
+          <p:cNvSpPr>
+            <a:spLocks noGrp="1"/>
+          </p:cNvSpPr>
+          <p:nvPr>
+            <p:ph type="sldNum" sz="quarter" idx="5"/>
+          </p:nvPr>
+        </p:nvSpPr>
+        <p:spPr/>
+        <p:txBody>
+          <a:bodyPr/>
+          <a:lstStyle/>
+          <a:p>
+            <a:fld id="{890481F9-CFF6-4F01-8E16-C7AB0AB3A6FC}" type="slidenum">
+              <a:rPr kumimoji="1" lang="ja-JP" altLang="en-US" smtClean="0"/>
+              <a:t>20</a:t>
+            </a:fld>
+            <a:endParaRPr kumimoji="1" lang="ja-JP" altLang="en-US"/>
+          </a:p>
+        </p:txBody>
+      </p:sp>
+    </p:spTree>
+    <p:extLst>
+      <p:ext uri="{BB962C8B-B14F-4D97-AF65-F5344CB8AC3E}">
+        <p14:creationId xmlns:p14="http://schemas.microsoft.com/office/powerpoint/2010/main" val="2547089736"/>
+      </p:ext>
+    </p:extLst>
+  </p:cSld>
+  <p:clrMapOvr>
+    <a:masterClrMapping/>
+  </p:clrMapOvr>
+</p:notes>
+</file>
+
+<file path=ppt/notesSlides/notesSlide16.xml><?xml version="1.0" encoding="utf-8"?>
+<p:notes xmlns:a="http://schemas.openxmlformats.org/drawingml/2006/main" xmlns:r="http://schemas.openxmlformats.org/officeDocument/2006/relationships" xmlns:p="http://schemas.openxmlformats.org/presentationml/2006/main">
+  <p:cSld>
+    <p:spTree>
+      <p:nvGrpSpPr>
+        <p:cNvPr id="1" name=""/>
+        <p:cNvGrpSpPr/>
+        <p:nvPr/>
+      </p:nvGrpSpPr>
+      <p:grpSpPr>
+        <a:xfrm>
+          <a:off x="0" y="0"/>
+          <a:ext cx="0" cy="0"/>
+          <a:chOff x="0" y="0"/>
+          <a:chExt cx="0" cy="0"/>
+        </a:xfrm>
+      </p:grpSpPr>
+      <p:sp>
+        <p:nvSpPr>
+          <p:cNvPr id="2" name="スライド イメージ プレースホルダー 1"/>
+          <p:cNvSpPr>
+            <a:spLocks noGrp="1" noRot="1" noChangeAspect="1"/>
+          </p:cNvSpPr>
+          <p:nvPr>
+            <p:ph type="sldImg"/>
+          </p:nvPr>
+        </p:nvSpPr>
+        <p:spPr/>
+      </p:sp>
+      <p:sp>
+        <p:nvSpPr>
+          <p:cNvPr id="3" name="ノート プレースホルダー 2"/>
+          <p:cNvSpPr>
+            <a:spLocks noGrp="1"/>
+          </p:cNvSpPr>
+          <p:nvPr>
+            <p:ph type="body" idx="1"/>
+          </p:nvPr>
+        </p:nvSpPr>
+        <p:spPr/>
+        <p:txBody>
+          <a:bodyPr/>
+          <a:lstStyle/>
+          <a:p>
+            <a:r>
+              <a:rPr kumimoji="1" lang="en-US" altLang="ja-JP" dirty="0"/>
+              <a:t>【</a:t>
+            </a:r>
+            <a:r>
+              <a:rPr kumimoji="1" lang="ja-JP" altLang="en-US" dirty="0"/>
+              <a:t>笹原</a:t>
+            </a:r>
+            <a:r>
+              <a:rPr kumimoji="1" lang="en-US" altLang="ja-JP" dirty="0"/>
+              <a:t>】</a:t>
+            </a:r>
+            <a:r>
+              <a:rPr kumimoji="1" lang="ja-JP" altLang="en-US" dirty="0"/>
+              <a:t>こちらが目標達成率です。完全に達成できていない部分もありますが、それぞれが目標を意識して取り組むことができました。</a:t>
+            </a:r>
+          </a:p>
+        </p:txBody>
+      </p:sp>
+      <p:sp>
+        <p:nvSpPr>
+          <p:cNvPr id="4" name="スライド番号プレースホルダー 3"/>
+          <p:cNvSpPr>
+            <a:spLocks noGrp="1"/>
+          </p:cNvSpPr>
+          <p:nvPr>
+            <p:ph type="sldNum" sz="quarter" idx="5"/>
+          </p:nvPr>
+        </p:nvSpPr>
+        <p:spPr/>
+        <p:txBody>
+          <a:bodyPr/>
+          <a:lstStyle/>
+          <a:p>
+            <a:fld id="{890481F9-CFF6-4F01-8E16-C7AB0AB3A6FC}" type="slidenum">
+              <a:rPr kumimoji="1" lang="ja-JP" altLang="en-US" smtClean="0"/>
+              <a:t>21</a:t>
+            </a:fld>
+            <a:endParaRPr kumimoji="1" lang="ja-JP" altLang="en-US"/>
+          </a:p>
+        </p:txBody>
+      </p:sp>
+    </p:spTree>
+    <p:extLst>
+      <p:ext uri="{BB962C8B-B14F-4D97-AF65-F5344CB8AC3E}">
+        <p14:creationId xmlns:p14="http://schemas.microsoft.com/office/powerpoint/2010/main" val="2535024623"/>
+      </p:ext>
+    </p:extLst>
+  </p:cSld>
+  <p:clrMapOvr>
+    <a:masterClrMapping/>
+  </p:clrMapOvr>
+</p:notes>
+</file>
+
+<file path=ppt/notesSlides/notesSlide17.xml><?xml version="1.0" encoding="utf-8"?>
+<p:notes xmlns:a="http://schemas.openxmlformats.org/drawingml/2006/main" xmlns:r="http://schemas.openxmlformats.org/officeDocument/2006/relationships" xmlns:p="http://schemas.openxmlformats.org/presentationml/2006/main">
+  <p:cSld>
+    <p:spTree>
+      <p:nvGrpSpPr>
+        <p:cNvPr id="1" name=""/>
+        <p:cNvGrpSpPr/>
+        <p:nvPr/>
+      </p:nvGrpSpPr>
+      <p:grpSpPr>
+        <a:xfrm>
+          <a:off x="0" y="0"/>
+          <a:ext cx="0" cy="0"/>
+          <a:chOff x="0" y="0"/>
+          <a:chExt cx="0" cy="0"/>
+        </a:xfrm>
+      </p:grpSpPr>
+      <p:sp>
+        <p:nvSpPr>
+          <p:cNvPr id="2" name="スライド イメージ プレースホルダー 1"/>
+          <p:cNvSpPr>
+            <a:spLocks noGrp="1" noRot="1" noChangeAspect="1"/>
+          </p:cNvSpPr>
+          <p:nvPr>
+            <p:ph type="sldImg"/>
+          </p:nvPr>
+        </p:nvSpPr>
+        <p:spPr/>
+      </p:sp>
+      <p:sp>
+        <p:nvSpPr>
+          <p:cNvPr id="3" name="ノート プレースホルダー 2"/>
+          <p:cNvSpPr>
+            <a:spLocks noGrp="1"/>
+          </p:cNvSpPr>
+          <p:nvPr>
+            <p:ph type="body" idx="1"/>
+          </p:nvPr>
+        </p:nvSpPr>
+        <p:spPr/>
+        <p:txBody>
+          <a:bodyPr/>
+          <a:lstStyle/>
+          <a:p>
+            <a:r>
+              <a:rPr kumimoji="1" lang="en-US" altLang="ja-JP" dirty="0"/>
+              <a:t>【</a:t>
+            </a:r>
+            <a:r>
+              <a:rPr kumimoji="1" lang="ja-JP" altLang="en-US" dirty="0"/>
+              <a:t>藤澤</a:t>
+            </a:r>
+            <a:r>
+              <a:rPr kumimoji="1" lang="en-US" altLang="ja-JP" dirty="0"/>
+              <a:t>】</a:t>
+            </a:r>
+          </a:p>
+          <a:p>
+            <a:r>
+              <a:rPr kumimoji="1" lang="ja-JP" altLang="en-US" dirty="0"/>
+              <a:t>その中の取り組みとして、解決した問題をナレッジとして日々</a:t>
+            </a:r>
+            <a:r>
+              <a:rPr kumimoji="1" lang="en-US" altLang="ja-JP" dirty="0"/>
+              <a:t>Slack</a:t>
+            </a:r>
+            <a:r>
+              <a:rPr kumimoji="1" lang="ja-JP" altLang="en-US" dirty="0"/>
+              <a:t>に投稿しました。</a:t>
+            </a:r>
+            <a:endParaRPr kumimoji="1" lang="en-US" altLang="ja-JP" dirty="0"/>
+          </a:p>
+          <a:p>
+            <a:r>
+              <a:rPr kumimoji="1" lang="ja-JP" altLang="en-US" dirty="0"/>
+              <a:t>このナレッジを参考に問題を解決することもあり、有意義な取り組みだと感じています。</a:t>
+            </a:r>
+          </a:p>
+        </p:txBody>
+      </p:sp>
+      <p:sp>
+        <p:nvSpPr>
+          <p:cNvPr id="4" name="スライド番号プレースホルダー 3"/>
+          <p:cNvSpPr>
+            <a:spLocks noGrp="1"/>
+          </p:cNvSpPr>
+          <p:nvPr>
+            <p:ph type="sldNum" sz="quarter" idx="5"/>
+          </p:nvPr>
+        </p:nvSpPr>
+        <p:spPr/>
+        <p:txBody>
+          <a:bodyPr/>
+          <a:lstStyle/>
+          <a:p>
+            <a:fld id="{890481F9-CFF6-4F01-8E16-C7AB0AB3A6FC}" type="slidenum">
+              <a:rPr kumimoji="1" lang="ja-JP" altLang="en-US" smtClean="0"/>
+              <a:t>22</a:t>
+            </a:fld>
+            <a:endParaRPr kumimoji="1" lang="ja-JP" altLang="en-US"/>
+          </a:p>
+        </p:txBody>
+      </p:sp>
+    </p:spTree>
+    <p:extLst>
+      <p:ext uri="{BB962C8B-B14F-4D97-AF65-F5344CB8AC3E}">
+        <p14:creationId xmlns:p14="http://schemas.microsoft.com/office/powerpoint/2010/main" val="1896413620"/>
+      </p:ext>
+    </p:extLst>
+  </p:cSld>
+  <p:clrMapOvr>
+    <a:masterClrMapping/>
+  </p:clrMapOvr>
+</p:notes>
+</file>
+
+<file path=ppt/notesSlides/notesSlide18.xml><?xml version="1.0" encoding="utf-8"?>
+<p:notes xmlns:a="http://schemas.openxmlformats.org/drawingml/2006/main" xmlns:r="http://schemas.openxmlformats.org/officeDocument/2006/relationships" xmlns:p="http://schemas.openxmlformats.org/presentationml/2006/main">
+  <p:cSld>
+    <p:spTree>
+      <p:nvGrpSpPr>
+        <p:cNvPr id="1" name=""/>
+        <p:cNvGrpSpPr/>
+        <p:nvPr/>
+      </p:nvGrpSpPr>
+      <p:grpSpPr>
+        <a:xfrm>
+          <a:off x="0" y="0"/>
+          <a:ext cx="0" cy="0"/>
+          <a:chOff x="0" y="0"/>
+          <a:chExt cx="0" cy="0"/>
+        </a:xfrm>
+      </p:grpSpPr>
+      <p:sp>
+        <p:nvSpPr>
+          <p:cNvPr id="2" name="スライド イメージ プレースホルダー 1"/>
+          <p:cNvSpPr>
+            <a:spLocks noGrp="1" noRot="1" noChangeAspect="1"/>
+          </p:cNvSpPr>
+          <p:nvPr>
+            <p:ph type="sldImg"/>
+          </p:nvPr>
+        </p:nvSpPr>
+        <p:spPr/>
+      </p:sp>
+      <p:sp>
+        <p:nvSpPr>
+          <p:cNvPr id="3" name="ノート プレースホルダー 2"/>
+          <p:cNvSpPr>
+            <a:spLocks noGrp="1"/>
+          </p:cNvSpPr>
+          <p:nvPr>
+            <p:ph type="body" idx="1"/>
+          </p:nvPr>
+        </p:nvSpPr>
+        <p:spPr/>
+        <p:txBody>
+          <a:bodyPr/>
+          <a:lstStyle/>
+          <a:p>
+            <a:r>
+              <a:rPr kumimoji="1" lang="en-US" altLang="ja-JP" dirty="0"/>
+              <a:t>【</a:t>
+            </a:r>
+            <a:r>
+              <a:rPr kumimoji="1" lang="ja-JP" altLang="en-US" dirty="0"/>
+              <a:t>高井</a:t>
+            </a:r>
+            <a:r>
+              <a:rPr kumimoji="1" lang="en-US" altLang="ja-JP" dirty="0"/>
+              <a:t>】</a:t>
+            </a:r>
+            <a:r>
+              <a:rPr kumimoji="1" lang="ja-JP" altLang="en-US" dirty="0"/>
+              <a:t>あえて苦手な部分に挑戦することで、失敗を恐れずに挑戦し教え合うことを大切にしました。</a:t>
+            </a:r>
+            <a:endParaRPr kumimoji="1" lang="en-US" altLang="ja-JP" dirty="0"/>
+          </a:p>
+          <a:p>
+            <a:r>
+              <a:rPr kumimoji="1" lang="ja-JP" altLang="en-US" dirty="0"/>
+              <a:t>なるべく多くの箇所を全員で取り組むように心掛けました。</a:t>
+            </a:r>
+          </a:p>
+        </p:txBody>
+      </p:sp>
+      <p:sp>
+        <p:nvSpPr>
+          <p:cNvPr id="4" name="スライド番号プレースホルダー 3"/>
+          <p:cNvSpPr>
+            <a:spLocks noGrp="1"/>
+          </p:cNvSpPr>
+          <p:nvPr>
+            <p:ph type="sldNum" sz="quarter" idx="5"/>
+          </p:nvPr>
+        </p:nvSpPr>
+        <p:spPr/>
+        <p:txBody>
+          <a:bodyPr/>
+          <a:lstStyle/>
+          <a:p>
+            <a:fld id="{890481F9-CFF6-4F01-8E16-C7AB0AB3A6FC}" type="slidenum">
+              <a:rPr kumimoji="1" lang="ja-JP" altLang="en-US" smtClean="0"/>
               <a:t>23</a:t>
             </a:fld>
             <a:endParaRPr kumimoji="1" lang="ja-JP" altLang="en-US"/>
@@ -4117,6 +4623,121 @@
     <p:extLst>
       <p:ext uri="{BB962C8B-B14F-4D97-AF65-F5344CB8AC3E}">
         <p14:creationId xmlns:p14="http://schemas.microsoft.com/office/powerpoint/2010/main" val="3758568498"/>
+      </p:ext>
+    </p:extLst>
+  </p:cSld>
+  <p:clrMapOvr>
+    <a:masterClrMapping/>
+  </p:clrMapOvr>
+</p:notes>
+</file>
+
+<file path=ppt/notesSlides/notesSlide19.xml><?xml version="1.0" encoding="utf-8"?>
+<p:notes xmlns:a="http://schemas.openxmlformats.org/drawingml/2006/main" xmlns:r="http://schemas.openxmlformats.org/officeDocument/2006/relationships" xmlns:p="http://schemas.openxmlformats.org/presentationml/2006/main">
+  <p:cSld>
+    <p:spTree>
+      <p:nvGrpSpPr>
+        <p:cNvPr id="1" name=""/>
+        <p:cNvGrpSpPr/>
+        <p:nvPr/>
+      </p:nvGrpSpPr>
+      <p:grpSpPr>
+        <a:xfrm>
+          <a:off x="0" y="0"/>
+          <a:ext cx="0" cy="0"/>
+          <a:chOff x="0" y="0"/>
+          <a:chExt cx="0" cy="0"/>
+        </a:xfrm>
+      </p:grpSpPr>
+      <p:sp>
+        <p:nvSpPr>
+          <p:cNvPr id="2" name="スライド イメージ プレースホルダー 1"/>
+          <p:cNvSpPr>
+            <a:spLocks noGrp="1" noRot="1" noChangeAspect="1"/>
+          </p:cNvSpPr>
+          <p:nvPr>
+            <p:ph type="sldImg"/>
+          </p:nvPr>
+        </p:nvSpPr>
+        <p:spPr/>
+      </p:sp>
+      <p:sp>
+        <p:nvSpPr>
+          <p:cNvPr id="3" name="ノート プレースホルダー 2"/>
+          <p:cNvSpPr>
+            <a:spLocks noGrp="1"/>
+          </p:cNvSpPr>
+          <p:nvPr>
+            <p:ph type="body" idx="1"/>
+          </p:nvPr>
+        </p:nvSpPr>
+        <p:spPr/>
+        <p:txBody>
+          <a:bodyPr/>
+          <a:lstStyle/>
+          <a:p>
+            <a:r>
+              <a:rPr kumimoji="1" lang="en-US" altLang="ja-JP" dirty="0"/>
+              <a:t>【</a:t>
+            </a:r>
+            <a:r>
+              <a:rPr kumimoji="1" lang="ja-JP" altLang="en-US" dirty="0"/>
+              <a:t>石堂</a:t>
+            </a:r>
+            <a:r>
+              <a:rPr kumimoji="1" lang="en-US" altLang="ja-JP" dirty="0"/>
+              <a:t>】</a:t>
+            </a:r>
+            <a:r>
+              <a:rPr kumimoji="1" lang="ja-JP" altLang="en-US" dirty="0"/>
+              <a:t>その他のグループとしての工夫として、進捗管理を</a:t>
+            </a:r>
+            <a:r>
+              <a:rPr kumimoji="1" lang="en-US" altLang="ja-JP" dirty="0"/>
+              <a:t>Excel</a:t>
+            </a:r>
+            <a:r>
+              <a:rPr kumimoji="1" lang="ja-JP" altLang="en-US" dirty="0"/>
+              <a:t>で行い、作業の進捗が一目でわかるようにしました。</a:t>
+            </a:r>
+            <a:endParaRPr kumimoji="1" lang="en-US" altLang="ja-JP" dirty="0"/>
+          </a:p>
+          <a:p>
+            <a:r>
+              <a:rPr kumimoji="1" lang="ja-JP" altLang="en-US" dirty="0"/>
+              <a:t>議事録を使って決定事項をドキュメントとして残すことや、オンラインでも息抜きに会話をして普段から声をかけやすい雰囲気づくりに取り組みました。</a:t>
+            </a:r>
+            <a:endParaRPr kumimoji="1" lang="en-US" altLang="ja-JP" dirty="0"/>
+          </a:p>
+        </p:txBody>
+      </p:sp>
+      <p:sp>
+        <p:nvSpPr>
+          <p:cNvPr id="4" name="スライド番号プレースホルダー 3"/>
+          <p:cNvSpPr>
+            <a:spLocks noGrp="1"/>
+          </p:cNvSpPr>
+          <p:nvPr>
+            <p:ph type="sldNum" sz="quarter" idx="5"/>
+          </p:nvPr>
+        </p:nvSpPr>
+        <p:spPr/>
+        <p:txBody>
+          <a:bodyPr/>
+          <a:lstStyle/>
+          <a:p>
+            <a:fld id="{890481F9-CFF6-4F01-8E16-C7AB0AB3A6FC}" type="slidenum">
+              <a:rPr kumimoji="1" lang="ja-JP" altLang="en-US" smtClean="0"/>
+              <a:t>24</a:t>
+            </a:fld>
+            <a:endParaRPr kumimoji="1" lang="ja-JP" altLang="en-US"/>
+          </a:p>
+        </p:txBody>
+      </p:sp>
+    </p:spTree>
+    <p:extLst>
+      <p:ext uri="{BB962C8B-B14F-4D97-AF65-F5344CB8AC3E}">
+        <p14:creationId xmlns:p14="http://schemas.microsoft.com/office/powerpoint/2010/main" val="3061232007"/>
       </p:ext>
     </p:extLst>
   </p:cSld>
@@ -4171,6 +4792,18 @@
           <a:lstStyle/>
           <a:p>
             <a:r>
+              <a:rPr kumimoji="1" lang="en-US" altLang="ja-JP" dirty="0"/>
+              <a:t>【</a:t>
+            </a:r>
+            <a:r>
+              <a:rPr kumimoji="1" lang="ja-JP" altLang="en-US" dirty="0"/>
+              <a:t>高井</a:t>
+            </a:r>
+            <a:r>
+              <a:rPr kumimoji="1" lang="en-US" altLang="ja-JP" dirty="0"/>
+              <a:t>】</a:t>
+            </a:r>
+            <a:r>
               <a:rPr kumimoji="1" lang="ja-JP" altLang="en-US" dirty="0"/>
               <a:t>突然ですがみなさんこんなことはないですか？</a:t>
             </a:r>
@@ -4211,6 +4844,426 @@
     <p:extLst>
       <p:ext uri="{BB962C8B-B14F-4D97-AF65-F5344CB8AC3E}">
         <p14:creationId xmlns:p14="http://schemas.microsoft.com/office/powerpoint/2010/main" val="2799384011"/>
+      </p:ext>
+    </p:extLst>
+  </p:cSld>
+  <p:clrMapOvr>
+    <a:masterClrMapping/>
+  </p:clrMapOvr>
+</p:notes>
+</file>
+
+<file path=ppt/notesSlides/notesSlide20.xml><?xml version="1.0" encoding="utf-8"?>
+<p:notes xmlns:a="http://schemas.openxmlformats.org/drawingml/2006/main" xmlns:r="http://schemas.openxmlformats.org/officeDocument/2006/relationships" xmlns:p="http://schemas.openxmlformats.org/presentationml/2006/main">
+  <p:cSld>
+    <p:spTree>
+      <p:nvGrpSpPr>
+        <p:cNvPr id="1" name=""/>
+        <p:cNvGrpSpPr/>
+        <p:nvPr/>
+      </p:nvGrpSpPr>
+      <p:grpSpPr>
+        <a:xfrm>
+          <a:off x="0" y="0"/>
+          <a:ext cx="0" cy="0"/>
+          <a:chOff x="0" y="0"/>
+          <a:chExt cx="0" cy="0"/>
+        </a:xfrm>
+      </p:grpSpPr>
+      <p:sp>
+        <p:nvSpPr>
+          <p:cNvPr id="2" name="スライド イメージ プレースホルダー 1"/>
+          <p:cNvSpPr>
+            <a:spLocks noGrp="1" noRot="1" noChangeAspect="1"/>
+          </p:cNvSpPr>
+          <p:nvPr>
+            <p:ph type="sldImg"/>
+          </p:nvPr>
+        </p:nvSpPr>
+        <p:spPr/>
+      </p:sp>
+      <p:sp>
+        <p:nvSpPr>
+          <p:cNvPr id="3" name="ノート プレースホルダー 2"/>
+          <p:cNvSpPr>
+            <a:spLocks noGrp="1"/>
+          </p:cNvSpPr>
+          <p:nvPr>
+            <p:ph type="body" idx="1"/>
+          </p:nvPr>
+        </p:nvSpPr>
+        <p:spPr/>
+        <p:txBody>
+          <a:bodyPr/>
+          <a:lstStyle/>
+          <a:p>
+            <a:endParaRPr kumimoji="1" lang="ja-JP" altLang="en-US" dirty="0"/>
+          </a:p>
+        </p:txBody>
+      </p:sp>
+      <p:sp>
+        <p:nvSpPr>
+          <p:cNvPr id="4" name="スライド番号プレースホルダー 3"/>
+          <p:cNvSpPr>
+            <a:spLocks noGrp="1"/>
+          </p:cNvSpPr>
+          <p:nvPr>
+            <p:ph type="sldNum" sz="quarter" idx="5"/>
+          </p:nvPr>
+        </p:nvSpPr>
+        <p:spPr/>
+        <p:txBody>
+          <a:bodyPr/>
+          <a:lstStyle/>
+          <a:p>
+            <a:fld id="{890481F9-CFF6-4F01-8E16-C7AB0AB3A6FC}" type="slidenum">
+              <a:rPr kumimoji="1" lang="ja-JP" altLang="en-US" smtClean="0"/>
+              <a:t>25</a:t>
+            </a:fld>
+            <a:endParaRPr kumimoji="1" lang="ja-JP" altLang="en-US"/>
+          </a:p>
+        </p:txBody>
+      </p:sp>
+    </p:spTree>
+    <p:extLst>
+      <p:ext uri="{BB962C8B-B14F-4D97-AF65-F5344CB8AC3E}">
+        <p14:creationId xmlns:p14="http://schemas.microsoft.com/office/powerpoint/2010/main" val="94123928"/>
+      </p:ext>
+    </p:extLst>
+  </p:cSld>
+  <p:clrMapOvr>
+    <a:masterClrMapping/>
+  </p:clrMapOvr>
+</p:notes>
+</file>
+
+<file path=ppt/notesSlides/notesSlide21.xml><?xml version="1.0" encoding="utf-8"?>
+<p:notes xmlns:a="http://schemas.openxmlformats.org/drawingml/2006/main" xmlns:r="http://schemas.openxmlformats.org/officeDocument/2006/relationships" xmlns:p="http://schemas.openxmlformats.org/presentationml/2006/main">
+  <p:cSld>
+    <p:spTree>
+      <p:nvGrpSpPr>
+        <p:cNvPr id="1" name=""/>
+        <p:cNvGrpSpPr/>
+        <p:nvPr/>
+      </p:nvGrpSpPr>
+      <p:grpSpPr>
+        <a:xfrm>
+          <a:off x="0" y="0"/>
+          <a:ext cx="0" cy="0"/>
+          <a:chOff x="0" y="0"/>
+          <a:chExt cx="0" cy="0"/>
+        </a:xfrm>
+      </p:grpSpPr>
+      <p:sp>
+        <p:nvSpPr>
+          <p:cNvPr id="2" name="スライド イメージ プレースホルダー 1"/>
+          <p:cNvSpPr>
+            <a:spLocks noGrp="1" noRot="1" noChangeAspect="1"/>
+          </p:cNvSpPr>
+          <p:nvPr>
+            <p:ph type="sldImg"/>
+          </p:nvPr>
+        </p:nvSpPr>
+        <p:spPr/>
+      </p:sp>
+      <p:sp>
+        <p:nvSpPr>
+          <p:cNvPr id="3" name="ノート プレースホルダー 2"/>
+          <p:cNvSpPr>
+            <a:spLocks noGrp="1"/>
+          </p:cNvSpPr>
+          <p:nvPr>
+            <p:ph type="body" idx="1"/>
+          </p:nvPr>
+        </p:nvSpPr>
+        <p:spPr/>
+        <p:txBody>
+          <a:bodyPr/>
+          <a:lstStyle/>
+          <a:p>
+            <a:r>
+              <a:rPr kumimoji="1" lang="en-US" altLang="ja-JP" dirty="0"/>
+              <a:t>【</a:t>
+            </a:r>
+            <a:r>
+              <a:rPr kumimoji="1" lang="ja-JP" altLang="en-US" dirty="0"/>
+              <a:t>松倉</a:t>
+            </a:r>
+            <a:r>
+              <a:rPr kumimoji="1" lang="en-US" altLang="ja-JP" dirty="0"/>
+              <a:t>】</a:t>
+            </a:r>
+          </a:p>
+          <a:p>
+            <a:r>
+              <a:rPr kumimoji="1" lang="ja-JP" altLang="en-US" dirty="0"/>
+              <a:t>今後の展望・反省点です。</a:t>
+            </a:r>
+            <a:endParaRPr kumimoji="1" lang="en-US" altLang="ja-JP" dirty="0"/>
+          </a:p>
+          <a:p>
+            <a:r>
+              <a:rPr kumimoji="1" lang="ja-JP" altLang="en-US" dirty="0"/>
+              <a:t>（読み上げる）</a:t>
+            </a:r>
+            <a:endParaRPr kumimoji="1" lang="en-US" altLang="ja-JP" dirty="0"/>
+          </a:p>
+          <a:p>
+            <a:r>
+              <a:rPr kumimoji="1" lang="ja-JP" altLang="en-US" dirty="0"/>
+              <a:t>今後の研修や業務の際にはこれらの反省を活かして取り組んでいきたいです。</a:t>
+            </a:r>
+          </a:p>
+        </p:txBody>
+      </p:sp>
+      <p:sp>
+        <p:nvSpPr>
+          <p:cNvPr id="4" name="スライド番号プレースホルダー 3"/>
+          <p:cNvSpPr>
+            <a:spLocks noGrp="1"/>
+          </p:cNvSpPr>
+          <p:nvPr>
+            <p:ph type="sldNum" sz="quarter" idx="5"/>
+          </p:nvPr>
+        </p:nvSpPr>
+        <p:spPr/>
+        <p:txBody>
+          <a:bodyPr/>
+          <a:lstStyle/>
+          <a:p>
+            <a:fld id="{890481F9-CFF6-4F01-8E16-C7AB0AB3A6FC}" type="slidenum">
+              <a:rPr kumimoji="1" lang="ja-JP" altLang="en-US" smtClean="0"/>
+              <a:t>26</a:t>
+            </a:fld>
+            <a:endParaRPr kumimoji="1" lang="ja-JP" altLang="en-US"/>
+          </a:p>
+        </p:txBody>
+      </p:sp>
+    </p:spTree>
+    <p:extLst>
+      <p:ext uri="{BB962C8B-B14F-4D97-AF65-F5344CB8AC3E}">
+        <p14:creationId xmlns:p14="http://schemas.microsoft.com/office/powerpoint/2010/main" val="1453658651"/>
+      </p:ext>
+    </p:extLst>
+  </p:cSld>
+  <p:clrMapOvr>
+    <a:masterClrMapping/>
+  </p:clrMapOvr>
+</p:notes>
+</file>
+
+<file path=ppt/notesSlides/notesSlide22.xml><?xml version="1.0" encoding="utf-8"?>
+<p:notes xmlns:a="http://schemas.openxmlformats.org/drawingml/2006/main" xmlns:r="http://schemas.openxmlformats.org/officeDocument/2006/relationships" xmlns:p="http://schemas.openxmlformats.org/presentationml/2006/main">
+  <p:cSld>
+    <p:spTree>
+      <p:nvGrpSpPr>
+        <p:cNvPr id="1" name=""/>
+        <p:cNvGrpSpPr/>
+        <p:nvPr/>
+      </p:nvGrpSpPr>
+      <p:grpSpPr>
+        <a:xfrm>
+          <a:off x="0" y="0"/>
+          <a:ext cx="0" cy="0"/>
+          <a:chOff x="0" y="0"/>
+          <a:chExt cx="0" cy="0"/>
+        </a:xfrm>
+      </p:grpSpPr>
+      <p:sp>
+        <p:nvSpPr>
+          <p:cNvPr id="2" name="スライド イメージ プレースホルダー 1"/>
+          <p:cNvSpPr>
+            <a:spLocks noGrp="1" noRot="1" noChangeAspect="1"/>
+          </p:cNvSpPr>
+          <p:nvPr>
+            <p:ph type="sldImg"/>
+          </p:nvPr>
+        </p:nvSpPr>
+        <p:spPr/>
+      </p:sp>
+      <p:sp>
+        <p:nvSpPr>
+          <p:cNvPr id="3" name="ノート プレースホルダー 2"/>
+          <p:cNvSpPr>
+            <a:spLocks noGrp="1"/>
+          </p:cNvSpPr>
+          <p:nvPr>
+            <p:ph type="body" idx="1"/>
+          </p:nvPr>
+        </p:nvSpPr>
+        <p:spPr/>
+        <p:txBody>
+          <a:bodyPr/>
+          <a:lstStyle/>
+          <a:p>
+            <a:r>
+              <a:rPr kumimoji="1" lang="en-US" altLang="ja-JP" dirty="0"/>
+              <a:t>【</a:t>
+            </a:r>
+            <a:r>
+              <a:rPr kumimoji="1" lang="ja-JP" altLang="en-US" dirty="0"/>
+              <a:t>笹原</a:t>
+            </a:r>
+            <a:r>
+              <a:rPr kumimoji="1" lang="en-US" altLang="ja-JP" dirty="0"/>
+              <a:t>】</a:t>
+            </a:r>
+            <a:r>
+              <a:rPr kumimoji="1" lang="ja-JP" altLang="en-US" dirty="0"/>
+              <a:t>ここからは個人の成長についてです。それぞれこの研修で学んだ部分を発表していきます。</a:t>
+            </a:r>
+          </a:p>
+        </p:txBody>
+      </p:sp>
+      <p:sp>
+        <p:nvSpPr>
+          <p:cNvPr id="4" name="スライド番号プレースホルダー 3"/>
+          <p:cNvSpPr>
+            <a:spLocks noGrp="1"/>
+          </p:cNvSpPr>
+          <p:nvPr>
+            <p:ph type="sldNum" sz="quarter" idx="5"/>
+          </p:nvPr>
+        </p:nvSpPr>
+        <p:spPr/>
+        <p:txBody>
+          <a:bodyPr/>
+          <a:lstStyle/>
+          <a:p>
+            <a:fld id="{890481F9-CFF6-4F01-8E16-C7AB0AB3A6FC}" type="slidenum">
+              <a:rPr kumimoji="1" lang="ja-JP" altLang="en-US" smtClean="0"/>
+              <a:t>27</a:t>
+            </a:fld>
+            <a:endParaRPr kumimoji="1" lang="ja-JP" altLang="en-US"/>
+          </a:p>
+        </p:txBody>
+      </p:sp>
+    </p:spTree>
+    <p:extLst>
+      <p:ext uri="{BB962C8B-B14F-4D97-AF65-F5344CB8AC3E}">
+        <p14:creationId xmlns:p14="http://schemas.microsoft.com/office/powerpoint/2010/main" val="2780090354"/>
+      </p:ext>
+    </p:extLst>
+  </p:cSld>
+  <p:clrMapOvr>
+    <a:masterClrMapping/>
+  </p:clrMapOvr>
+</p:notes>
+</file>
+
+<file path=ppt/notesSlides/notesSlide23.xml><?xml version="1.0" encoding="utf-8"?>
+<p:notes xmlns:a="http://schemas.openxmlformats.org/drawingml/2006/main" xmlns:r="http://schemas.openxmlformats.org/officeDocument/2006/relationships" xmlns:p="http://schemas.openxmlformats.org/presentationml/2006/main">
+  <p:cSld>
+    <p:spTree>
+      <p:nvGrpSpPr>
+        <p:cNvPr id="1" name=""/>
+        <p:cNvGrpSpPr/>
+        <p:nvPr/>
+      </p:nvGrpSpPr>
+      <p:grpSpPr>
+        <a:xfrm>
+          <a:off x="0" y="0"/>
+          <a:ext cx="0" cy="0"/>
+          <a:chOff x="0" y="0"/>
+          <a:chExt cx="0" cy="0"/>
+        </a:xfrm>
+      </p:grpSpPr>
+      <p:sp>
+        <p:nvSpPr>
+          <p:cNvPr id="2" name="スライド イメージ プレースホルダー 1"/>
+          <p:cNvSpPr>
+            <a:spLocks noGrp="1" noRot="1" noChangeAspect="1"/>
+          </p:cNvSpPr>
+          <p:nvPr>
+            <p:ph type="sldImg"/>
+          </p:nvPr>
+        </p:nvSpPr>
+        <p:spPr/>
+      </p:sp>
+      <p:sp>
+        <p:nvSpPr>
+          <p:cNvPr id="3" name="ノート プレースホルダー 2"/>
+          <p:cNvSpPr>
+            <a:spLocks noGrp="1"/>
+          </p:cNvSpPr>
+          <p:nvPr>
+            <p:ph type="body" idx="1"/>
+          </p:nvPr>
+        </p:nvSpPr>
+        <p:spPr/>
+        <p:txBody>
+          <a:bodyPr/>
+          <a:lstStyle/>
+          <a:p>
+            <a:r>
+              <a:rPr kumimoji="1" lang="en-US" altLang="ja-JP" dirty="0"/>
+              <a:t>【</a:t>
+            </a:r>
+            <a:r>
+              <a:rPr kumimoji="1" lang="ja-JP" altLang="en-US" dirty="0"/>
+              <a:t>藤澤</a:t>
+            </a:r>
+            <a:r>
+              <a:rPr kumimoji="1" lang="en-US" altLang="ja-JP" dirty="0"/>
+              <a:t>】</a:t>
+            </a:r>
+            <a:r>
+              <a:rPr kumimoji="1" lang="ja-JP" altLang="en-US" dirty="0"/>
+              <a:t>この１か月間、私たちはこのアプリ開発を通してさまざまなことを学びました。</a:t>
+            </a:r>
+            <a:endParaRPr kumimoji="1" lang="en-US" altLang="ja-JP" dirty="0"/>
+          </a:p>
+          <a:p>
+            <a:r>
+              <a:rPr kumimoji="1" lang="ja-JP" altLang="en-US" dirty="0"/>
+              <a:t>研修後はそれぞれの道に進みますが、この研修での学びを忘れずに頑張っていこうと思います。</a:t>
+            </a:r>
+            <a:endParaRPr kumimoji="1" lang="en-US" altLang="ja-JP" dirty="0"/>
+          </a:p>
+          <a:p>
+            <a:r>
+              <a:rPr kumimoji="1" lang="ja-JP" altLang="en-US" dirty="0"/>
+              <a:t>以上でチーム</a:t>
+            </a:r>
+            <a:r>
+              <a:rPr kumimoji="1" lang="en-US" altLang="ja-JP" dirty="0"/>
+              <a:t>A</a:t>
+            </a:r>
+            <a:r>
+              <a:rPr kumimoji="1" lang="ja-JP" altLang="en-US" dirty="0"/>
+              <a:t>型の発表を終わります。ありがとうございました。</a:t>
+            </a:r>
+            <a:endParaRPr kumimoji="1" lang="en-US" altLang="ja-JP" dirty="0"/>
+          </a:p>
+        </p:txBody>
+      </p:sp>
+      <p:sp>
+        <p:nvSpPr>
+          <p:cNvPr id="4" name="スライド番号プレースホルダー 3"/>
+          <p:cNvSpPr>
+            <a:spLocks noGrp="1"/>
+          </p:cNvSpPr>
+          <p:nvPr>
+            <p:ph type="sldNum" sz="quarter" idx="5"/>
+          </p:nvPr>
+        </p:nvSpPr>
+        <p:spPr/>
+        <p:txBody>
+          <a:bodyPr/>
+          <a:lstStyle/>
+          <a:p>
+            <a:fld id="{890481F9-CFF6-4F01-8E16-C7AB0AB3A6FC}" type="slidenum">
+              <a:rPr kumimoji="1" lang="ja-JP" altLang="en-US" smtClean="0"/>
+              <a:t>30</a:t>
+            </a:fld>
+            <a:endParaRPr kumimoji="1" lang="ja-JP" altLang="en-US"/>
+          </a:p>
+        </p:txBody>
+      </p:sp>
+    </p:spTree>
+    <p:extLst>
+      <p:ext uri="{BB962C8B-B14F-4D97-AF65-F5344CB8AC3E}">
+        <p14:creationId xmlns:p14="http://schemas.microsoft.com/office/powerpoint/2010/main" val="3286798595"/>
       </p:ext>
     </p:extLst>
   </p:cSld>
@@ -4388,6 +5441,20 @@
           <a:lstStyle/>
           <a:p>
             <a:r>
+              <a:rPr kumimoji="1" lang="en-US" altLang="ja-JP" dirty="0"/>
+              <a:t>【</a:t>
+            </a:r>
+            <a:r>
+              <a:rPr kumimoji="1" lang="ja-JP" altLang="en-US" dirty="0"/>
+              <a:t>高井</a:t>
+            </a:r>
+            <a:r>
+              <a:rPr kumimoji="1" lang="en-US" altLang="ja-JP" dirty="0"/>
+              <a:t>】</a:t>
+            </a:r>
+          </a:p>
+          <a:p>
+            <a:r>
               <a:rPr kumimoji="1" lang="ja-JP" altLang="en-US" dirty="0"/>
               <a:t>そんなあなたにお勧めしたいのが、私たちが制作したアプリ「</a:t>
             </a:r>
@@ -4497,10 +5564,7 @@
           <a:bodyPr/>
           <a:lstStyle/>
           <a:p>
-            <a:r>
-              <a:rPr kumimoji="1" lang="ja-JP" altLang="en-US" dirty="0"/>
-              <a:t>流れを読み上げる感じ</a:t>
-            </a:r>
+            <a:endParaRPr kumimoji="1" lang="ja-JP" altLang="en-US" dirty="0"/>
           </a:p>
         </p:txBody>
       </p:sp>
@@ -4521,7 +5585,7 @@
           <a:p>
             <a:fld id="{890481F9-CFF6-4F01-8E16-C7AB0AB3A6FC}" type="slidenum">
               <a:rPr kumimoji="1" lang="ja-JP" altLang="en-US" smtClean="0"/>
-              <a:t>7</a:t>
+              <a:t>6</a:t>
             </a:fld>
             <a:endParaRPr kumimoji="1" lang="ja-JP" altLang="en-US"/>
           </a:p>
@@ -4530,7 +5594,7 @@
     </p:spTree>
     <p:extLst>
       <p:ext uri="{BB962C8B-B14F-4D97-AF65-F5344CB8AC3E}">
-        <p14:creationId xmlns:p14="http://schemas.microsoft.com/office/powerpoint/2010/main" val="162901058"/>
+        <p14:creationId xmlns:p14="http://schemas.microsoft.com/office/powerpoint/2010/main" val="1911622614"/>
       </p:ext>
     </p:extLst>
   </p:cSld>
@@ -4585,68 +5649,55 @@
           <a:lstStyle/>
           <a:p>
             <a:r>
+              <a:rPr kumimoji="1" lang="en-US" altLang="ja-JP" dirty="0"/>
+              <a:t>【</a:t>
+            </a:r>
+            <a:r>
               <a:rPr kumimoji="1" lang="ja-JP" altLang="en-US" dirty="0"/>
-              <a:t>まずアプリを使用するためにユーザー登録をします。</a:t>
+              <a:t>石堂</a:t>
+            </a:r>
+            <a:r>
+              <a:rPr kumimoji="1" lang="en-US" altLang="ja-JP" dirty="0"/>
+              <a:t>】</a:t>
+            </a:r>
+          </a:p>
+          <a:p>
+            <a:r>
+              <a:rPr kumimoji="1" lang="en-US" altLang="ja-JP" dirty="0"/>
+              <a:t>Closet</a:t>
+            </a:r>
+            <a:r>
+              <a:rPr kumimoji="1" lang="ja-JP" altLang="en-US" dirty="0"/>
+              <a:t>　</a:t>
+            </a:r>
+            <a:r>
+              <a:rPr kumimoji="1" lang="en-US" altLang="ja-JP" dirty="0"/>
+              <a:t>with me</a:t>
+            </a:r>
+            <a:r>
+              <a:rPr kumimoji="1" lang="ja-JP" altLang="en-US" dirty="0"/>
+              <a:t>の流れを紹介します。</a:t>
             </a:r>
             <a:endParaRPr kumimoji="1" lang="en-US" altLang="ja-JP" dirty="0"/>
           </a:p>
           <a:p>
             <a:r>
               <a:rPr kumimoji="1" lang="ja-JP" altLang="en-US" dirty="0"/>
-              <a:t>ここでは</a:t>
-            </a:r>
-            <a:r>
-              <a:rPr kumimoji="1" lang="en-US" altLang="ja-JP" dirty="0"/>
-              <a:t>ID</a:t>
-            </a:r>
+              <a:t>（上の図を読み上げる）</a:t>
+            </a:r>
+            <a:endParaRPr kumimoji="1" lang="en-US" altLang="ja-JP" dirty="0"/>
+          </a:p>
+          <a:p>
             <a:r>
               <a:rPr kumimoji="1" lang="ja-JP" altLang="en-US" dirty="0"/>
-              <a:t>、</a:t>
-            </a:r>
-            <a:r>
-              <a:rPr kumimoji="1" lang="en-US" altLang="ja-JP" dirty="0"/>
-              <a:t>PW</a:t>
-            </a:r>
+              <a:t>ユーザーはこのような流れでアプリを使用することを想定しています。</a:t>
+            </a:r>
+            <a:endParaRPr kumimoji="1" lang="en-US" altLang="ja-JP" dirty="0"/>
+          </a:p>
+          <a:p>
             <a:r>
               <a:rPr kumimoji="1" lang="ja-JP" altLang="en-US" dirty="0"/>
-              <a:t>の他に性別や居住地、暑がり・寒がり指数を設定します。</a:t>
-            </a:r>
-            <a:endParaRPr kumimoji="1" lang="en-US" altLang="ja-JP" dirty="0"/>
-          </a:p>
-          <a:p>
-            <a:r>
-              <a:rPr kumimoji="1" lang="ja-JP" altLang="en-US" dirty="0"/>
-              <a:t>暑がり・寒がり指数は個人で自分が暑がりか寒がりかを判断し、</a:t>
-            </a:r>
-            <a:r>
-              <a:rPr kumimoji="1" lang="en-US" altLang="ja-JP" dirty="0"/>
-              <a:t>11</a:t>
-            </a:r>
-            <a:r>
-              <a:rPr kumimoji="1" lang="ja-JP" altLang="en-US" dirty="0"/>
-              <a:t>段階の中から設定します。</a:t>
-            </a:r>
-            <a:endParaRPr kumimoji="1" lang="en-US" altLang="ja-JP" dirty="0"/>
-          </a:p>
-          <a:p>
-            <a:r>
-              <a:rPr kumimoji="1" lang="ja-JP" altLang="en-US" dirty="0"/>
-              <a:t>例えばとても暑がりな人は</a:t>
-            </a:r>
-            <a:r>
-              <a:rPr kumimoji="1" lang="en-US" altLang="ja-JP" dirty="0"/>
-              <a:t>+</a:t>
-            </a:r>
-            <a:r>
-              <a:rPr kumimoji="1" lang="ja-JP" altLang="en-US" dirty="0"/>
-              <a:t>５，普通の人は０，とても寒がりな人は－５というように設定します。</a:t>
-            </a:r>
-            <a:endParaRPr kumimoji="1" lang="en-US" altLang="ja-JP" dirty="0"/>
-          </a:p>
-          <a:p>
-            <a:r>
-              <a:rPr kumimoji="1" lang="ja-JP" altLang="en-US" dirty="0"/>
-              <a:t>居住地や暑がり・寒がり指数は気温やお勧めする服装に関連しており、ここで設定した情報は後から変更することができます。</a:t>
+              <a:t>詳しい使い方は、次の動画でご説明します。</a:t>
             </a:r>
           </a:p>
         </p:txBody>
@@ -4668,7 +5719,7 @@
           <a:p>
             <a:fld id="{890481F9-CFF6-4F01-8E16-C7AB0AB3A6FC}" type="slidenum">
               <a:rPr kumimoji="1" lang="ja-JP" altLang="en-US" smtClean="0"/>
-              <a:t>10</a:t>
+              <a:t>7</a:t>
             </a:fld>
             <a:endParaRPr kumimoji="1" lang="ja-JP" altLang="en-US"/>
           </a:p>
@@ -4677,7 +5728,7 @@
     </p:spTree>
     <p:extLst>
       <p:ext uri="{BB962C8B-B14F-4D97-AF65-F5344CB8AC3E}">
-        <p14:creationId xmlns:p14="http://schemas.microsoft.com/office/powerpoint/2010/main" val="1253072445"/>
+        <p14:creationId xmlns:p14="http://schemas.microsoft.com/office/powerpoint/2010/main" val="162901058"/>
       </p:ext>
     </p:extLst>
   </p:cSld>
@@ -4733,35 +5784,67 @@
           <a:p>
             <a:r>
               <a:rPr kumimoji="1" lang="ja-JP" altLang="en-US" dirty="0"/>
-              <a:t>こちらがログイン後に表示されるメイン画面です。</a:t>
+              <a:t>まずアプリを使用するためにユーザー登録をします。</a:t>
             </a:r>
             <a:endParaRPr kumimoji="1" lang="en-US" altLang="ja-JP" dirty="0"/>
           </a:p>
           <a:p>
             <a:r>
               <a:rPr kumimoji="1" lang="ja-JP" altLang="en-US" dirty="0"/>
-              <a:t>メニューバーには服登録、一覧、コーディネート履歴、プロフィール、ログアウト機能があります。</a:t>
+              <a:t>ここでは</a:t>
+            </a:r>
+            <a:r>
+              <a:rPr kumimoji="1" lang="en-US" altLang="ja-JP" dirty="0"/>
+              <a:t>ID</a:t>
+            </a:r>
+            <a:r>
+              <a:rPr kumimoji="1" lang="ja-JP" altLang="en-US" dirty="0"/>
+              <a:t>、</a:t>
+            </a:r>
+            <a:r>
+              <a:rPr kumimoji="1" lang="en-US" altLang="ja-JP" dirty="0"/>
+              <a:t>PW</a:t>
+            </a:r>
+            <a:r>
+              <a:rPr kumimoji="1" lang="ja-JP" altLang="en-US" dirty="0"/>
+              <a:t>の他に性別や居住地、暑がり・寒がり指数を設定します。</a:t>
             </a:r>
             <a:endParaRPr kumimoji="1" lang="en-US" altLang="ja-JP" dirty="0"/>
           </a:p>
           <a:p>
             <a:r>
               <a:rPr kumimoji="1" lang="ja-JP" altLang="en-US" dirty="0"/>
-              <a:t>操作性を考えてメニューバーはスクロールしても表示され、ロゴを押すとメイン画面に遷移するように設計されています。</a:t>
+              <a:t>暑がり・寒がり指数は個人で自分が暑がりか寒がりかを判断し、</a:t>
+            </a:r>
+            <a:r>
+              <a:rPr kumimoji="1" lang="en-US" altLang="ja-JP" dirty="0"/>
+              <a:t>11</a:t>
+            </a:r>
+            <a:r>
+              <a:rPr kumimoji="1" lang="ja-JP" altLang="en-US" dirty="0"/>
+              <a:t>段階の中から設定します。</a:t>
             </a:r>
             <a:endParaRPr kumimoji="1" lang="en-US" altLang="ja-JP" dirty="0"/>
           </a:p>
           <a:p>
             <a:r>
               <a:rPr kumimoji="1" lang="ja-JP" altLang="en-US" dirty="0"/>
-              <a:t>メイン画面では今日の日付と気温、３時間ごとに取得された天気を表示しています。</a:t>
+              <a:t>例えばとても暑がりな人は</a:t>
+            </a:r>
+            <a:r>
+              <a:rPr kumimoji="1" lang="en-US" altLang="ja-JP" dirty="0"/>
+              <a:t>+</a:t>
+            </a:r>
+            <a:r>
+              <a:rPr kumimoji="1" lang="ja-JP" altLang="en-US" dirty="0"/>
+              <a:t>５，普通の人は０，とても寒がりな人は－５というように設定します。</a:t>
             </a:r>
             <a:endParaRPr kumimoji="1" lang="en-US" altLang="ja-JP" dirty="0"/>
           </a:p>
           <a:p>
             <a:r>
               <a:rPr kumimoji="1" lang="ja-JP" altLang="en-US" dirty="0"/>
-              <a:t>その下に、今日の気温と個人の暑がり・寒がり指数に合わせたおすすめの組み合わせが表示され、クリックすると登録した服の一覧を見ることができます。</a:t>
+              <a:t>居住地や暑がり・寒がり指数は気温やお勧めする服装に関連しており、ここで設定した情報は後から変更することができます。</a:t>
             </a:r>
           </a:p>
         </p:txBody>
@@ -4783,7 +5866,7 @@
           <a:p>
             <a:fld id="{890481F9-CFF6-4F01-8E16-C7AB0AB3A6FC}" type="slidenum">
               <a:rPr kumimoji="1" lang="ja-JP" altLang="en-US" smtClean="0"/>
-              <a:t>11</a:t>
+              <a:t>10</a:t>
             </a:fld>
             <a:endParaRPr kumimoji="1" lang="ja-JP" altLang="en-US"/>
           </a:p>
@@ -4792,7 +5875,7 @@
     </p:spTree>
     <p:extLst>
       <p:ext uri="{BB962C8B-B14F-4D97-AF65-F5344CB8AC3E}">
-        <p14:creationId xmlns:p14="http://schemas.microsoft.com/office/powerpoint/2010/main" val="3326315046"/>
+        <p14:creationId xmlns:p14="http://schemas.microsoft.com/office/powerpoint/2010/main" val="1253072445"/>
       </p:ext>
     </p:extLst>
   </p:cSld>
@@ -4846,7 +5929,38 @@
           <a:bodyPr/>
           <a:lstStyle/>
           <a:p>
-            <a:endParaRPr kumimoji="1" lang="ja-JP" altLang="en-US" dirty="0"/>
+            <a:r>
+              <a:rPr kumimoji="1" lang="ja-JP" altLang="en-US" dirty="0"/>
+              <a:t>こちらがログイン後に表示されるメイン画面です。</a:t>
+            </a:r>
+            <a:endParaRPr kumimoji="1" lang="en-US" altLang="ja-JP" dirty="0"/>
+          </a:p>
+          <a:p>
+            <a:r>
+              <a:rPr kumimoji="1" lang="ja-JP" altLang="en-US" dirty="0"/>
+              <a:t>メニューバーには服登録、一覧、コーディネート履歴、プロフィール、ログアウト機能があります。</a:t>
+            </a:r>
+            <a:endParaRPr kumimoji="1" lang="en-US" altLang="ja-JP" dirty="0"/>
+          </a:p>
+          <a:p>
+            <a:r>
+              <a:rPr kumimoji="1" lang="ja-JP" altLang="en-US" dirty="0"/>
+              <a:t>操作性を考えてメニューバーはスクロールしても表示され、ロゴを押すとメイン画面に遷移するように設計されています。</a:t>
+            </a:r>
+            <a:endParaRPr kumimoji="1" lang="en-US" altLang="ja-JP" dirty="0"/>
+          </a:p>
+          <a:p>
+            <a:r>
+              <a:rPr kumimoji="1" lang="ja-JP" altLang="en-US" dirty="0"/>
+              <a:t>メイン画面では今日の日付と気温、３時間ごとに取得された天気を表示しています。</a:t>
+            </a:r>
+            <a:endParaRPr kumimoji="1" lang="en-US" altLang="ja-JP" dirty="0"/>
+          </a:p>
+          <a:p>
+            <a:r>
+              <a:rPr kumimoji="1" lang="ja-JP" altLang="en-US" dirty="0"/>
+              <a:t>その下に、今日の気温と個人の暑がり・寒がり指数に合わせたおすすめの組み合わせが表示され、クリックすると登録した服の一覧を見ることができます。</a:t>
+            </a:r>
           </a:p>
         </p:txBody>
       </p:sp>
@@ -4867,7 +5981,7 @@
           <a:p>
             <a:fld id="{890481F9-CFF6-4F01-8E16-C7AB0AB3A6FC}" type="slidenum">
               <a:rPr kumimoji="1" lang="ja-JP" altLang="en-US" smtClean="0"/>
-              <a:t>15</a:t>
+              <a:t>11</a:t>
             </a:fld>
             <a:endParaRPr kumimoji="1" lang="ja-JP" altLang="en-US"/>
           </a:p>
@@ -4876,7 +5990,7 @@
     </p:spTree>
     <p:extLst>
       <p:ext uri="{BB962C8B-B14F-4D97-AF65-F5344CB8AC3E}">
-        <p14:creationId xmlns:p14="http://schemas.microsoft.com/office/powerpoint/2010/main" val="1948329169"/>
+        <p14:creationId xmlns:p14="http://schemas.microsoft.com/office/powerpoint/2010/main" val="3326315046"/>
       </p:ext>
     </p:extLst>
   </p:cSld>
@@ -4930,32 +6044,6 @@
           <a:bodyPr/>
           <a:lstStyle/>
           <a:p>
-            <a:r>
-              <a:rPr kumimoji="1" lang="ja-JP" altLang="en-US" dirty="0"/>
-              <a:t>ここから、特にこだわった機能を紹介します。１つ目は「暑がり・寒がり機能です</a:t>
-            </a:r>
-            <a:endParaRPr kumimoji="1" lang="en-US" altLang="ja-JP" dirty="0"/>
-          </a:p>
-          <a:p>
-            <a:r>
-              <a:rPr kumimoji="1" lang="ja-JP" altLang="en-US" dirty="0"/>
-              <a:t>同じ気温でも、暑がりな人と寒がりな人とでは体感温度が異なるため、個人で暑がり・寒がりの段階を設定し、それによっておすすめする服が変化します。</a:t>
-            </a:r>
-            <a:endParaRPr kumimoji="1" lang="en-US" altLang="ja-JP" dirty="0"/>
-          </a:p>
-          <a:p>
-            <a:r>
-              <a:rPr kumimoji="1" lang="en-US" altLang="ja-JP" dirty="0"/>
-              <a:t>(</a:t>
-            </a:r>
-            <a:r>
-              <a:rPr kumimoji="1" lang="ja-JP" altLang="en-US" dirty="0"/>
-              <a:t>必要であれば機能の詳しい説明</a:t>
-            </a:r>
-            <a:r>
-              <a:rPr kumimoji="1" lang="en-US" altLang="ja-JP" dirty="0"/>
-              <a:t>)</a:t>
-            </a:r>
             <a:endParaRPr kumimoji="1" lang="ja-JP" altLang="en-US" dirty="0"/>
           </a:p>
         </p:txBody>
@@ -4977,7 +6065,7 @@
           <a:p>
             <a:fld id="{890481F9-CFF6-4F01-8E16-C7AB0AB3A6FC}" type="slidenum">
               <a:rPr kumimoji="1" lang="ja-JP" altLang="en-US" smtClean="0"/>
-              <a:t>16</a:t>
+              <a:t>12</a:t>
             </a:fld>
             <a:endParaRPr kumimoji="1" lang="ja-JP" altLang="en-US"/>
           </a:p>
@@ -4986,7 +6074,7 @@
     </p:spTree>
     <p:extLst>
       <p:ext uri="{BB962C8B-B14F-4D97-AF65-F5344CB8AC3E}">
-        <p14:creationId xmlns:p14="http://schemas.microsoft.com/office/powerpoint/2010/main" val="1136344043"/>
+        <p14:creationId xmlns:p14="http://schemas.microsoft.com/office/powerpoint/2010/main" val="593704192"/>
       </p:ext>
     </p:extLst>
   </p:cSld>
@@ -8598,7 +9686,7 @@
 </file>
 
 <file path=ppt/slides/slide10.xml><?xml version="1.0" encoding="utf-8"?>
-<p:sld xmlns:a="http://schemas.openxmlformats.org/drawingml/2006/main" xmlns:r="http://schemas.openxmlformats.org/officeDocument/2006/relationships" xmlns:p="http://schemas.openxmlformats.org/presentationml/2006/main">
+<p:sld xmlns:a="http://schemas.openxmlformats.org/drawingml/2006/main" xmlns:r="http://schemas.openxmlformats.org/officeDocument/2006/relationships" xmlns:p="http://schemas.openxmlformats.org/presentationml/2006/main" show="0">
   <p:cSld>
     <p:spTree>
       <p:nvGrpSpPr>
@@ -9257,7 +10345,7 @@
 </file>
 
 <file path=ppt/slides/slide11.xml><?xml version="1.0" encoding="utf-8"?>
-<p:sld xmlns:a="http://schemas.openxmlformats.org/drawingml/2006/main" xmlns:r="http://schemas.openxmlformats.org/officeDocument/2006/relationships" xmlns:p="http://schemas.openxmlformats.org/presentationml/2006/main">
+<p:sld xmlns:a="http://schemas.openxmlformats.org/drawingml/2006/main" xmlns:r="http://schemas.openxmlformats.org/officeDocument/2006/relationships" xmlns:p="http://schemas.openxmlformats.org/presentationml/2006/main" show="0">
   <p:cSld>
     <p:spTree>
       <p:nvGrpSpPr>
@@ -9559,7 +10647,10 @@
           <a:bodyPr/>
           <a:lstStyle/>
           <a:p>
-            <a:endParaRPr kumimoji="1" lang="ja-JP" altLang="en-US"/>
+            <a:r>
+              <a:rPr kumimoji="1" lang="ja-JP" altLang="en-US" dirty="0"/>
+              <a:t>動画</a:t>
+            </a:r>
           </a:p>
         </p:txBody>
       </p:sp>
@@ -9584,7 +10675,10 @@
           <a:bodyPr/>
           <a:lstStyle/>
           <a:p>
-            <a:endParaRPr kumimoji="1" lang="ja-JP" altLang="en-US"/>
+            <a:r>
+              <a:rPr kumimoji="1" lang="ja-JP" altLang="en-US" dirty="0"/>
+              <a:t>動画を埋め込むよ</a:t>
+            </a:r>
           </a:p>
         </p:txBody>
       </p:sp>
@@ -11137,84 +12231,317 @@
           </a:p>
         </p:txBody>
       </p:sp>
-      <p:sp>
-        <p:nvSpPr>
-          <p:cNvPr id="3" name="コンテンツ プレースホルダー 2">
+      <p:graphicFrame>
+        <p:nvGraphicFramePr>
+          <p:cNvPr id="8" name="表 8">
             <a:extLst>
               <a:ext uri="{FF2B5EF4-FFF2-40B4-BE49-F238E27FC236}">
-                <a16:creationId xmlns:a16="http://schemas.microsoft.com/office/drawing/2014/main" id="{9BD01539-9248-4FFD-BAFD-73AAA9DD0C2D}"/>
+                <a16:creationId xmlns:a16="http://schemas.microsoft.com/office/drawing/2014/main" id="{4BF1F215-F97F-40C9-B703-EBDF455C5B7D}"/>
               </a:ext>
             </a:extLst>
           </p:cNvPr>
-          <p:cNvSpPr>
-            <a:spLocks noGrp="1"/>
-          </p:cNvSpPr>
+          <p:cNvGraphicFramePr>
+            <a:graphicFrameLocks noGrp="1"/>
+          </p:cNvGraphicFramePr>
           <p:nvPr>
             <p:ph idx="1"/>
+            <p:extLst>
+              <p:ext uri="{D42A27DB-BD31-4B8C-83A1-F6EECF244321}">
+                <p14:modId xmlns:p14="http://schemas.microsoft.com/office/powerpoint/2010/main" val="2811042484"/>
+              </p:ext>
+            </p:extLst>
           </p:nvPr>
-        </p:nvSpPr>
-        <p:spPr/>
-        <p:txBody>
-          <a:bodyPr/>
-          <a:lstStyle/>
-          <a:p>
-            <a:pPr marL="0" indent="0">
-              <a:buNone/>
-            </a:pPr>
-            <a:endParaRPr lang="en-US" altLang="ja-JP" dirty="0"/>
-          </a:p>
-          <a:p>
-            <a:r>
-              <a:rPr kumimoji="1" lang="ja-JP" altLang="en-US" dirty="0"/>
-              <a:t>アプリを使用しない場合</a:t>
-            </a:r>
-            <a:r>
-              <a:rPr lang="ja-JP" altLang="en-US" dirty="0"/>
-              <a:t>→</a:t>
-            </a:r>
-            <a:r>
-              <a:rPr lang="en-US" altLang="ja-JP" dirty="0"/>
-              <a:t>3</a:t>
-            </a:r>
-            <a:r>
-              <a:rPr lang="ja-JP" altLang="en-US" dirty="0"/>
-              <a:t>分</a:t>
-            </a:r>
-            <a:r>
-              <a:rPr lang="en-US" altLang="ja-JP" dirty="0"/>
-              <a:t>28</a:t>
-            </a:r>
-            <a:r>
-              <a:rPr lang="ja-JP" altLang="en-US" dirty="0"/>
-              <a:t>秒</a:t>
-            </a:r>
-            <a:endParaRPr kumimoji="1" lang="en-US" altLang="ja-JP" dirty="0"/>
-          </a:p>
-          <a:p>
-            <a:r>
-              <a:rPr lang="ja-JP" altLang="en-US" dirty="0"/>
-              <a:t>アプリを使用した場合→</a:t>
-            </a:r>
-            <a:r>
-              <a:rPr lang="en-US" altLang="ja-JP" dirty="0"/>
-              <a:t>1</a:t>
-            </a:r>
-            <a:r>
-              <a:rPr lang="ja-JP" altLang="en-US" dirty="0"/>
-              <a:t>分</a:t>
-            </a:r>
-            <a:r>
-              <a:rPr lang="en-US" altLang="ja-JP" dirty="0"/>
-              <a:t>18</a:t>
-            </a:r>
-            <a:r>
-              <a:rPr lang="ja-JP" altLang="en-US" dirty="0"/>
-              <a:t>秒</a:t>
-            </a:r>
-            <a:endParaRPr kumimoji="1" lang="en-US" altLang="ja-JP" dirty="0"/>
-          </a:p>
-        </p:txBody>
-      </p:sp>
+        </p:nvGraphicFramePr>
+        <p:xfrm>
+          <a:off x="455487" y="2751581"/>
+          <a:ext cx="11281026" cy="2473960"/>
+        </p:xfrm>
+        <a:graphic>
+          <a:graphicData uri="http://schemas.openxmlformats.org/drawingml/2006/table">
+            <a:tbl>
+              <a:tblPr firstCol="1" bandRow="1">
+                <a:tableStyleId>{5C22544A-7EE6-4342-B048-85BDC9FD1C3A}</a:tableStyleId>
+              </a:tblPr>
+              <a:tblGrid>
+                <a:gridCol w="3356225">
+                  <a:extLst>
+                    <a:ext uri="{9D8B030D-6E8A-4147-A177-3AD203B41FA5}">
+                      <a16:colId xmlns:a16="http://schemas.microsoft.com/office/drawing/2014/main" val="1399265934"/>
+                    </a:ext>
+                  </a:extLst>
+                </a:gridCol>
+                <a:gridCol w="1448657">
+                  <a:extLst>
+                    <a:ext uri="{9D8B030D-6E8A-4147-A177-3AD203B41FA5}">
+                      <a16:colId xmlns:a16="http://schemas.microsoft.com/office/drawing/2014/main" val="3930563602"/>
+                    </a:ext>
+                  </a:extLst>
+                </a:gridCol>
+                <a:gridCol w="6476144">
+                  <a:extLst>
+                    <a:ext uri="{9D8B030D-6E8A-4147-A177-3AD203B41FA5}">
+                      <a16:colId xmlns:a16="http://schemas.microsoft.com/office/drawing/2014/main" val="1173770613"/>
+                    </a:ext>
+                  </a:extLst>
+                </a:gridCol>
+              </a:tblGrid>
+              <a:tr h="370840">
+                <a:tc>
+                  <a:txBody>
+                    <a:bodyPr/>
+                    <a:lstStyle/>
+                    <a:p>
+                      <a:pPr algn="ctr"/>
+                      <a:endParaRPr kumimoji="1" lang="ja-JP" altLang="en-US" dirty="0"/>
+                    </a:p>
+                  </a:txBody>
+                  <a:tcPr>
+                    <a:solidFill>
+                      <a:srgbClr val="B8D4D3"/>
+                    </a:solidFill>
+                  </a:tcPr>
+                </a:tc>
+                <a:tc>
+                  <a:txBody>
+                    <a:bodyPr/>
+                    <a:lstStyle/>
+                    <a:p>
+                      <a:pPr algn="ctr"/>
+                      <a:r>
+                        <a:rPr kumimoji="1" lang="ja-JP" altLang="en-US" dirty="0"/>
+                        <a:t>所要時間</a:t>
+                      </a:r>
+                    </a:p>
+                  </a:txBody>
+                  <a:tcPr>
+                    <a:solidFill>
+                      <a:srgbClr val="B8D4D3"/>
+                    </a:solidFill>
+                  </a:tcPr>
+                </a:tc>
+                <a:tc>
+                  <a:txBody>
+                    <a:bodyPr/>
+                    <a:lstStyle/>
+                    <a:p>
+                      <a:pPr algn="ctr"/>
+                      <a:r>
+                        <a:rPr kumimoji="1" lang="ja-JP" altLang="en-US" dirty="0"/>
+                        <a:t>工程</a:t>
+                      </a:r>
+                    </a:p>
+                  </a:txBody>
+                  <a:tcPr>
+                    <a:solidFill>
+                      <a:srgbClr val="B8D4D3"/>
+                    </a:solidFill>
+                  </a:tcPr>
+                </a:tc>
+                <a:extLst>
+                  <a:ext uri="{0D108BD9-81ED-4DB2-BD59-A6C34878D82A}">
+                    <a16:rowId xmlns:a16="http://schemas.microsoft.com/office/drawing/2014/main" val="1775206"/>
+                  </a:ext>
+                </a:extLst>
+              </a:tr>
+              <a:tr h="370840">
+                <a:tc>
+                  <a:txBody>
+                    <a:bodyPr/>
+                    <a:lstStyle/>
+                    <a:p>
+                      <a:pPr algn="ctr"/>
+                      <a:r>
+                        <a:rPr kumimoji="1" lang="ja-JP" altLang="en-US" dirty="0">
+                          <a:solidFill>
+                            <a:srgbClr val="230647"/>
+                          </a:solidFill>
+                        </a:rPr>
+                        <a:t>アプリを使用した場合</a:t>
+                      </a:r>
+                    </a:p>
+                  </a:txBody>
+                  <a:tcPr>
+                    <a:solidFill>
+                      <a:srgbClr val="B8D4D3"/>
+                    </a:solidFill>
+                  </a:tcPr>
+                </a:tc>
+                <a:tc>
+                  <a:txBody>
+                    <a:bodyPr/>
+                    <a:lstStyle/>
+                    <a:p>
+                      <a:pPr algn="ctr"/>
+                      <a:r>
+                        <a:rPr kumimoji="1" lang="en-US" altLang="ja-JP" dirty="0"/>
+                        <a:t>3</a:t>
+                      </a:r>
+                      <a:r>
+                        <a:rPr kumimoji="1" lang="ja-JP" altLang="en-US" dirty="0"/>
+                        <a:t>分</a:t>
+                      </a:r>
+                      <a:r>
+                        <a:rPr kumimoji="1" lang="en-US" altLang="ja-JP" dirty="0"/>
+                        <a:t>28</a:t>
+                      </a:r>
+                      <a:r>
+                        <a:rPr kumimoji="1" lang="ja-JP" altLang="en-US" dirty="0"/>
+                        <a:t>秒</a:t>
+                      </a:r>
+                    </a:p>
+                  </a:txBody>
+                  <a:tcPr>
+                    <a:solidFill>
+                      <a:srgbClr val="B8D4D3"/>
+                    </a:solidFill>
+                  </a:tcPr>
+                </a:tc>
+                <a:tc>
+                  <a:txBody>
+                    <a:bodyPr/>
+                    <a:lstStyle/>
+                    <a:p>
+                      <a:pPr algn="ctr"/>
+                      <a:r>
+                        <a:rPr kumimoji="1" lang="ja-JP" altLang="en-US" dirty="0"/>
+                        <a:t>①天気アプリを開く</a:t>
+                      </a:r>
+                      <a:endParaRPr kumimoji="1" lang="en-US" altLang="ja-JP" dirty="0"/>
+                    </a:p>
+                    <a:p>
+                      <a:pPr algn="ctr"/>
+                      <a:r>
+                        <a:rPr kumimoji="1" lang="ja-JP" altLang="en-US" dirty="0"/>
+                        <a:t>②気温を確認する</a:t>
+                      </a:r>
+                      <a:endParaRPr kumimoji="1" lang="en-US" altLang="ja-JP" dirty="0"/>
+                    </a:p>
+                    <a:p>
+                      <a:pPr algn="ctr"/>
+                      <a:r>
+                        <a:rPr kumimoji="1" lang="ja-JP" altLang="en-US" dirty="0"/>
+                        <a:t>③過去の同じ時期の服装を写真フォルダから探す</a:t>
+                      </a:r>
+                      <a:endParaRPr kumimoji="1" lang="en-US" altLang="ja-JP" dirty="0"/>
+                    </a:p>
+                    <a:p>
+                      <a:pPr algn="ctr"/>
+                      <a:r>
+                        <a:rPr kumimoji="1" lang="ja-JP" altLang="en-US" dirty="0"/>
+                        <a:t>④コーディネートを考える</a:t>
+                      </a:r>
+                      <a:endParaRPr kumimoji="1" lang="en-US" altLang="ja-JP" dirty="0"/>
+                    </a:p>
+                  </a:txBody>
+                  <a:tcPr>
+                    <a:solidFill>
+                      <a:srgbClr val="B8D4D3"/>
+                    </a:solidFill>
+                  </a:tcPr>
+                </a:tc>
+                <a:extLst>
+                  <a:ext uri="{0D108BD9-81ED-4DB2-BD59-A6C34878D82A}">
+                    <a16:rowId xmlns:a16="http://schemas.microsoft.com/office/drawing/2014/main" val="3557003479"/>
+                  </a:ext>
+                </a:extLst>
+              </a:tr>
+              <a:tr h="370840">
+                <a:tc>
+                  <a:txBody>
+                    <a:bodyPr/>
+                    <a:lstStyle/>
+                    <a:p>
+                      <a:pPr algn="ctr"/>
+                      <a:r>
+                        <a:rPr kumimoji="1" lang="ja-JP" altLang="en-US" dirty="0">
+                          <a:solidFill>
+                            <a:srgbClr val="230647"/>
+                          </a:solidFill>
+                        </a:rPr>
+                        <a:t>アプリを使用しなかった場合</a:t>
+                      </a:r>
+                    </a:p>
+                  </a:txBody>
+                  <a:tcPr>
+                    <a:solidFill>
+                      <a:srgbClr val="B8D4D3"/>
+                    </a:solidFill>
+                  </a:tcPr>
+                </a:tc>
+                <a:tc>
+                  <a:txBody>
+                    <a:bodyPr/>
+                    <a:lstStyle/>
+                    <a:p>
+                      <a:pPr algn="ctr"/>
+                      <a:r>
+                        <a:rPr kumimoji="1" lang="en-US" altLang="ja-JP" dirty="0"/>
+                        <a:t>1</a:t>
+                      </a:r>
+                      <a:r>
+                        <a:rPr kumimoji="1" lang="ja-JP" altLang="en-US" dirty="0"/>
+                        <a:t>分</a:t>
+                      </a:r>
+                      <a:r>
+                        <a:rPr kumimoji="1" lang="en-US" altLang="ja-JP" dirty="0"/>
+                        <a:t>16</a:t>
+                      </a:r>
+                      <a:r>
+                        <a:rPr kumimoji="1" lang="ja-JP" altLang="en-US" dirty="0"/>
+                        <a:t>秒</a:t>
+                      </a:r>
+                    </a:p>
+                  </a:txBody>
+                  <a:tcPr>
+                    <a:solidFill>
+                      <a:srgbClr val="B8D4D3"/>
+                    </a:solidFill>
+                  </a:tcPr>
+                </a:tc>
+                <a:tc>
+                  <a:txBody>
+                    <a:bodyPr/>
+                    <a:lstStyle/>
+                    <a:p>
+                      <a:pPr algn="ctr"/>
+                      <a:r>
+                        <a:rPr kumimoji="1" lang="ja-JP" altLang="en-US" dirty="0"/>
+                        <a:t>①アプリを開く</a:t>
+                      </a:r>
+                      <a:endParaRPr kumimoji="1" lang="en-US" altLang="ja-JP" dirty="0"/>
+                    </a:p>
+                    <a:p>
+                      <a:pPr algn="ctr"/>
+                      <a:r>
+                        <a:rPr kumimoji="1" lang="ja-JP" altLang="en-US" dirty="0"/>
+                        <a:t>②おすすめの組み合わせを確認する</a:t>
+                      </a:r>
+                      <a:endParaRPr kumimoji="1" lang="en-US" altLang="ja-JP" dirty="0"/>
+                    </a:p>
+                    <a:p>
+                      <a:pPr algn="ctr"/>
+                      <a:r>
+                        <a:rPr kumimoji="1" lang="ja-JP" altLang="en-US" dirty="0"/>
+                        <a:t>③コーディネートを考える</a:t>
+                      </a:r>
+                    </a:p>
+                  </a:txBody>
+                  <a:tcPr>
+                    <a:solidFill>
+                      <a:srgbClr val="B8D4D3"/>
+                    </a:solidFill>
+                  </a:tcPr>
+                </a:tc>
+                <a:extLst>
+                  <a:ext uri="{0D108BD9-81ED-4DB2-BD59-A6C34878D82A}">
+                    <a16:rowId xmlns:a16="http://schemas.microsoft.com/office/drawing/2014/main" val="4064322340"/>
+                  </a:ext>
+                </a:extLst>
+              </a:tr>
+            </a:tbl>
+          </a:graphicData>
+        </a:graphic>
+      </p:graphicFrame>
       <p:sp>
         <p:nvSpPr>
           <p:cNvPr id="4" name="フリーフォーム: 図形 3">
@@ -11229,7 +12556,7 @@
         </p:nvSpPr>
         <p:spPr>
           <a:xfrm rot="3703055" flipH="1">
-            <a:off x="7805544" y="3189453"/>
+            <a:off x="8160959" y="-725000"/>
             <a:ext cx="2436528" cy="3522439"/>
           </a:xfrm>
           <a:custGeom>
@@ -11406,7 +12733,7 @@
         </p:nvSpPr>
         <p:spPr>
           <a:xfrm rot="3703055" flipH="1">
-            <a:off x="7863392" y="3115344"/>
+            <a:off x="8218807" y="-799109"/>
             <a:ext cx="2436528" cy="3522439"/>
           </a:xfrm>
           <a:custGeom>
@@ -11585,7 +12912,7 @@
         </p:nvSpPr>
         <p:spPr>
           <a:xfrm>
-            <a:off x="7604328" y="4766006"/>
+            <a:off x="7959743" y="851553"/>
             <a:ext cx="2954655" cy="369332"/>
           </a:xfrm>
           <a:prstGeom prst="rect">
@@ -14335,38 +15662,37 @@
           <a:lstStyle/>
           <a:p>
             <a:r>
-              <a:rPr kumimoji="1" lang="ja-JP" altLang="en-US" dirty="0"/>
+              <a:rPr kumimoji="1" lang="ja-JP" altLang="en-US" sz="2400" dirty="0"/>
               <a:t>進捗管理</a:t>
             </a:r>
             <a:r>
-              <a:rPr kumimoji="1" lang="en-US" altLang="ja-JP" dirty="0"/>
+              <a:rPr kumimoji="1" lang="en-US" altLang="ja-JP" sz="2400" dirty="0"/>
               <a:t>Excel</a:t>
             </a:r>
             <a:r>
-              <a:rPr kumimoji="1" lang="ja-JP" altLang="en-US" dirty="0"/>
+              <a:rPr kumimoji="1" lang="ja-JP" altLang="en-US" sz="2400" dirty="0"/>
               <a:t>ファイル</a:t>
             </a:r>
-            <a:endParaRPr kumimoji="1" lang="en-US" altLang="ja-JP" dirty="0"/>
-          </a:p>
-          <a:p>
-            <a:r>
-              <a:rPr lang="ja-JP" altLang="en-US" dirty="0"/>
+            <a:endParaRPr kumimoji="1" lang="en-US" altLang="ja-JP" sz="2400" dirty="0"/>
+          </a:p>
+          <a:p>
+            <a:r>
+              <a:rPr lang="ja-JP" altLang="en-US" sz="2400" dirty="0"/>
               <a:t>議事録</a:t>
             </a:r>
-            <a:endParaRPr lang="en-US" altLang="ja-JP" dirty="0"/>
-          </a:p>
-          <a:p>
-            <a:r>
-              <a:rPr kumimoji="1" lang="ja-JP" altLang="en-US" dirty="0"/>
-              <a:t>雑談取り入れる努力</a:t>
-            </a:r>
-            <a:endParaRPr kumimoji="1" lang="en-US" altLang="ja-JP" dirty="0"/>
-          </a:p>
-          <a:p>
-            <a:r>
-              <a:rPr lang="ja-JP" altLang="en-US" dirty="0"/>
+            <a:endParaRPr lang="en-US" altLang="ja-JP" sz="2400" dirty="0"/>
+          </a:p>
+          <a:p>
+            <a:r>
+              <a:rPr lang="ja-JP" altLang="en-US" sz="2400" dirty="0"/>
               <a:t>オンラインで工夫してコミュニケーション取った</a:t>
             </a:r>
+            <a:endParaRPr lang="en-US" altLang="ja-JP" sz="2400" dirty="0"/>
+          </a:p>
+          <a:p>
+            <a:pPr marL="0" indent="0">
+              <a:buNone/>
+            </a:pPr>
             <a:endParaRPr lang="en-US" altLang="ja-JP" dirty="0"/>
           </a:p>
         </p:txBody>
@@ -14519,6 +15845,35 @@
           </a:p>
         </p:txBody>
       </p:sp>
+      <p:pic>
+        <p:nvPicPr>
+          <p:cNvPr id="6" name="図 5">
+            <a:extLst>
+              <a:ext uri="{FF2B5EF4-FFF2-40B4-BE49-F238E27FC236}">
+                <a16:creationId xmlns:a16="http://schemas.microsoft.com/office/drawing/2014/main" id="{28D226E3-4813-4818-8C99-0E9A194B17F2}"/>
+              </a:ext>
+            </a:extLst>
+          </p:cNvPr>
+          <p:cNvPicPr>
+            <a:picLocks noChangeAspect="1"/>
+          </p:cNvPicPr>
+          <p:nvPr/>
+        </p:nvPicPr>
+        <p:blipFill rotWithShape="1">
+          <a:blip r:embed="rId3"/>
+          <a:srcRect t="25050"/>
+          <a:stretch/>
+        </p:blipFill>
+        <p:spPr>
+          <a:xfrm>
+            <a:off x="2630184" y="3101588"/>
+            <a:ext cx="9395351" cy="3654830"/>
+          </a:xfrm>
+          <a:prstGeom prst="rect">
+            <a:avLst/>
+          </a:prstGeom>
+        </p:spPr>
+      </p:pic>
     </p:spTree>
     <p:extLst>
       <p:ext uri="{BB962C8B-B14F-4D97-AF65-F5344CB8AC3E}">
@@ -14533,7 +15888,7 @@
 </file>
 
 <file path=ppt/slides/slide25.xml><?xml version="1.0" encoding="utf-8"?>
-<p:sld xmlns:a="http://schemas.openxmlformats.org/drawingml/2006/main" xmlns:r="http://schemas.openxmlformats.org/officeDocument/2006/relationships" xmlns:p="http://schemas.openxmlformats.org/presentationml/2006/main">
+<p:sld xmlns:a="http://schemas.openxmlformats.org/drawingml/2006/main" xmlns:r="http://schemas.openxmlformats.org/officeDocument/2006/relationships" xmlns:p="http://schemas.openxmlformats.org/presentationml/2006/main" show="0">
   <p:cSld>
     <p:spTree>
       <p:nvGrpSpPr>
@@ -14606,7 +15961,10 @@
           <a:bodyPr/>
           <a:lstStyle/>
           <a:p>
-            <a:endParaRPr kumimoji="1" lang="ja-JP" altLang="en-US" dirty="0"/>
+            <a:r>
+              <a:rPr kumimoji="1" lang="ja-JP" altLang="en-US" dirty="0"/>
+              <a:t>個人で話す？</a:t>
+            </a:r>
           </a:p>
         </p:txBody>
       </p:sp>
@@ -14663,7 +16021,7 @@
           <a:p>
             <a:r>
               <a:rPr kumimoji="1" lang="ja-JP" altLang="en-US" dirty="0"/>
-              <a:t>今後の展望</a:t>
+              <a:t>　今後の展望・反省</a:t>
             </a:r>
           </a:p>
         </p:txBody>
@@ -14707,104 +16065,12 @@
               <a:rPr lang="ja-JP" altLang="en-US" dirty="0"/>
               <a:t>認識統一を図りたかった</a:t>
             </a:r>
-            <a:endParaRPr kumimoji="1" lang="ja-JP" altLang="en-US" dirty="0"/>
-          </a:p>
-        </p:txBody>
-      </p:sp>
-    </p:spTree>
-    <p:extLst>
-      <p:ext uri="{BB962C8B-B14F-4D97-AF65-F5344CB8AC3E}">
-        <p14:creationId xmlns:p14="http://schemas.microsoft.com/office/powerpoint/2010/main" val="225571352"/>
-      </p:ext>
-    </p:extLst>
-  </p:cSld>
-  <p:clrMapOvr>
-    <a:masterClrMapping/>
-  </p:clrMapOvr>
-</p:sld>
-</file>
-
-<file path=ppt/slides/slide27.xml><?xml version="1.0" encoding="utf-8"?>
-<p:sld xmlns:a="http://schemas.openxmlformats.org/drawingml/2006/main" xmlns:r="http://schemas.openxmlformats.org/officeDocument/2006/relationships" xmlns:p="http://schemas.openxmlformats.org/presentationml/2006/main">
-  <p:cSld>
-    <p:spTree>
-      <p:nvGrpSpPr>
-        <p:cNvPr id="1" name=""/>
-        <p:cNvGrpSpPr/>
-        <p:nvPr/>
-      </p:nvGrpSpPr>
-      <p:grpSpPr>
-        <a:xfrm>
-          <a:off x="0" y="0"/>
-          <a:ext cx="0" cy="0"/>
-          <a:chOff x="0" y="0"/>
-          <a:chExt cx="0" cy="0"/>
-        </a:xfrm>
-      </p:grpSpPr>
-      <p:sp>
-        <p:nvSpPr>
-          <p:cNvPr id="2" name="タイトル 1">
-            <a:extLst>
-              <a:ext uri="{FF2B5EF4-FFF2-40B4-BE49-F238E27FC236}">
-                <a16:creationId xmlns:a16="http://schemas.microsoft.com/office/drawing/2014/main" id="{05F98492-02D2-49E3-88FC-800002FD8E44}"/>
-              </a:ext>
-            </a:extLst>
-          </p:cNvPr>
-          <p:cNvSpPr>
-            <a:spLocks noGrp="1"/>
-          </p:cNvSpPr>
-          <p:nvPr>
-            <p:ph type="title"/>
-          </p:nvPr>
-        </p:nvSpPr>
-        <p:spPr/>
-        <p:txBody>
-          <a:bodyPr/>
-          <a:lstStyle/>
-          <a:p>
-            <a:r>
-              <a:rPr kumimoji="1" lang="ja-JP" altLang="en-US" b="1" dirty="0"/>
-              <a:t>　個人の成長</a:t>
-            </a:r>
-          </a:p>
-        </p:txBody>
-      </p:sp>
-      <p:sp>
-        <p:nvSpPr>
-          <p:cNvPr id="3" name="コンテンツ プレースホルダー 2">
-            <a:extLst>
-              <a:ext uri="{FF2B5EF4-FFF2-40B4-BE49-F238E27FC236}">
-                <a16:creationId xmlns:a16="http://schemas.microsoft.com/office/drawing/2014/main" id="{928848D9-CD24-4591-A4D4-ECD4CBABC525}"/>
-              </a:ext>
-            </a:extLst>
-          </p:cNvPr>
-          <p:cNvSpPr>
-            <a:spLocks noGrp="1"/>
-          </p:cNvSpPr>
-          <p:nvPr>
-            <p:ph idx="1"/>
-          </p:nvPr>
-        </p:nvSpPr>
-        <p:spPr/>
-        <p:txBody>
-          <a:bodyPr/>
-          <a:lstStyle/>
-          <a:p>
-            <a:r>
-              <a:rPr kumimoji="1" lang="en-US" altLang="ja-JP" dirty="0"/>
-              <a:t>5</a:t>
-            </a:r>
+            <a:endParaRPr lang="en-US" altLang="ja-JP" dirty="0"/>
+          </a:p>
+          <a:p>
             <a:r>
               <a:rPr kumimoji="1" lang="ja-JP" altLang="en-US" dirty="0"/>
-              <a:t>人それぞれ成長したところ</a:t>
-            </a:r>
-            <a:r>
-              <a:rPr kumimoji="1" lang="en-US" altLang="ja-JP" dirty="0"/>
-              <a:t>1</a:t>
-            </a:r>
-            <a:r>
-              <a:rPr kumimoji="1" lang="ja-JP" altLang="en-US" dirty="0"/>
-              <a:t>ページずつくらいで回して話す？</a:t>
+              <a:t>外部設計書通りに進まないことがあった</a:t>
             </a:r>
           </a:p>
         </p:txBody>
@@ -14814,7 +16080,7 @@
           <p:cNvPr id="4" name="フリーフォーム: 図形 3">
             <a:extLst>
               <a:ext uri="{FF2B5EF4-FFF2-40B4-BE49-F238E27FC236}">
-                <a16:creationId xmlns:a16="http://schemas.microsoft.com/office/drawing/2014/main" id="{E0E59550-2929-4643-9D9E-C7C80153F254}"/>
+                <a16:creationId xmlns:a16="http://schemas.microsoft.com/office/drawing/2014/main" id="{0B5D9B52-F22F-4C09-BAE2-21BAE700194A}"/>
               </a:ext>
             </a:extLst>
           </p:cNvPr>
@@ -14960,7 +16226,7 @@
     </p:spTree>
     <p:extLst>
       <p:ext uri="{BB962C8B-B14F-4D97-AF65-F5344CB8AC3E}">
-        <p14:creationId xmlns:p14="http://schemas.microsoft.com/office/powerpoint/2010/main" val="1713267602"/>
+        <p14:creationId xmlns:p14="http://schemas.microsoft.com/office/powerpoint/2010/main" val="225571352"/>
       </p:ext>
     </p:extLst>
   </p:cSld>
@@ -14970,7 +16236,7 @@
 </p:sld>
 </file>
 
-<file path=ppt/slides/slide28.xml><?xml version="1.0" encoding="utf-8"?>
+<file path=ppt/slides/slide27.xml><?xml version="1.0" encoding="utf-8"?>
 <p:sld xmlns:a="http://schemas.openxmlformats.org/drawingml/2006/main" xmlns:r="http://schemas.openxmlformats.org/officeDocument/2006/relationships" xmlns:p="http://schemas.openxmlformats.org/presentationml/2006/main">
   <p:cSld>
     <p:spTree>
@@ -14992,7 +16258,7 @@
           <p:cNvPr id="2" name="タイトル 1">
             <a:extLst>
               <a:ext uri="{FF2B5EF4-FFF2-40B4-BE49-F238E27FC236}">
-                <a16:creationId xmlns:a16="http://schemas.microsoft.com/office/drawing/2014/main" id="{C4E293E7-8925-4EAD-8B78-DF5C6456A942}"/>
+                <a16:creationId xmlns:a16="http://schemas.microsoft.com/office/drawing/2014/main" id="{05F98492-02D2-49E3-88FC-800002FD8E44}"/>
               </a:ext>
             </a:extLst>
           </p:cNvPr>
@@ -15005,584 +16271,31 @@
         </p:nvSpPr>
         <p:spPr/>
         <p:txBody>
-          <a:bodyPr>
-            <a:normAutofit/>
-          </a:bodyPr>
+          <a:bodyPr/>
           <a:lstStyle/>
           <a:p>
             <a:r>
-              <a:rPr kumimoji="1" lang="ja-JP" altLang="en-US" sz="4400" dirty="0"/>
-              <a:t>高井咲楽</a:t>
-            </a:r>
-          </a:p>
-        </p:txBody>
-      </p:sp>
-      <p:sp>
-        <p:nvSpPr>
-          <p:cNvPr id="3" name="コンテンツ プレースホルダー 2">
+              <a:rPr kumimoji="1" lang="ja-JP" altLang="en-US" b="1" dirty="0"/>
+              <a:t>　個人の成長</a:t>
+            </a:r>
+          </a:p>
+        </p:txBody>
+      </p:sp>
+      <p:pic>
+        <p:nvPicPr>
+          <p:cNvPr id="9" name="コンテンツ プレースホルダー 8" descr="抽象, 挿絵 が含まれている画像&#10;&#10;自動的に生成された説明">
             <a:extLst>
               <a:ext uri="{FF2B5EF4-FFF2-40B4-BE49-F238E27FC236}">
-                <a16:creationId xmlns:a16="http://schemas.microsoft.com/office/drawing/2014/main" id="{B96EB204-BAEF-40FF-96EC-A72915E9E6B0}"/>
-              </a:ext>
-            </a:extLst>
-          </p:cNvPr>
-          <p:cNvSpPr>
-            <a:spLocks noGrp="1"/>
-          </p:cNvSpPr>
-          <p:nvPr>
-            <p:ph idx="1"/>
-          </p:nvPr>
-        </p:nvSpPr>
-        <p:spPr>
-          <a:xfrm>
-            <a:off x="5183188" y="987425"/>
-            <a:ext cx="6172200" cy="5444197"/>
-          </a:xfrm>
-        </p:spPr>
-        <p:txBody>
-          <a:bodyPr>
-            <a:normAutofit lnSpcReduction="10000"/>
-          </a:bodyPr>
-          <a:lstStyle/>
-          <a:p>
-            <a:pPr marL="0" indent="0">
-              <a:buNone/>
-            </a:pPr>
-            <a:r>
-              <a:rPr lang="en-US" altLang="ja-JP" sz="2800" dirty="0"/>
-              <a:t>【</a:t>
-            </a:r>
-            <a:r>
-              <a:rPr kumimoji="1" lang="en-US" altLang="ja-JP" sz="2800" dirty="0"/>
-              <a:t>5</a:t>
-            </a:r>
-            <a:r>
-              <a:rPr kumimoji="1" lang="ja-JP" altLang="en-US" sz="2800" dirty="0"/>
-              <a:t>月よりできるようになったこと</a:t>
-            </a:r>
-            <a:r>
-              <a:rPr lang="en-US" altLang="ja-JP" sz="2800" dirty="0"/>
-              <a:t>】</a:t>
-            </a:r>
-            <a:endParaRPr kumimoji="1" lang="en-US" altLang="ja-JP" sz="2800" dirty="0"/>
-          </a:p>
-          <a:p>
-            <a:r>
-              <a:rPr kumimoji="1" lang="ja-JP" altLang="en-US" sz="2800" dirty="0"/>
-              <a:t>サーバーサイドの理解を深めることができた</a:t>
-            </a:r>
-            <a:endParaRPr kumimoji="1" lang="en-US" altLang="ja-JP" sz="2800" dirty="0"/>
-          </a:p>
-          <a:p>
-            <a:pPr marL="0" indent="0">
-              <a:buNone/>
-            </a:pPr>
-            <a:endParaRPr kumimoji="1" lang="ja-JP" altLang="en-US" sz="2800" dirty="0"/>
-          </a:p>
-          <a:p>
-            <a:pPr marL="0" indent="0">
-              <a:buNone/>
-            </a:pPr>
-            <a:r>
-              <a:rPr kumimoji="1" lang="en-US" altLang="ja-JP" sz="2800" dirty="0"/>
-              <a:t>【</a:t>
-            </a:r>
-            <a:r>
-              <a:rPr kumimoji="1" lang="ja-JP" altLang="en-US" sz="2800" dirty="0"/>
-              <a:t>チーム開発で学んだこと</a:t>
-            </a:r>
-            <a:r>
-              <a:rPr lang="en-US" altLang="ja-JP" sz="2800" dirty="0"/>
-              <a:t>】</a:t>
-            </a:r>
-            <a:endParaRPr kumimoji="1" lang="en-US" altLang="ja-JP" sz="2800" dirty="0"/>
-          </a:p>
-          <a:p>
-            <a:r>
-              <a:rPr kumimoji="1" lang="ja-JP" altLang="en-US" sz="2800" dirty="0"/>
-              <a:t>認識統一を図ることの大切さを学んだ</a:t>
-            </a:r>
-            <a:endParaRPr kumimoji="1" lang="en-US" altLang="ja-JP" sz="2800" dirty="0"/>
-          </a:p>
-          <a:p>
-            <a:r>
-              <a:rPr kumimoji="1" lang="ja-JP" altLang="en-US" sz="2800" dirty="0"/>
-              <a:t>チームで開発をする難しさと楽しさを知ることができた</a:t>
-            </a:r>
-            <a:endParaRPr kumimoji="1" lang="en-US" altLang="ja-JP" sz="2800" dirty="0"/>
-          </a:p>
-          <a:p>
-            <a:endParaRPr lang="en-US" altLang="ja-JP" sz="2800" dirty="0"/>
-          </a:p>
-          <a:p>
-            <a:pPr marL="0" indent="0">
-              <a:buNone/>
-            </a:pPr>
-            <a:r>
-              <a:rPr lang="en-US" altLang="ja-JP" sz="2800" dirty="0"/>
-              <a:t>【</a:t>
-            </a:r>
-            <a:r>
-              <a:rPr kumimoji="1" lang="ja-JP" altLang="en-US" sz="2800" dirty="0"/>
-              <a:t>大変だったこと</a:t>
-            </a:r>
-            <a:r>
-              <a:rPr lang="en-US" altLang="ja-JP" sz="2800" dirty="0"/>
-              <a:t>】</a:t>
-            </a:r>
-          </a:p>
-          <a:p>
-            <a:r>
-              <a:rPr kumimoji="1" lang="ja-JP" altLang="en-US" sz="2800" dirty="0"/>
-              <a:t>チームで認識を合わせること</a:t>
-            </a:r>
-            <a:endParaRPr kumimoji="1" lang="en-US" altLang="ja-JP" sz="2800" dirty="0"/>
-          </a:p>
-          <a:p>
-            <a:endParaRPr kumimoji="1" lang="en-US" altLang="ja-JP" sz="2800" dirty="0"/>
-          </a:p>
-          <a:p>
-            <a:endParaRPr kumimoji="1" lang="ja-JP" altLang="en-US" sz="2800" dirty="0"/>
-          </a:p>
-          <a:p>
-            <a:pPr marL="0" indent="0">
-              <a:buNone/>
-            </a:pPr>
-            <a:endParaRPr kumimoji="1" lang="en-US" altLang="ja-JP" sz="2800" dirty="0"/>
-          </a:p>
-          <a:p>
-            <a:endParaRPr kumimoji="1" lang="ja-JP" altLang="en-US" sz="2800" dirty="0"/>
-          </a:p>
-          <a:p>
-            <a:endParaRPr kumimoji="1" lang="ja-JP" altLang="en-US" sz="2800" dirty="0"/>
-          </a:p>
-        </p:txBody>
-      </p:sp>
-      <p:sp>
-        <p:nvSpPr>
-          <p:cNvPr id="4" name="テキスト プレースホルダー 3">
-            <a:extLst>
-              <a:ext uri="{FF2B5EF4-FFF2-40B4-BE49-F238E27FC236}">
-                <a16:creationId xmlns:a16="http://schemas.microsoft.com/office/drawing/2014/main" id="{86A45445-7D14-47F4-AB42-39C495910C9D}"/>
-              </a:ext>
-            </a:extLst>
-          </p:cNvPr>
-          <p:cNvSpPr>
-            <a:spLocks noGrp="1"/>
-          </p:cNvSpPr>
-          <p:nvPr>
-            <p:ph type="body" sz="half" idx="2"/>
-          </p:nvPr>
-        </p:nvSpPr>
-        <p:spPr/>
-        <p:txBody>
-          <a:bodyPr/>
-          <a:lstStyle/>
-          <a:p>
-            <a:endParaRPr kumimoji="1" lang="en-US" altLang="ja-JP" sz="2000" dirty="0"/>
-          </a:p>
-          <a:p>
-            <a:r>
-              <a:rPr kumimoji="1" lang="en-US" altLang="ja-JP" sz="2000" dirty="0"/>
-              <a:t>【</a:t>
-            </a:r>
-            <a:r>
-              <a:rPr kumimoji="1" lang="ja-JP" altLang="en-US" sz="2000" dirty="0"/>
-              <a:t>担当箇所</a:t>
-            </a:r>
-            <a:r>
-              <a:rPr kumimoji="1" lang="en-US" altLang="ja-JP" sz="2000" dirty="0"/>
-              <a:t>】</a:t>
-            </a:r>
-          </a:p>
-          <a:p>
-            <a:r>
-              <a:rPr lang="ja-JP" altLang="en-US" sz="2000" dirty="0"/>
-              <a:t>コーディネート登録</a:t>
-            </a:r>
-            <a:endParaRPr lang="en-US" altLang="ja-JP" sz="2000" dirty="0"/>
-          </a:p>
-          <a:p>
-            <a:r>
-              <a:rPr lang="ja-JP" altLang="en-US" sz="2000" dirty="0"/>
-              <a:t>プロフィール登録</a:t>
-            </a:r>
-            <a:endParaRPr lang="en-US" altLang="ja-JP" sz="2000" dirty="0"/>
-          </a:p>
-          <a:p>
-            <a:endParaRPr kumimoji="1" lang="ja-JP" altLang="en-US" dirty="0"/>
-          </a:p>
-        </p:txBody>
-      </p:sp>
-    </p:spTree>
-    <p:extLst>
-      <p:ext uri="{BB962C8B-B14F-4D97-AF65-F5344CB8AC3E}">
-        <p14:creationId xmlns:p14="http://schemas.microsoft.com/office/powerpoint/2010/main" val="3873038816"/>
-      </p:ext>
-    </p:extLst>
-  </p:cSld>
-  <p:clrMapOvr>
-    <a:masterClrMapping/>
-  </p:clrMapOvr>
-</p:sld>
-</file>
-
-<file path=ppt/slides/slide29.xml><?xml version="1.0" encoding="utf-8"?>
-<p:sld xmlns:a="http://schemas.openxmlformats.org/drawingml/2006/main" xmlns:r="http://schemas.openxmlformats.org/officeDocument/2006/relationships" xmlns:p="http://schemas.openxmlformats.org/presentationml/2006/main">
-  <p:cSld>
-    <p:spTree>
-      <p:nvGrpSpPr>
-        <p:cNvPr id="1" name=""/>
-        <p:cNvGrpSpPr/>
-        <p:nvPr/>
-      </p:nvGrpSpPr>
-      <p:grpSpPr>
-        <a:xfrm>
-          <a:off x="0" y="0"/>
-          <a:ext cx="0" cy="0"/>
-          <a:chOff x="0" y="0"/>
-          <a:chExt cx="0" cy="0"/>
-        </a:xfrm>
-      </p:grpSpPr>
-      <p:sp>
-        <p:nvSpPr>
-          <p:cNvPr id="4" name="テキスト プレースホルダー 3">
-            <a:extLst>
-              <a:ext uri="{FF2B5EF4-FFF2-40B4-BE49-F238E27FC236}">
-                <a16:creationId xmlns:a16="http://schemas.microsoft.com/office/drawing/2014/main" id="{86A45445-7D14-47F4-AB42-39C495910C9D}"/>
-              </a:ext>
-            </a:extLst>
-          </p:cNvPr>
-          <p:cNvSpPr>
-            <a:spLocks noGrp="1"/>
-          </p:cNvSpPr>
-          <p:nvPr>
-            <p:ph type="body" sz="half" idx="2"/>
-          </p:nvPr>
-        </p:nvSpPr>
-        <p:spPr/>
-        <p:txBody>
-          <a:bodyPr/>
-          <a:lstStyle/>
-          <a:p>
-            <a:endParaRPr kumimoji="1" lang="en-US" altLang="ja-JP" sz="2400" dirty="0"/>
-          </a:p>
-          <a:p>
-            <a:r>
-              <a:rPr kumimoji="1" lang="en-US" altLang="ja-JP" sz="2400" dirty="0"/>
-              <a:t>【</a:t>
-            </a:r>
-            <a:r>
-              <a:rPr kumimoji="1" lang="ja-JP" altLang="en-US" sz="2400" dirty="0"/>
-              <a:t>担当箇所</a:t>
-            </a:r>
-            <a:r>
-              <a:rPr kumimoji="1" lang="en-US" altLang="ja-JP" sz="2400" dirty="0"/>
-              <a:t>】</a:t>
-            </a:r>
-          </a:p>
-          <a:p>
-            <a:r>
-              <a:rPr kumimoji="1" lang="ja-JP" altLang="en-US" sz="2400" dirty="0"/>
-              <a:t>データベース</a:t>
-            </a:r>
-            <a:endParaRPr kumimoji="1" lang="en-US" altLang="ja-JP" sz="2400" dirty="0"/>
-          </a:p>
-          <a:p>
-            <a:endParaRPr kumimoji="1" lang="ja-JP" altLang="en-US" dirty="0"/>
-          </a:p>
-        </p:txBody>
-      </p:sp>
-      <p:sp>
-        <p:nvSpPr>
-          <p:cNvPr id="6" name="タイトル 5">
-            <a:extLst>
-              <a:ext uri="{FF2B5EF4-FFF2-40B4-BE49-F238E27FC236}">
-                <a16:creationId xmlns:a16="http://schemas.microsoft.com/office/drawing/2014/main" id="{AC8C9044-E2D5-4505-9DEB-B82BA72FAC77}"/>
-              </a:ext>
-            </a:extLst>
-          </p:cNvPr>
-          <p:cNvSpPr>
-            <a:spLocks noGrp="1"/>
-          </p:cNvSpPr>
-          <p:nvPr>
-            <p:ph type="title"/>
-          </p:nvPr>
-        </p:nvSpPr>
-        <p:spPr/>
-        <p:txBody>
-          <a:bodyPr/>
-          <a:lstStyle/>
-          <a:p>
-            <a:r>
-              <a:rPr kumimoji="1" lang="ja-JP" altLang="en-US" dirty="0"/>
-              <a:t>笹原子龍</a:t>
-            </a:r>
-          </a:p>
-        </p:txBody>
-      </p:sp>
-      <p:sp>
-        <p:nvSpPr>
-          <p:cNvPr id="8" name="コンテンツ プレースホルダー 7">
-            <a:extLst>
-              <a:ext uri="{FF2B5EF4-FFF2-40B4-BE49-F238E27FC236}">
-                <a16:creationId xmlns:a16="http://schemas.microsoft.com/office/drawing/2014/main" id="{D3401F4B-DB26-4200-81E6-7E3715CD0D43}"/>
-              </a:ext>
-            </a:extLst>
-          </p:cNvPr>
-          <p:cNvSpPr>
-            <a:spLocks noGrp="1"/>
-          </p:cNvSpPr>
-          <p:nvPr>
-            <p:ph idx="1"/>
-          </p:nvPr>
-        </p:nvSpPr>
-        <p:spPr>
-          <a:xfrm>
-            <a:off x="5183188" y="987425"/>
-            <a:ext cx="6172200" cy="5546939"/>
-          </a:xfrm>
-        </p:spPr>
-        <p:txBody>
-          <a:bodyPr>
-            <a:normAutofit fontScale="77500" lnSpcReduction="20000"/>
-          </a:bodyPr>
-          <a:lstStyle/>
-          <a:p>
-            <a:pPr marL="0" indent="0">
-              <a:buNone/>
-            </a:pPr>
-            <a:r>
-              <a:rPr lang="en-US" altLang="ja-JP" dirty="0"/>
-              <a:t>【</a:t>
-            </a:r>
-            <a:r>
-              <a:rPr kumimoji="1" lang="en-US" altLang="ja-JP" dirty="0"/>
-              <a:t>5</a:t>
-            </a:r>
-            <a:r>
-              <a:rPr kumimoji="1" lang="ja-JP" altLang="en-US" dirty="0"/>
-              <a:t>月よりできるようになったこと</a:t>
-            </a:r>
-            <a:r>
-              <a:rPr lang="en-US" altLang="ja-JP" dirty="0"/>
-              <a:t>】</a:t>
-            </a:r>
-            <a:endParaRPr kumimoji="1" lang="en-US" altLang="ja-JP" dirty="0"/>
-          </a:p>
-          <a:p>
-            <a:r>
-              <a:rPr kumimoji="1" lang="ja-JP" altLang="en-US" dirty="0"/>
-              <a:t>サーバーサイド</a:t>
-            </a:r>
-            <a:r>
-              <a:rPr kumimoji="1" lang="en-US" altLang="ja-JP" dirty="0"/>
-              <a:t>Java</a:t>
-            </a:r>
-            <a:r>
-              <a:rPr kumimoji="1" lang="ja-JP" altLang="en-US" dirty="0"/>
-              <a:t>の取り扱い</a:t>
-            </a:r>
-            <a:endParaRPr kumimoji="1" lang="en-US" altLang="ja-JP" dirty="0"/>
-          </a:p>
-          <a:p>
-            <a:r>
-              <a:rPr kumimoji="1" lang="ja-JP" altLang="en-US" dirty="0"/>
-              <a:t>プログラムに関して人に教えるということ</a:t>
-            </a:r>
-            <a:endParaRPr kumimoji="1" lang="en-US" altLang="ja-JP" dirty="0"/>
-          </a:p>
-          <a:p>
-            <a:r>
-              <a:rPr kumimoji="1" lang="ja-JP" altLang="en-US" dirty="0"/>
-              <a:t>作業を進めていくときに人に頼ること</a:t>
-            </a:r>
-            <a:endParaRPr kumimoji="1" lang="en-US" altLang="ja-JP" dirty="0"/>
-          </a:p>
-          <a:p>
-            <a:endParaRPr kumimoji="1" lang="ja-JP" altLang="en-US" dirty="0"/>
-          </a:p>
-          <a:p>
-            <a:r>
-              <a:rPr kumimoji="1" lang="en-US" altLang="ja-JP" dirty="0"/>
-              <a:t>【</a:t>
-            </a:r>
-            <a:r>
-              <a:rPr kumimoji="1" lang="ja-JP" altLang="en-US" dirty="0"/>
-              <a:t>チーム開発で学んだこと</a:t>
-            </a:r>
-            <a:r>
-              <a:rPr lang="en-US" altLang="ja-JP" dirty="0"/>
-              <a:t>】</a:t>
-            </a:r>
-            <a:endParaRPr kumimoji="1" lang="en-US" altLang="ja-JP" dirty="0"/>
-          </a:p>
-          <a:p>
-            <a:r>
-              <a:rPr kumimoji="1" lang="ja-JP" altLang="en-US" dirty="0"/>
-              <a:t>他人に作業を分配すること</a:t>
-            </a:r>
-            <a:endParaRPr kumimoji="1" lang="en-US" altLang="ja-JP" dirty="0"/>
-          </a:p>
-          <a:p>
-            <a:r>
-              <a:rPr kumimoji="1" lang="ja-JP" altLang="en-US" dirty="0"/>
-              <a:t>分配できる環境を作ることの大切さ</a:t>
-            </a:r>
-          </a:p>
-          <a:p>
-            <a:r>
-              <a:rPr kumimoji="1" lang="ja-JP" altLang="en-US" dirty="0"/>
-              <a:t>手が止まった時や問題が起きた時にどうするのか指針を決めておくことの大切さ</a:t>
-            </a:r>
-            <a:endParaRPr kumimoji="1" lang="en-US" altLang="ja-JP" dirty="0"/>
-          </a:p>
-          <a:p>
-            <a:endParaRPr kumimoji="1" lang="ja-JP" altLang="en-US" dirty="0"/>
-          </a:p>
-          <a:p>
-            <a:pPr marL="0" indent="0">
-              <a:buNone/>
-            </a:pPr>
-            <a:r>
-              <a:rPr lang="en-US" altLang="ja-JP" dirty="0"/>
-              <a:t>【</a:t>
-            </a:r>
-            <a:r>
-              <a:rPr kumimoji="1" lang="ja-JP" altLang="en-US" dirty="0"/>
-              <a:t>大変だったこと</a:t>
-            </a:r>
-            <a:r>
-              <a:rPr lang="en-US" altLang="ja-JP" dirty="0"/>
-              <a:t>】</a:t>
-            </a:r>
-            <a:endParaRPr kumimoji="1" lang="en-US" altLang="ja-JP" dirty="0"/>
-          </a:p>
-          <a:p>
-            <a:r>
-              <a:rPr kumimoji="1" lang="ja-JP" altLang="en-US" dirty="0"/>
-              <a:t>ゴールのわからない会議が長時間続いていくこと</a:t>
-            </a:r>
-          </a:p>
-          <a:p>
-            <a:endParaRPr kumimoji="1" lang="ja-JP" altLang="en-US" dirty="0"/>
-          </a:p>
-        </p:txBody>
-      </p:sp>
-    </p:spTree>
-    <p:extLst>
-      <p:ext uri="{BB962C8B-B14F-4D97-AF65-F5344CB8AC3E}">
-        <p14:creationId xmlns:p14="http://schemas.microsoft.com/office/powerpoint/2010/main" val="1631381772"/>
-      </p:ext>
-    </p:extLst>
-  </p:cSld>
-  <p:clrMapOvr>
-    <a:masterClrMapping/>
-  </p:clrMapOvr>
-</p:sld>
-</file>
-
-<file path=ppt/slides/slide3.xml><?xml version="1.0" encoding="utf-8"?>
-<p:sld xmlns:a="http://schemas.openxmlformats.org/drawingml/2006/main" xmlns:r="http://schemas.openxmlformats.org/officeDocument/2006/relationships" xmlns:p="http://schemas.openxmlformats.org/presentationml/2006/main">
-  <p:cSld>
-    <p:spTree>
-      <p:nvGrpSpPr>
-        <p:cNvPr id="1" name=""/>
-        <p:cNvGrpSpPr/>
-        <p:nvPr/>
-      </p:nvGrpSpPr>
-      <p:grpSpPr>
-        <a:xfrm>
-          <a:off x="0" y="0"/>
-          <a:ext cx="0" cy="0"/>
-          <a:chOff x="0" y="0"/>
-          <a:chExt cx="0" cy="0"/>
-        </a:xfrm>
-      </p:grpSpPr>
-      <p:sp>
-        <p:nvSpPr>
-          <p:cNvPr id="2" name="タイトル 1">
-            <a:extLst>
-              <a:ext uri="{FF2B5EF4-FFF2-40B4-BE49-F238E27FC236}">
-                <a16:creationId xmlns:a16="http://schemas.microsoft.com/office/drawing/2014/main" id="{58E6E749-E2AB-4787-B5B5-6AF6FDFD21B0}"/>
-              </a:ext>
-            </a:extLst>
-          </p:cNvPr>
-          <p:cNvSpPr>
-            <a:spLocks noGrp="1"/>
-          </p:cNvSpPr>
-          <p:nvPr>
-            <p:ph type="title"/>
-          </p:nvPr>
-        </p:nvSpPr>
-        <p:spPr/>
-        <p:txBody>
-          <a:bodyPr/>
-          <a:lstStyle/>
-          <a:p>
-            <a:r>
-              <a:rPr kumimoji="1" lang="ja-JP" altLang="en-US" dirty="0"/>
-              <a:t>　こんなことはないですか？</a:t>
-            </a:r>
-          </a:p>
-        </p:txBody>
-      </p:sp>
-      <p:sp>
-        <p:nvSpPr>
-          <p:cNvPr id="3" name="コンテンツ プレースホルダー 2">
-            <a:extLst>
-              <a:ext uri="{FF2B5EF4-FFF2-40B4-BE49-F238E27FC236}">
-                <a16:creationId xmlns:a16="http://schemas.microsoft.com/office/drawing/2014/main" id="{B527FA58-4051-44C5-88E9-20B1FB059873}"/>
-              </a:ext>
-            </a:extLst>
-          </p:cNvPr>
-          <p:cNvSpPr>
-            <a:spLocks noGrp="1"/>
-          </p:cNvSpPr>
-          <p:nvPr>
-            <p:ph idx="1"/>
-          </p:nvPr>
-        </p:nvSpPr>
-        <p:spPr/>
-        <p:txBody>
-          <a:bodyPr/>
-          <a:lstStyle/>
-          <a:p>
-            <a:r>
-              <a:rPr lang="ja-JP" altLang="en-US" dirty="0"/>
-              <a:t>気温に合わせた服装を考えるのが苦手</a:t>
-            </a:r>
-            <a:endParaRPr lang="en-US" altLang="ja-JP" dirty="0"/>
-          </a:p>
-          <a:p>
-            <a:r>
-              <a:rPr lang="ja-JP" altLang="en-US" dirty="0"/>
-              <a:t>新社会人になってオフィスカジュアルに悩んでいる</a:t>
-            </a:r>
-            <a:endParaRPr lang="en-US" altLang="ja-JP" dirty="0"/>
-          </a:p>
-          <a:p>
-            <a:r>
-              <a:rPr lang="ja-JP" altLang="en-US" dirty="0"/>
-              <a:t>毎朝服装を考えることに時間を取られる</a:t>
-            </a:r>
-            <a:endParaRPr kumimoji="1" lang="ja-JP" altLang="en-US" dirty="0"/>
-          </a:p>
-        </p:txBody>
-      </p:sp>
-      <p:pic>
-        <p:nvPicPr>
-          <p:cNvPr id="4" name="図 3" descr="挿絵 が含まれている画像&#10;&#10;自動的に生成された説明">
-            <a:extLst>
-              <a:ext uri="{FF2B5EF4-FFF2-40B4-BE49-F238E27FC236}">
-                <a16:creationId xmlns:a16="http://schemas.microsoft.com/office/drawing/2014/main" id="{C389E882-F8FC-48FE-A3CE-49EF76DCD292}"/>
+                <a16:creationId xmlns:a16="http://schemas.microsoft.com/office/drawing/2014/main" id="{C10F4B03-43F0-4A6F-BB9A-E2E9643FEF3A}"/>
               </a:ext>
             </a:extLst>
           </p:cNvPr>
           <p:cNvPicPr>
-            <a:picLocks noChangeAspect="1"/>
+            <a:picLocks noGrp="1" noChangeAspect="1"/>
           </p:cNvPicPr>
-          <p:nvPr/>
+          <p:nvPr>
+            <p:ph idx="1"/>
+          </p:nvPr>
         </p:nvPicPr>
         <p:blipFill>
           <a:blip r:embed="rId3">
@@ -15598,20 +16311,17 @@
         </p:blipFill>
         <p:spPr>
           <a:xfrm>
-            <a:off x="7844641" y="2983832"/>
-            <a:ext cx="3286951" cy="3509043"/>
+            <a:off x="2728593" y="2055813"/>
+            <a:ext cx="1473365" cy="4351338"/>
           </a:xfrm>
-          <a:prstGeom prst="rect">
-            <a:avLst/>
-          </a:prstGeom>
         </p:spPr>
       </p:pic>
       <p:sp>
         <p:nvSpPr>
-          <p:cNvPr id="5" name="フリーフォーム: 図形 4">
+          <p:cNvPr id="4" name="フリーフォーム: 図形 3">
             <a:extLst>
               <a:ext uri="{FF2B5EF4-FFF2-40B4-BE49-F238E27FC236}">
-                <a16:creationId xmlns:a16="http://schemas.microsoft.com/office/drawing/2014/main" id="{0E5928CB-1E85-497E-B0B4-F87113EB273B}"/>
+                <a16:creationId xmlns:a16="http://schemas.microsoft.com/office/drawing/2014/main" id="{E0E59550-2929-4643-9D9E-C7C80153F254}"/>
               </a:ext>
             </a:extLst>
           </p:cNvPr>
@@ -15754,6 +16464,2388 @@
           </a:p>
         </p:txBody>
       </p:sp>
+      <p:sp>
+        <p:nvSpPr>
+          <p:cNvPr id="5" name="フリーフォーム: 図形 4">
+            <a:extLst>
+              <a:ext uri="{FF2B5EF4-FFF2-40B4-BE49-F238E27FC236}">
+                <a16:creationId xmlns:a16="http://schemas.microsoft.com/office/drawing/2014/main" id="{A83E8A09-B34C-43E2-A136-F4EB864A86FD}"/>
+              </a:ext>
+            </a:extLst>
+          </p:cNvPr>
+          <p:cNvSpPr/>
+          <p:nvPr/>
+        </p:nvSpPr>
+        <p:spPr>
+          <a:xfrm rot="3703055" flipH="1">
+            <a:off x="6074272" y="-726949"/>
+            <a:ext cx="4146897" cy="6006848"/>
+          </a:xfrm>
+          <a:custGeom>
+            <a:avLst/>
+            <a:gdLst>
+              <a:gd name="connsiteX0" fmla="*/ 1538153 w 1747589"/>
+              <a:gd name="connsiteY0" fmla="*/ 1735113 h 3862746"/>
+              <a:gd name="connsiteX1" fmla="*/ 1441348 w 1747589"/>
+              <a:gd name="connsiteY1" fmla="*/ 3852599 h 3862746"/>
+              <a:gd name="connsiteX2" fmla="*/ 805343 w 1747589"/>
+              <a:gd name="connsiteY2" fmla="*/ 3428661 h 3862746"/>
+              <a:gd name="connsiteX3" fmla="*/ 686553 w 1747589"/>
+              <a:gd name="connsiteY3" fmla="*/ 3241347 h 3862746"/>
+              <a:gd name="connsiteX4" fmla="*/ 677463 w 1747589"/>
+              <a:gd name="connsiteY4" fmla="*/ 3248227 h 3862746"/>
+              <a:gd name="connsiteX5" fmla="*/ 439415 w 1747589"/>
+              <a:gd name="connsiteY5" fmla="*/ 3719107 h 3862746"/>
+              <a:gd name="connsiteX6" fmla="*/ 555430 w 1747589"/>
+              <a:gd name="connsiteY6" fmla="*/ 3161116 h 3862746"/>
+              <a:gd name="connsiteX7" fmla="*/ 574198 w 1747589"/>
+              <a:gd name="connsiteY7" fmla="*/ 3039201 h 3862746"/>
+              <a:gd name="connsiteX8" fmla="*/ 482562 w 1747589"/>
+              <a:gd name="connsiteY8" fmla="*/ 2860037 h 3862746"/>
+              <a:gd name="connsiteX9" fmla="*/ 209436 w 1747589"/>
+              <a:gd name="connsiteY9" fmla="*/ 2127632 h 3862746"/>
+              <a:gd name="connsiteX10" fmla="*/ 306241 w 1747589"/>
+              <a:gd name="connsiteY10" fmla="*/ 10147 h 3862746"/>
+              <a:gd name="connsiteX11" fmla="*/ 1538153 w 1747589"/>
+              <a:gd name="connsiteY11" fmla="*/ 1735113 h 3862746"/>
+            </a:gdLst>
+            <a:ahLst/>
+            <a:cxnLst>
+              <a:cxn ang="0">
+                <a:pos x="connsiteX0" y="connsiteY0"/>
+              </a:cxn>
+              <a:cxn ang="0">
+                <a:pos x="connsiteX1" y="connsiteY1"/>
+              </a:cxn>
+              <a:cxn ang="0">
+                <a:pos x="connsiteX2" y="connsiteY2"/>
+              </a:cxn>
+              <a:cxn ang="0">
+                <a:pos x="connsiteX3" y="connsiteY3"/>
+              </a:cxn>
+              <a:cxn ang="0">
+                <a:pos x="connsiteX4" y="connsiteY4"/>
+              </a:cxn>
+              <a:cxn ang="0">
+                <a:pos x="connsiteX5" y="connsiteY5"/>
+              </a:cxn>
+              <a:cxn ang="0">
+                <a:pos x="connsiteX6" y="connsiteY6"/>
+              </a:cxn>
+              <a:cxn ang="0">
+                <a:pos x="connsiteX7" y="connsiteY7"/>
+              </a:cxn>
+              <a:cxn ang="0">
+                <a:pos x="connsiteX8" y="connsiteY8"/>
+              </a:cxn>
+              <a:cxn ang="0">
+                <a:pos x="connsiteX9" y="connsiteY9"/>
+              </a:cxn>
+              <a:cxn ang="0">
+                <a:pos x="connsiteX10" y="connsiteY10"/>
+              </a:cxn>
+              <a:cxn ang="0">
+                <a:pos x="connsiteX11" y="connsiteY11"/>
+              </a:cxn>
+            </a:cxnLst>
+            <a:rect l="l" t="t" r="r" b="b"/>
+            <a:pathLst>
+              <a:path w="1747589" h="3862746">
+                <a:moveTo>
+                  <a:pt x="1538153" y="1735113"/>
+                </a:moveTo>
+                <a:cubicBezTo>
+                  <a:pt x="1851604" y="2796177"/>
+                  <a:pt x="1808263" y="3744208"/>
+                  <a:pt x="1441348" y="3852599"/>
+                </a:cubicBezTo>
+                <a:cubicBezTo>
+                  <a:pt x="1257891" y="3906795"/>
+                  <a:pt x="1028276" y="3740819"/>
+                  <a:pt x="805343" y="3428661"/>
+                </a:cubicBezTo>
+                <a:lnTo>
+                  <a:pt x="686553" y="3241347"/>
+                </a:lnTo>
+                <a:lnTo>
+                  <a:pt x="677463" y="3248227"/>
+                </a:lnTo>
+                <a:cubicBezTo>
+                  <a:pt x="602602" y="3320897"/>
+                  <a:pt x="524001" y="3463809"/>
+                  <a:pt x="439415" y="3719107"/>
+                </a:cubicBezTo>
+                <a:cubicBezTo>
+                  <a:pt x="490087" y="3511891"/>
+                  <a:pt x="527517" y="3328089"/>
+                  <a:pt x="555430" y="3161116"/>
+                </a:cubicBezTo>
+                <a:lnTo>
+                  <a:pt x="574198" y="3039201"/>
+                </a:lnTo>
+                <a:lnTo>
+                  <a:pt x="482562" y="2860037"/>
+                </a:lnTo>
+                <a:cubicBezTo>
+                  <a:pt x="381043" y="2640116"/>
+                  <a:pt x="287799" y="2392898"/>
+                  <a:pt x="209436" y="2127632"/>
+                </a:cubicBezTo>
+                <a:cubicBezTo>
+                  <a:pt x="-104015" y="1066569"/>
+                  <a:pt x="-60674" y="118538"/>
+                  <a:pt x="306241" y="10147"/>
+                </a:cubicBezTo>
+                <a:cubicBezTo>
+                  <a:pt x="673156" y="-98244"/>
+                  <a:pt x="1224702" y="674050"/>
+                  <a:pt x="1538153" y="1735113"/>
+                </a:cubicBezTo>
+                <a:close/>
+              </a:path>
+            </a:pathLst>
+          </a:custGeom>
+          <a:solidFill>
+            <a:srgbClr val="B8D4D3"/>
+          </a:solidFill>
+          <a:ln w="57150" cap="flat" cmpd="sng" algn="ctr">
+            <a:noFill/>
+            <a:prstDash val="solid"/>
+            <a:round/>
+            <a:headEnd type="none" w="med" len="med"/>
+            <a:tailEnd type="none" w="med" len="med"/>
+          </a:ln>
+        </p:spPr>
+        <p:style>
+          <a:lnRef idx="0">
+            <a:scrgbClr r="0" g="0" b="0"/>
+          </a:lnRef>
+          <a:fillRef idx="0">
+            <a:scrgbClr r="0" g="0" b="0"/>
+          </a:fillRef>
+          <a:effectRef idx="0">
+            <a:scrgbClr r="0" g="0" b="0"/>
+          </a:effectRef>
+          <a:fontRef idx="minor">
+            <a:schemeClr val="accent2"/>
+          </a:fontRef>
+        </p:style>
+        <p:txBody>
+          <a:bodyPr wrap="square" rtlCol="0" anchor="ctr">
+            <a:noAutofit/>
+          </a:bodyPr>
+          <a:lstStyle/>
+          <a:p>
+            <a:pPr algn="ctr"/>
+            <a:endParaRPr kumimoji="1" lang="ja-JP" altLang="en-US" dirty="0"/>
+          </a:p>
+        </p:txBody>
+      </p:sp>
+      <p:sp>
+        <p:nvSpPr>
+          <p:cNvPr id="6" name="フリーフォーム: 図形 5">
+            <a:extLst>
+              <a:ext uri="{FF2B5EF4-FFF2-40B4-BE49-F238E27FC236}">
+                <a16:creationId xmlns:a16="http://schemas.microsoft.com/office/drawing/2014/main" id="{5D250D35-A3FD-4C88-A121-76E5DBB0400D}"/>
+              </a:ext>
+            </a:extLst>
+          </p:cNvPr>
+          <p:cNvSpPr/>
+          <p:nvPr/>
+        </p:nvSpPr>
+        <p:spPr>
+          <a:xfrm rot="3703055" flipH="1">
+            <a:off x="5942906" y="-861887"/>
+            <a:ext cx="4146897" cy="6006848"/>
+          </a:xfrm>
+          <a:custGeom>
+            <a:avLst/>
+            <a:gdLst>
+              <a:gd name="connsiteX0" fmla="*/ 1538153 w 1747589"/>
+              <a:gd name="connsiteY0" fmla="*/ 1735113 h 3862746"/>
+              <a:gd name="connsiteX1" fmla="*/ 1441348 w 1747589"/>
+              <a:gd name="connsiteY1" fmla="*/ 3852599 h 3862746"/>
+              <a:gd name="connsiteX2" fmla="*/ 805343 w 1747589"/>
+              <a:gd name="connsiteY2" fmla="*/ 3428661 h 3862746"/>
+              <a:gd name="connsiteX3" fmla="*/ 686553 w 1747589"/>
+              <a:gd name="connsiteY3" fmla="*/ 3241347 h 3862746"/>
+              <a:gd name="connsiteX4" fmla="*/ 677463 w 1747589"/>
+              <a:gd name="connsiteY4" fmla="*/ 3248227 h 3862746"/>
+              <a:gd name="connsiteX5" fmla="*/ 439415 w 1747589"/>
+              <a:gd name="connsiteY5" fmla="*/ 3719107 h 3862746"/>
+              <a:gd name="connsiteX6" fmla="*/ 555430 w 1747589"/>
+              <a:gd name="connsiteY6" fmla="*/ 3161116 h 3862746"/>
+              <a:gd name="connsiteX7" fmla="*/ 574198 w 1747589"/>
+              <a:gd name="connsiteY7" fmla="*/ 3039201 h 3862746"/>
+              <a:gd name="connsiteX8" fmla="*/ 482562 w 1747589"/>
+              <a:gd name="connsiteY8" fmla="*/ 2860037 h 3862746"/>
+              <a:gd name="connsiteX9" fmla="*/ 209436 w 1747589"/>
+              <a:gd name="connsiteY9" fmla="*/ 2127632 h 3862746"/>
+              <a:gd name="connsiteX10" fmla="*/ 306241 w 1747589"/>
+              <a:gd name="connsiteY10" fmla="*/ 10147 h 3862746"/>
+              <a:gd name="connsiteX11" fmla="*/ 1538153 w 1747589"/>
+              <a:gd name="connsiteY11" fmla="*/ 1735113 h 3862746"/>
+            </a:gdLst>
+            <a:ahLst/>
+            <a:cxnLst>
+              <a:cxn ang="0">
+                <a:pos x="connsiteX0" y="connsiteY0"/>
+              </a:cxn>
+              <a:cxn ang="0">
+                <a:pos x="connsiteX1" y="connsiteY1"/>
+              </a:cxn>
+              <a:cxn ang="0">
+                <a:pos x="connsiteX2" y="connsiteY2"/>
+              </a:cxn>
+              <a:cxn ang="0">
+                <a:pos x="connsiteX3" y="connsiteY3"/>
+              </a:cxn>
+              <a:cxn ang="0">
+                <a:pos x="connsiteX4" y="connsiteY4"/>
+              </a:cxn>
+              <a:cxn ang="0">
+                <a:pos x="connsiteX5" y="connsiteY5"/>
+              </a:cxn>
+              <a:cxn ang="0">
+                <a:pos x="connsiteX6" y="connsiteY6"/>
+              </a:cxn>
+              <a:cxn ang="0">
+                <a:pos x="connsiteX7" y="connsiteY7"/>
+              </a:cxn>
+              <a:cxn ang="0">
+                <a:pos x="connsiteX8" y="connsiteY8"/>
+              </a:cxn>
+              <a:cxn ang="0">
+                <a:pos x="connsiteX9" y="connsiteY9"/>
+              </a:cxn>
+              <a:cxn ang="0">
+                <a:pos x="connsiteX10" y="connsiteY10"/>
+              </a:cxn>
+              <a:cxn ang="0">
+                <a:pos x="connsiteX11" y="connsiteY11"/>
+              </a:cxn>
+            </a:cxnLst>
+            <a:rect l="l" t="t" r="r" b="b"/>
+            <a:pathLst>
+              <a:path w="1747589" h="3862746">
+                <a:moveTo>
+                  <a:pt x="1538153" y="1735113"/>
+                </a:moveTo>
+                <a:cubicBezTo>
+                  <a:pt x="1851604" y="2796177"/>
+                  <a:pt x="1808263" y="3744208"/>
+                  <a:pt x="1441348" y="3852599"/>
+                </a:cubicBezTo>
+                <a:cubicBezTo>
+                  <a:pt x="1257891" y="3906795"/>
+                  <a:pt x="1028276" y="3740819"/>
+                  <a:pt x="805343" y="3428661"/>
+                </a:cubicBezTo>
+                <a:lnTo>
+                  <a:pt x="686553" y="3241347"/>
+                </a:lnTo>
+                <a:lnTo>
+                  <a:pt x="677463" y="3248227"/>
+                </a:lnTo>
+                <a:cubicBezTo>
+                  <a:pt x="602602" y="3320897"/>
+                  <a:pt x="524001" y="3463809"/>
+                  <a:pt x="439415" y="3719107"/>
+                </a:cubicBezTo>
+                <a:cubicBezTo>
+                  <a:pt x="490087" y="3511891"/>
+                  <a:pt x="527517" y="3328089"/>
+                  <a:pt x="555430" y="3161116"/>
+                </a:cubicBezTo>
+                <a:lnTo>
+                  <a:pt x="574198" y="3039201"/>
+                </a:lnTo>
+                <a:lnTo>
+                  <a:pt x="482562" y="2860037"/>
+                </a:lnTo>
+                <a:cubicBezTo>
+                  <a:pt x="381043" y="2640116"/>
+                  <a:pt x="287799" y="2392898"/>
+                  <a:pt x="209436" y="2127632"/>
+                </a:cubicBezTo>
+                <a:cubicBezTo>
+                  <a:pt x="-104015" y="1066569"/>
+                  <a:pt x="-60674" y="118538"/>
+                  <a:pt x="306241" y="10147"/>
+                </a:cubicBezTo>
+                <a:cubicBezTo>
+                  <a:pt x="673156" y="-98244"/>
+                  <a:pt x="1224702" y="674050"/>
+                  <a:pt x="1538153" y="1735113"/>
+                </a:cubicBezTo>
+                <a:close/>
+              </a:path>
+            </a:pathLst>
+          </a:custGeom>
+          <a:solidFill>
+            <a:srgbClr val="B8D4D3"/>
+          </a:solidFill>
+          <a:ln w="38100" cap="flat" cmpd="sng" algn="ctr">
+            <a:solidFill>
+              <a:srgbClr val="818076"/>
+            </a:solidFill>
+            <a:prstDash val="solid"/>
+            <a:round/>
+            <a:headEnd type="none" w="med" len="med"/>
+            <a:tailEnd type="none" w="med" len="med"/>
+          </a:ln>
+        </p:spPr>
+        <p:style>
+          <a:lnRef idx="0">
+            <a:scrgbClr r="0" g="0" b="0"/>
+          </a:lnRef>
+          <a:fillRef idx="0">
+            <a:scrgbClr r="0" g="0" b="0"/>
+          </a:fillRef>
+          <a:effectRef idx="0">
+            <a:scrgbClr r="0" g="0" b="0"/>
+          </a:effectRef>
+          <a:fontRef idx="minor">
+            <a:schemeClr val="accent2"/>
+          </a:fontRef>
+        </p:style>
+        <p:txBody>
+          <a:bodyPr wrap="square" rtlCol="0" anchor="ctr">
+            <a:noAutofit/>
+          </a:bodyPr>
+          <a:lstStyle/>
+          <a:p>
+            <a:pPr algn="ctr"/>
+            <a:endParaRPr kumimoji="1" lang="ja-JP" altLang="en-US" dirty="0"/>
+          </a:p>
+        </p:txBody>
+      </p:sp>
+      <p:sp>
+        <p:nvSpPr>
+          <p:cNvPr id="7" name="テキスト ボックス 6">
+            <a:extLst>
+              <a:ext uri="{FF2B5EF4-FFF2-40B4-BE49-F238E27FC236}">
+                <a16:creationId xmlns:a16="http://schemas.microsoft.com/office/drawing/2014/main" id="{6788E9C7-FF29-43AC-A562-7C590FE0DC39}"/>
+              </a:ext>
+            </a:extLst>
+          </p:cNvPr>
+          <p:cNvSpPr txBox="1"/>
+          <p:nvPr/>
+        </p:nvSpPr>
+        <p:spPr>
+          <a:xfrm>
+            <a:off x="4894548" y="1849149"/>
+            <a:ext cx="7434442" cy="584775"/>
+          </a:xfrm>
+          <a:prstGeom prst="rect">
+            <a:avLst/>
+          </a:prstGeom>
+          <a:noFill/>
+        </p:spPr>
+        <p:txBody>
+          <a:bodyPr wrap="square" rtlCol="0">
+            <a:spAutoFit/>
+          </a:bodyPr>
+          <a:lstStyle/>
+          <a:p>
+            <a:r>
+              <a:rPr lang="ja-JP" altLang="en-US" sz="3200" dirty="0"/>
+              <a:t>個人の成長についてお話しします</a:t>
+            </a:r>
+            <a:endParaRPr kumimoji="1" lang="en-US" altLang="ja-JP" sz="3200" dirty="0"/>
+          </a:p>
+        </p:txBody>
+      </p:sp>
+    </p:spTree>
+    <p:extLst>
+      <p:ext uri="{BB962C8B-B14F-4D97-AF65-F5344CB8AC3E}">
+        <p14:creationId xmlns:p14="http://schemas.microsoft.com/office/powerpoint/2010/main" val="1713267602"/>
+      </p:ext>
+    </p:extLst>
+  </p:cSld>
+  <p:clrMapOvr>
+    <a:masterClrMapping/>
+  </p:clrMapOvr>
+</p:sld>
+</file>
+
+<file path=ppt/slides/slide28.xml><?xml version="1.0" encoding="utf-8"?>
+<p:sld xmlns:a="http://schemas.openxmlformats.org/drawingml/2006/main" xmlns:r="http://schemas.openxmlformats.org/officeDocument/2006/relationships" xmlns:p="http://schemas.openxmlformats.org/presentationml/2006/main">
+  <p:cSld>
+    <p:spTree>
+      <p:nvGrpSpPr>
+        <p:cNvPr id="1" name=""/>
+        <p:cNvGrpSpPr/>
+        <p:nvPr/>
+      </p:nvGrpSpPr>
+      <p:grpSpPr>
+        <a:xfrm>
+          <a:off x="0" y="0"/>
+          <a:ext cx="0" cy="0"/>
+          <a:chOff x="0" y="0"/>
+          <a:chExt cx="0" cy="0"/>
+        </a:xfrm>
+      </p:grpSpPr>
+      <p:sp>
+        <p:nvSpPr>
+          <p:cNvPr id="4" name="テキスト プレースホルダー 3">
+            <a:extLst>
+              <a:ext uri="{FF2B5EF4-FFF2-40B4-BE49-F238E27FC236}">
+                <a16:creationId xmlns:a16="http://schemas.microsoft.com/office/drawing/2014/main" id="{86A45445-7D14-47F4-AB42-39C495910C9D}"/>
+              </a:ext>
+            </a:extLst>
+          </p:cNvPr>
+          <p:cNvSpPr>
+            <a:spLocks noGrp="1"/>
+          </p:cNvSpPr>
+          <p:nvPr>
+            <p:ph type="body" sz="half" idx="2"/>
+          </p:nvPr>
+        </p:nvSpPr>
+        <p:spPr/>
+        <p:txBody>
+          <a:bodyPr/>
+          <a:lstStyle/>
+          <a:p>
+            <a:endParaRPr kumimoji="1" lang="en-US" altLang="ja-JP" sz="2400" dirty="0"/>
+          </a:p>
+          <a:p>
+            <a:r>
+              <a:rPr kumimoji="1" lang="en-US" altLang="ja-JP" sz="2400" dirty="0"/>
+              <a:t>【</a:t>
+            </a:r>
+            <a:r>
+              <a:rPr kumimoji="1" lang="ja-JP" altLang="en-US" sz="2400" dirty="0"/>
+              <a:t>担当箇所</a:t>
+            </a:r>
+            <a:r>
+              <a:rPr kumimoji="1" lang="en-US" altLang="ja-JP" sz="2400" dirty="0"/>
+              <a:t>】</a:t>
+            </a:r>
+          </a:p>
+          <a:p>
+            <a:r>
+              <a:rPr kumimoji="1" lang="ja-JP" altLang="en-US" sz="2400" dirty="0"/>
+              <a:t>データベース</a:t>
+            </a:r>
+            <a:endParaRPr kumimoji="1" lang="en-US" altLang="ja-JP" sz="2400" dirty="0"/>
+          </a:p>
+          <a:p>
+            <a:endParaRPr kumimoji="1" lang="ja-JP" altLang="en-US" dirty="0"/>
+          </a:p>
+        </p:txBody>
+      </p:sp>
+      <p:sp>
+        <p:nvSpPr>
+          <p:cNvPr id="6" name="タイトル 5">
+            <a:extLst>
+              <a:ext uri="{FF2B5EF4-FFF2-40B4-BE49-F238E27FC236}">
+                <a16:creationId xmlns:a16="http://schemas.microsoft.com/office/drawing/2014/main" id="{AC8C9044-E2D5-4505-9DEB-B82BA72FAC77}"/>
+              </a:ext>
+            </a:extLst>
+          </p:cNvPr>
+          <p:cNvSpPr>
+            <a:spLocks noGrp="1"/>
+          </p:cNvSpPr>
+          <p:nvPr>
+            <p:ph type="title"/>
+          </p:nvPr>
+        </p:nvSpPr>
+        <p:spPr/>
+        <p:txBody>
+          <a:bodyPr>
+            <a:normAutofit/>
+          </a:bodyPr>
+          <a:lstStyle/>
+          <a:p>
+            <a:r>
+              <a:rPr kumimoji="1" lang="ja-JP" altLang="en-US" sz="4400" dirty="0"/>
+              <a:t>笹原子龍</a:t>
+            </a:r>
+          </a:p>
+        </p:txBody>
+      </p:sp>
+      <p:sp>
+        <p:nvSpPr>
+          <p:cNvPr id="8" name="コンテンツ プレースホルダー 7">
+            <a:extLst>
+              <a:ext uri="{FF2B5EF4-FFF2-40B4-BE49-F238E27FC236}">
+                <a16:creationId xmlns:a16="http://schemas.microsoft.com/office/drawing/2014/main" id="{D3401F4B-DB26-4200-81E6-7E3715CD0D43}"/>
+              </a:ext>
+            </a:extLst>
+          </p:cNvPr>
+          <p:cNvSpPr>
+            <a:spLocks noGrp="1"/>
+          </p:cNvSpPr>
+          <p:nvPr>
+            <p:ph idx="1"/>
+          </p:nvPr>
+        </p:nvSpPr>
+        <p:spPr>
+          <a:xfrm>
+            <a:off x="5183188" y="987425"/>
+            <a:ext cx="6172200" cy="5546939"/>
+          </a:xfrm>
+        </p:spPr>
+        <p:txBody>
+          <a:bodyPr>
+            <a:normAutofit fontScale="77500" lnSpcReduction="20000"/>
+          </a:bodyPr>
+          <a:lstStyle/>
+          <a:p>
+            <a:pPr marL="0" indent="0">
+              <a:buNone/>
+            </a:pPr>
+            <a:r>
+              <a:rPr lang="en-US" altLang="ja-JP" dirty="0"/>
+              <a:t>【</a:t>
+            </a:r>
+            <a:r>
+              <a:rPr kumimoji="1" lang="en-US" altLang="ja-JP" dirty="0"/>
+              <a:t>5</a:t>
+            </a:r>
+            <a:r>
+              <a:rPr kumimoji="1" lang="ja-JP" altLang="en-US" dirty="0"/>
+              <a:t>月よりできるようになったこと</a:t>
+            </a:r>
+            <a:r>
+              <a:rPr lang="en-US" altLang="ja-JP" dirty="0"/>
+              <a:t>】</a:t>
+            </a:r>
+            <a:endParaRPr kumimoji="1" lang="en-US" altLang="ja-JP" dirty="0"/>
+          </a:p>
+          <a:p>
+            <a:r>
+              <a:rPr kumimoji="1" lang="ja-JP" altLang="en-US" dirty="0"/>
+              <a:t>サーバーサイド</a:t>
+            </a:r>
+            <a:r>
+              <a:rPr kumimoji="1" lang="en-US" altLang="ja-JP" dirty="0"/>
+              <a:t>Java</a:t>
+            </a:r>
+            <a:r>
+              <a:rPr kumimoji="1" lang="ja-JP" altLang="en-US" dirty="0"/>
+              <a:t>の取り扱い</a:t>
+            </a:r>
+            <a:endParaRPr kumimoji="1" lang="en-US" altLang="ja-JP" dirty="0"/>
+          </a:p>
+          <a:p>
+            <a:r>
+              <a:rPr kumimoji="1" lang="ja-JP" altLang="en-US" dirty="0"/>
+              <a:t>プログラムに関して人に教えるということ</a:t>
+            </a:r>
+            <a:endParaRPr kumimoji="1" lang="en-US" altLang="ja-JP" dirty="0"/>
+          </a:p>
+          <a:p>
+            <a:r>
+              <a:rPr kumimoji="1" lang="ja-JP" altLang="en-US" dirty="0"/>
+              <a:t>作業を進めていくときに人に頼ること</a:t>
+            </a:r>
+            <a:endParaRPr kumimoji="1" lang="en-US" altLang="ja-JP" dirty="0"/>
+          </a:p>
+          <a:p>
+            <a:endParaRPr kumimoji="1" lang="ja-JP" altLang="en-US" dirty="0"/>
+          </a:p>
+          <a:p>
+            <a:r>
+              <a:rPr kumimoji="1" lang="en-US" altLang="ja-JP" dirty="0"/>
+              <a:t>【</a:t>
+            </a:r>
+            <a:r>
+              <a:rPr kumimoji="1" lang="ja-JP" altLang="en-US" dirty="0"/>
+              <a:t>チーム開発で学んだこと</a:t>
+            </a:r>
+            <a:r>
+              <a:rPr lang="en-US" altLang="ja-JP" dirty="0"/>
+              <a:t>】</a:t>
+            </a:r>
+            <a:endParaRPr kumimoji="1" lang="en-US" altLang="ja-JP" dirty="0"/>
+          </a:p>
+          <a:p>
+            <a:r>
+              <a:rPr kumimoji="1" lang="ja-JP" altLang="en-US" dirty="0"/>
+              <a:t>他人に作業を分配すること</a:t>
+            </a:r>
+            <a:endParaRPr kumimoji="1" lang="en-US" altLang="ja-JP" dirty="0"/>
+          </a:p>
+          <a:p>
+            <a:r>
+              <a:rPr kumimoji="1" lang="ja-JP" altLang="en-US" dirty="0"/>
+              <a:t>分配できる環境を作ることの大切さ</a:t>
+            </a:r>
+          </a:p>
+          <a:p>
+            <a:r>
+              <a:rPr kumimoji="1" lang="ja-JP" altLang="en-US" dirty="0"/>
+              <a:t>手が止まった時や問題が起きた時にどうするのか指針を決めておくことの大切さ</a:t>
+            </a:r>
+            <a:endParaRPr kumimoji="1" lang="en-US" altLang="ja-JP" dirty="0"/>
+          </a:p>
+          <a:p>
+            <a:endParaRPr kumimoji="1" lang="ja-JP" altLang="en-US" dirty="0"/>
+          </a:p>
+          <a:p>
+            <a:pPr marL="0" indent="0">
+              <a:buNone/>
+            </a:pPr>
+            <a:r>
+              <a:rPr lang="en-US" altLang="ja-JP" dirty="0"/>
+              <a:t>【</a:t>
+            </a:r>
+            <a:r>
+              <a:rPr kumimoji="1" lang="ja-JP" altLang="en-US" dirty="0"/>
+              <a:t>大変だったこと</a:t>
+            </a:r>
+            <a:r>
+              <a:rPr lang="en-US" altLang="ja-JP" dirty="0"/>
+              <a:t>】</a:t>
+            </a:r>
+            <a:endParaRPr kumimoji="1" lang="en-US" altLang="ja-JP" dirty="0"/>
+          </a:p>
+          <a:p>
+            <a:r>
+              <a:rPr kumimoji="1" lang="ja-JP" altLang="en-US" dirty="0"/>
+              <a:t>ゴールのわからない会議が長時間続いていくこと</a:t>
+            </a:r>
+          </a:p>
+          <a:p>
+            <a:endParaRPr kumimoji="1" lang="ja-JP" altLang="en-US" dirty="0"/>
+          </a:p>
+        </p:txBody>
+      </p:sp>
+    </p:spTree>
+    <p:extLst>
+      <p:ext uri="{BB962C8B-B14F-4D97-AF65-F5344CB8AC3E}">
+        <p14:creationId xmlns:p14="http://schemas.microsoft.com/office/powerpoint/2010/main" val="1631381772"/>
+      </p:ext>
+    </p:extLst>
+  </p:cSld>
+  <p:clrMapOvr>
+    <a:masterClrMapping/>
+  </p:clrMapOvr>
+</p:sld>
+</file>
+
+<file path=ppt/slides/slide29.xml><?xml version="1.0" encoding="utf-8"?>
+<p:sld xmlns:a="http://schemas.openxmlformats.org/drawingml/2006/main" xmlns:r="http://schemas.openxmlformats.org/officeDocument/2006/relationships" xmlns:p="http://schemas.openxmlformats.org/presentationml/2006/main">
+  <p:cSld>
+    <p:spTree>
+      <p:nvGrpSpPr>
+        <p:cNvPr id="1" name=""/>
+        <p:cNvGrpSpPr/>
+        <p:nvPr/>
+      </p:nvGrpSpPr>
+      <p:grpSpPr>
+        <a:xfrm>
+          <a:off x="0" y="0"/>
+          <a:ext cx="0" cy="0"/>
+          <a:chOff x="0" y="0"/>
+          <a:chExt cx="0" cy="0"/>
+        </a:xfrm>
+      </p:grpSpPr>
+      <p:sp>
+        <p:nvSpPr>
+          <p:cNvPr id="2" name="タイトル 1">
+            <a:extLst>
+              <a:ext uri="{FF2B5EF4-FFF2-40B4-BE49-F238E27FC236}">
+                <a16:creationId xmlns:a16="http://schemas.microsoft.com/office/drawing/2014/main" id="{C4E293E7-8925-4EAD-8B78-DF5C6456A942}"/>
+              </a:ext>
+            </a:extLst>
+          </p:cNvPr>
+          <p:cNvSpPr>
+            <a:spLocks noGrp="1"/>
+          </p:cNvSpPr>
+          <p:nvPr>
+            <p:ph type="title"/>
+          </p:nvPr>
+        </p:nvSpPr>
+        <p:spPr/>
+        <p:txBody>
+          <a:bodyPr>
+            <a:normAutofit/>
+          </a:bodyPr>
+          <a:lstStyle/>
+          <a:p>
+            <a:r>
+              <a:rPr kumimoji="1" lang="ja-JP" altLang="en-US" sz="4400" dirty="0"/>
+              <a:t>高井咲楽</a:t>
+            </a:r>
+          </a:p>
+        </p:txBody>
+      </p:sp>
+      <p:sp>
+        <p:nvSpPr>
+          <p:cNvPr id="3" name="コンテンツ プレースホルダー 2">
+            <a:extLst>
+              <a:ext uri="{FF2B5EF4-FFF2-40B4-BE49-F238E27FC236}">
+                <a16:creationId xmlns:a16="http://schemas.microsoft.com/office/drawing/2014/main" id="{B96EB204-BAEF-40FF-96EC-A72915E9E6B0}"/>
+              </a:ext>
+            </a:extLst>
+          </p:cNvPr>
+          <p:cNvSpPr>
+            <a:spLocks noGrp="1"/>
+          </p:cNvSpPr>
+          <p:nvPr>
+            <p:ph idx="1"/>
+          </p:nvPr>
+        </p:nvSpPr>
+        <p:spPr>
+          <a:xfrm>
+            <a:off x="5183188" y="987425"/>
+            <a:ext cx="6172200" cy="5444197"/>
+          </a:xfrm>
+        </p:spPr>
+        <p:txBody>
+          <a:bodyPr>
+            <a:normAutofit lnSpcReduction="10000"/>
+          </a:bodyPr>
+          <a:lstStyle/>
+          <a:p>
+            <a:pPr marL="0" indent="0">
+              <a:buNone/>
+            </a:pPr>
+            <a:r>
+              <a:rPr lang="en-US" altLang="ja-JP" sz="2800" dirty="0"/>
+              <a:t>【</a:t>
+            </a:r>
+            <a:r>
+              <a:rPr kumimoji="1" lang="en-US" altLang="ja-JP" sz="2800" dirty="0"/>
+              <a:t>5</a:t>
+            </a:r>
+            <a:r>
+              <a:rPr kumimoji="1" lang="ja-JP" altLang="en-US" sz="2800" dirty="0"/>
+              <a:t>月よりできるようになったこと</a:t>
+            </a:r>
+            <a:r>
+              <a:rPr lang="en-US" altLang="ja-JP" sz="2800" dirty="0"/>
+              <a:t>】</a:t>
+            </a:r>
+            <a:endParaRPr kumimoji="1" lang="en-US" altLang="ja-JP" sz="2800" dirty="0"/>
+          </a:p>
+          <a:p>
+            <a:r>
+              <a:rPr kumimoji="1" lang="ja-JP" altLang="en-US" sz="2800" dirty="0"/>
+              <a:t>サーバーサイドの理解を深めることができた</a:t>
+            </a:r>
+            <a:endParaRPr kumimoji="1" lang="en-US" altLang="ja-JP" sz="2800" dirty="0"/>
+          </a:p>
+          <a:p>
+            <a:pPr marL="0" indent="0">
+              <a:buNone/>
+            </a:pPr>
+            <a:endParaRPr kumimoji="1" lang="ja-JP" altLang="en-US" sz="2800" dirty="0"/>
+          </a:p>
+          <a:p>
+            <a:pPr marL="0" indent="0">
+              <a:buNone/>
+            </a:pPr>
+            <a:r>
+              <a:rPr kumimoji="1" lang="en-US" altLang="ja-JP" sz="2800" dirty="0"/>
+              <a:t>【</a:t>
+            </a:r>
+            <a:r>
+              <a:rPr kumimoji="1" lang="ja-JP" altLang="en-US" sz="2800" dirty="0"/>
+              <a:t>チーム開発で学んだこと</a:t>
+            </a:r>
+            <a:r>
+              <a:rPr lang="en-US" altLang="ja-JP" sz="2800" dirty="0"/>
+              <a:t>】</a:t>
+            </a:r>
+            <a:endParaRPr kumimoji="1" lang="en-US" altLang="ja-JP" sz="2800" dirty="0"/>
+          </a:p>
+          <a:p>
+            <a:r>
+              <a:rPr kumimoji="1" lang="ja-JP" altLang="en-US" sz="2800" dirty="0"/>
+              <a:t>認識統一を図ることの大切さを学んだ</a:t>
+            </a:r>
+            <a:endParaRPr kumimoji="1" lang="en-US" altLang="ja-JP" sz="2800" dirty="0"/>
+          </a:p>
+          <a:p>
+            <a:r>
+              <a:rPr kumimoji="1" lang="ja-JP" altLang="en-US" sz="2800" dirty="0"/>
+              <a:t>チームで開発をする難しさと楽しさを知ることができた</a:t>
+            </a:r>
+            <a:endParaRPr kumimoji="1" lang="en-US" altLang="ja-JP" sz="2800" dirty="0"/>
+          </a:p>
+          <a:p>
+            <a:endParaRPr lang="en-US" altLang="ja-JP" sz="2800" dirty="0"/>
+          </a:p>
+          <a:p>
+            <a:pPr marL="0" indent="0">
+              <a:buNone/>
+            </a:pPr>
+            <a:r>
+              <a:rPr lang="en-US" altLang="ja-JP" sz="2800" dirty="0"/>
+              <a:t>【</a:t>
+            </a:r>
+            <a:r>
+              <a:rPr kumimoji="1" lang="ja-JP" altLang="en-US" sz="2800" dirty="0"/>
+              <a:t>大変だったこと</a:t>
+            </a:r>
+            <a:r>
+              <a:rPr lang="en-US" altLang="ja-JP" sz="2800" dirty="0"/>
+              <a:t>】</a:t>
+            </a:r>
+          </a:p>
+          <a:p>
+            <a:r>
+              <a:rPr kumimoji="1" lang="ja-JP" altLang="en-US" sz="2800" dirty="0"/>
+              <a:t>チームで認識を合わせること</a:t>
+            </a:r>
+            <a:endParaRPr kumimoji="1" lang="en-US" altLang="ja-JP" sz="2800" dirty="0"/>
+          </a:p>
+          <a:p>
+            <a:endParaRPr kumimoji="1" lang="en-US" altLang="ja-JP" sz="2800" dirty="0"/>
+          </a:p>
+          <a:p>
+            <a:endParaRPr kumimoji="1" lang="ja-JP" altLang="en-US" sz="2800" dirty="0"/>
+          </a:p>
+          <a:p>
+            <a:pPr marL="0" indent="0">
+              <a:buNone/>
+            </a:pPr>
+            <a:endParaRPr kumimoji="1" lang="en-US" altLang="ja-JP" sz="2800" dirty="0"/>
+          </a:p>
+          <a:p>
+            <a:endParaRPr kumimoji="1" lang="ja-JP" altLang="en-US" sz="2800" dirty="0"/>
+          </a:p>
+          <a:p>
+            <a:endParaRPr kumimoji="1" lang="ja-JP" altLang="en-US" sz="2800" dirty="0"/>
+          </a:p>
+        </p:txBody>
+      </p:sp>
+      <p:sp>
+        <p:nvSpPr>
+          <p:cNvPr id="4" name="テキスト プレースホルダー 3">
+            <a:extLst>
+              <a:ext uri="{FF2B5EF4-FFF2-40B4-BE49-F238E27FC236}">
+                <a16:creationId xmlns:a16="http://schemas.microsoft.com/office/drawing/2014/main" id="{86A45445-7D14-47F4-AB42-39C495910C9D}"/>
+              </a:ext>
+            </a:extLst>
+          </p:cNvPr>
+          <p:cNvSpPr>
+            <a:spLocks noGrp="1"/>
+          </p:cNvSpPr>
+          <p:nvPr>
+            <p:ph type="body" sz="half" idx="2"/>
+          </p:nvPr>
+        </p:nvSpPr>
+        <p:spPr/>
+        <p:txBody>
+          <a:bodyPr/>
+          <a:lstStyle/>
+          <a:p>
+            <a:endParaRPr kumimoji="1" lang="en-US" altLang="ja-JP" sz="2000" dirty="0"/>
+          </a:p>
+          <a:p>
+            <a:r>
+              <a:rPr kumimoji="1" lang="en-US" altLang="ja-JP" sz="2000" dirty="0"/>
+              <a:t>【</a:t>
+            </a:r>
+            <a:r>
+              <a:rPr kumimoji="1" lang="ja-JP" altLang="en-US" sz="2000" dirty="0"/>
+              <a:t>担当箇所</a:t>
+            </a:r>
+            <a:r>
+              <a:rPr kumimoji="1" lang="en-US" altLang="ja-JP" sz="2000" dirty="0"/>
+              <a:t>】</a:t>
+            </a:r>
+          </a:p>
+          <a:p>
+            <a:r>
+              <a:rPr lang="ja-JP" altLang="en-US" sz="2000" dirty="0"/>
+              <a:t>コーディネート登録</a:t>
+            </a:r>
+            <a:endParaRPr lang="en-US" altLang="ja-JP" sz="2000" dirty="0"/>
+          </a:p>
+          <a:p>
+            <a:r>
+              <a:rPr lang="ja-JP" altLang="en-US" sz="2000" dirty="0"/>
+              <a:t>プロフィール登録</a:t>
+            </a:r>
+            <a:endParaRPr lang="en-US" altLang="ja-JP" sz="2000" dirty="0"/>
+          </a:p>
+          <a:p>
+            <a:endParaRPr kumimoji="1" lang="ja-JP" altLang="en-US" dirty="0"/>
+          </a:p>
+        </p:txBody>
+      </p:sp>
+    </p:spTree>
+    <p:extLst>
+      <p:ext uri="{BB962C8B-B14F-4D97-AF65-F5344CB8AC3E}">
+        <p14:creationId xmlns:p14="http://schemas.microsoft.com/office/powerpoint/2010/main" val="3873038816"/>
+      </p:ext>
+    </p:extLst>
+  </p:cSld>
+  <p:clrMapOvr>
+    <a:masterClrMapping/>
+  </p:clrMapOvr>
+</p:sld>
+</file>
+
+<file path=ppt/slides/slide3.xml><?xml version="1.0" encoding="utf-8"?>
+<p:sld xmlns:a="http://schemas.openxmlformats.org/drawingml/2006/main" xmlns:r="http://schemas.openxmlformats.org/officeDocument/2006/relationships" xmlns:p="http://schemas.openxmlformats.org/presentationml/2006/main">
+  <p:cSld>
+    <p:spTree>
+      <p:nvGrpSpPr>
+        <p:cNvPr id="1" name=""/>
+        <p:cNvGrpSpPr/>
+        <p:nvPr/>
+      </p:nvGrpSpPr>
+      <p:grpSpPr>
+        <a:xfrm>
+          <a:off x="0" y="0"/>
+          <a:ext cx="0" cy="0"/>
+          <a:chOff x="0" y="0"/>
+          <a:chExt cx="0" cy="0"/>
+        </a:xfrm>
+      </p:grpSpPr>
+      <p:sp>
+        <p:nvSpPr>
+          <p:cNvPr id="2" name="タイトル 1">
+            <a:extLst>
+              <a:ext uri="{FF2B5EF4-FFF2-40B4-BE49-F238E27FC236}">
+                <a16:creationId xmlns:a16="http://schemas.microsoft.com/office/drawing/2014/main" id="{58E6E749-E2AB-4787-B5B5-6AF6FDFD21B0}"/>
+              </a:ext>
+            </a:extLst>
+          </p:cNvPr>
+          <p:cNvSpPr>
+            <a:spLocks noGrp="1"/>
+          </p:cNvSpPr>
+          <p:nvPr>
+            <p:ph type="title"/>
+          </p:nvPr>
+        </p:nvSpPr>
+        <p:spPr/>
+        <p:txBody>
+          <a:bodyPr/>
+          <a:lstStyle/>
+          <a:p>
+            <a:r>
+              <a:rPr kumimoji="1" lang="ja-JP" altLang="en-US" dirty="0"/>
+              <a:t>　こんな</a:t>
+            </a:r>
+            <a:r>
+              <a:rPr lang="ja-JP" altLang="en-US" dirty="0"/>
+              <a:t>経験</a:t>
+            </a:r>
+            <a:r>
+              <a:rPr kumimoji="1" lang="ja-JP" altLang="en-US" dirty="0"/>
+              <a:t>はないですか？</a:t>
+            </a:r>
+          </a:p>
+        </p:txBody>
+      </p:sp>
+      <p:sp>
+        <p:nvSpPr>
+          <p:cNvPr id="3" name="コンテンツ プレースホルダー 2">
+            <a:extLst>
+              <a:ext uri="{FF2B5EF4-FFF2-40B4-BE49-F238E27FC236}">
+                <a16:creationId xmlns:a16="http://schemas.microsoft.com/office/drawing/2014/main" id="{B527FA58-4051-44C5-88E9-20B1FB059873}"/>
+              </a:ext>
+            </a:extLst>
+          </p:cNvPr>
+          <p:cNvSpPr>
+            <a:spLocks noGrp="1"/>
+          </p:cNvSpPr>
+          <p:nvPr>
+            <p:ph idx="1"/>
+          </p:nvPr>
+        </p:nvSpPr>
+        <p:spPr/>
+        <p:txBody>
+          <a:bodyPr/>
+          <a:lstStyle/>
+          <a:p>
+            <a:pPr marL="0" indent="0">
+              <a:buNone/>
+            </a:pPr>
+            <a:endParaRPr kumimoji="1" lang="ja-JP" altLang="en-US" dirty="0"/>
+          </a:p>
+        </p:txBody>
+      </p:sp>
+      <p:pic>
+        <p:nvPicPr>
+          <p:cNvPr id="4" name="図 3" descr="挿絵 が含まれている画像&#10;&#10;自動的に生成された説明">
+            <a:extLst>
+              <a:ext uri="{FF2B5EF4-FFF2-40B4-BE49-F238E27FC236}">
+                <a16:creationId xmlns:a16="http://schemas.microsoft.com/office/drawing/2014/main" id="{C389E882-F8FC-48FE-A3CE-49EF76DCD292}"/>
+              </a:ext>
+            </a:extLst>
+          </p:cNvPr>
+          <p:cNvPicPr>
+            <a:picLocks noChangeAspect="1"/>
+          </p:cNvPicPr>
+          <p:nvPr/>
+        </p:nvPicPr>
+        <p:blipFill>
+          <a:blip r:embed="rId3">
+            <a:extLst>
+              <a:ext uri="{28A0092B-C50C-407E-A947-70E740481C1C}">
+                <a14:useLocalDpi xmlns:a14="http://schemas.microsoft.com/office/drawing/2010/main" val="0"/>
+              </a:ext>
+            </a:extLst>
+          </a:blip>
+          <a:stretch>
+            <a:fillRect/>
+          </a:stretch>
+        </p:blipFill>
+        <p:spPr>
+          <a:xfrm>
+            <a:off x="4452524" y="2802857"/>
+            <a:ext cx="3286951" cy="3509043"/>
+          </a:xfrm>
+          <a:prstGeom prst="rect">
+            <a:avLst/>
+          </a:prstGeom>
+        </p:spPr>
+      </p:pic>
+      <p:sp>
+        <p:nvSpPr>
+          <p:cNvPr id="5" name="フリーフォーム: 図形 4">
+            <a:extLst>
+              <a:ext uri="{FF2B5EF4-FFF2-40B4-BE49-F238E27FC236}">
+                <a16:creationId xmlns:a16="http://schemas.microsoft.com/office/drawing/2014/main" id="{0E5928CB-1E85-497E-B0B4-F87113EB273B}"/>
+              </a:ext>
+            </a:extLst>
+          </p:cNvPr>
+          <p:cNvSpPr/>
+          <p:nvPr/>
+        </p:nvSpPr>
+        <p:spPr>
+          <a:xfrm rot="5400000" flipV="1">
+            <a:off x="160694" y="270427"/>
+            <a:ext cx="1519422" cy="978569"/>
+          </a:xfrm>
+          <a:custGeom>
+            <a:avLst/>
+            <a:gdLst>
+              <a:gd name="connsiteX0" fmla="*/ 0 w 3155712"/>
+              <a:gd name="connsiteY0" fmla="*/ 0 h 818148"/>
+              <a:gd name="connsiteX1" fmla="*/ 3155712 w 3155712"/>
+              <a:gd name="connsiteY1" fmla="*/ 0 h 818148"/>
+              <a:gd name="connsiteX2" fmla="*/ 3155712 w 3155712"/>
+              <a:gd name="connsiteY2" fmla="*/ 1 h 818148"/>
+              <a:gd name="connsiteX3" fmla="*/ 2829140 w 3155712"/>
+              <a:gd name="connsiteY3" fmla="*/ 1 h 818148"/>
+              <a:gd name="connsiteX4" fmla="*/ 2420067 w 3155712"/>
+              <a:gd name="connsiteY4" fmla="*/ 409074 h 818148"/>
+              <a:gd name="connsiteX5" fmla="*/ 2829140 w 3155712"/>
+              <a:gd name="connsiteY5" fmla="*/ 818148 h 818148"/>
+              <a:gd name="connsiteX6" fmla="*/ 0 w 3155712"/>
+              <a:gd name="connsiteY6" fmla="*/ 818148 h 818148"/>
+            </a:gdLst>
+            <a:ahLst/>
+            <a:cxnLst>
+              <a:cxn ang="0">
+                <a:pos x="connsiteX0" y="connsiteY0"/>
+              </a:cxn>
+              <a:cxn ang="0">
+                <a:pos x="connsiteX1" y="connsiteY1"/>
+              </a:cxn>
+              <a:cxn ang="0">
+                <a:pos x="connsiteX2" y="connsiteY2"/>
+              </a:cxn>
+              <a:cxn ang="0">
+                <a:pos x="connsiteX3" y="connsiteY3"/>
+              </a:cxn>
+              <a:cxn ang="0">
+                <a:pos x="connsiteX4" y="connsiteY4"/>
+              </a:cxn>
+              <a:cxn ang="0">
+                <a:pos x="connsiteX5" y="connsiteY5"/>
+              </a:cxn>
+              <a:cxn ang="0">
+                <a:pos x="connsiteX6" y="connsiteY6"/>
+              </a:cxn>
+            </a:cxnLst>
+            <a:rect l="l" t="t" r="r" b="b"/>
+            <a:pathLst>
+              <a:path w="3155712" h="818148">
+                <a:moveTo>
+                  <a:pt x="0" y="0"/>
+                </a:moveTo>
+                <a:lnTo>
+                  <a:pt x="3155712" y="0"/>
+                </a:lnTo>
+                <a:lnTo>
+                  <a:pt x="3155712" y="1"/>
+                </a:lnTo>
+                <a:lnTo>
+                  <a:pt x="2829140" y="1"/>
+                </a:lnTo>
+                <a:lnTo>
+                  <a:pt x="2420067" y="409074"/>
+                </a:lnTo>
+                <a:lnTo>
+                  <a:pt x="2829140" y="818148"/>
+                </a:lnTo>
+                <a:lnTo>
+                  <a:pt x="0" y="818148"/>
+                </a:lnTo>
+                <a:close/>
+              </a:path>
+            </a:pathLst>
+          </a:custGeom>
+          <a:solidFill>
+            <a:srgbClr val="B8D4D3"/>
+          </a:solidFill>
+          <a:ln>
+            <a:noFill/>
+          </a:ln>
+        </p:spPr>
+        <p:style>
+          <a:lnRef idx="0">
+            <a:scrgbClr r="0" g="0" b="0"/>
+          </a:lnRef>
+          <a:fillRef idx="0">
+            <a:scrgbClr r="0" g="0" b="0"/>
+          </a:fillRef>
+          <a:effectRef idx="0">
+            <a:scrgbClr r="0" g="0" b="0"/>
+          </a:effectRef>
+          <a:fontRef idx="minor">
+            <a:schemeClr val="lt1"/>
+          </a:fontRef>
+        </p:style>
+        <p:txBody>
+          <a:bodyPr vert="eaVert" wrap="square" rtlCol="0" anchor="ctr">
+            <a:noAutofit/>
+          </a:bodyPr>
+          <a:lstStyle/>
+          <a:p>
+            <a:pPr marL="0" marR="0" lvl="0" indent="0" algn="ctr" defTabSz="914400" rtl="0" eaLnBrk="1" fontAlgn="auto" latinLnBrk="0" hangingPunct="1">
+              <a:lnSpc>
+                <a:spcPct val="100000"/>
+              </a:lnSpc>
+              <a:spcBef>
+                <a:spcPts val="0"/>
+              </a:spcBef>
+              <a:spcAft>
+                <a:spcPts val="0"/>
+              </a:spcAft>
+              <a:buClrTx/>
+              <a:buSzTx/>
+              <a:buFontTx/>
+              <a:buNone/>
+              <a:tabLst/>
+              <a:defRPr/>
+            </a:pPr>
+            <a:endParaRPr kumimoji="1" lang="ja-JP" altLang="en-US" sz="3200" b="0" i="0" u="none" strike="noStrike" kern="1200" cap="none" spc="0" normalizeH="0" baseline="0" noProof="0" dirty="0">
+              <a:ln>
+                <a:noFill/>
+              </a:ln>
+              <a:solidFill>
+                <a:srgbClr val="403E60"/>
+              </a:solidFill>
+              <a:effectLst/>
+              <a:uLnTx/>
+              <a:uFillTx/>
+              <a:latin typeface="Times New Roman" panose="02020603050405020304"/>
+              <a:ea typeface="ＭＳ Ｐ明朝" panose="02020600040205080304" pitchFamily="18" charset="-128"/>
+              <a:cs typeface="+mn-cs"/>
+            </a:endParaRPr>
+          </a:p>
+        </p:txBody>
+      </p:sp>
+      <p:sp>
+        <p:nvSpPr>
+          <p:cNvPr id="6" name="フリーフォーム: 図形 5">
+            <a:extLst>
+              <a:ext uri="{FF2B5EF4-FFF2-40B4-BE49-F238E27FC236}">
+                <a16:creationId xmlns:a16="http://schemas.microsoft.com/office/drawing/2014/main" id="{5CC6E9F1-2EA1-4174-895E-3845C327592B}"/>
+              </a:ext>
+            </a:extLst>
+          </p:cNvPr>
+          <p:cNvSpPr/>
+          <p:nvPr/>
+        </p:nvSpPr>
+        <p:spPr>
+          <a:xfrm rot="3703055" flipH="1">
+            <a:off x="8230763" y="400909"/>
+            <a:ext cx="2703888" cy="3900773"/>
+          </a:xfrm>
+          <a:custGeom>
+            <a:avLst/>
+            <a:gdLst>
+              <a:gd name="connsiteX0" fmla="*/ 1538153 w 1747589"/>
+              <a:gd name="connsiteY0" fmla="*/ 1735113 h 3862746"/>
+              <a:gd name="connsiteX1" fmla="*/ 1441348 w 1747589"/>
+              <a:gd name="connsiteY1" fmla="*/ 3852599 h 3862746"/>
+              <a:gd name="connsiteX2" fmla="*/ 805343 w 1747589"/>
+              <a:gd name="connsiteY2" fmla="*/ 3428661 h 3862746"/>
+              <a:gd name="connsiteX3" fmla="*/ 686553 w 1747589"/>
+              <a:gd name="connsiteY3" fmla="*/ 3241347 h 3862746"/>
+              <a:gd name="connsiteX4" fmla="*/ 677463 w 1747589"/>
+              <a:gd name="connsiteY4" fmla="*/ 3248227 h 3862746"/>
+              <a:gd name="connsiteX5" fmla="*/ 439415 w 1747589"/>
+              <a:gd name="connsiteY5" fmla="*/ 3719107 h 3862746"/>
+              <a:gd name="connsiteX6" fmla="*/ 555430 w 1747589"/>
+              <a:gd name="connsiteY6" fmla="*/ 3161116 h 3862746"/>
+              <a:gd name="connsiteX7" fmla="*/ 574198 w 1747589"/>
+              <a:gd name="connsiteY7" fmla="*/ 3039201 h 3862746"/>
+              <a:gd name="connsiteX8" fmla="*/ 482562 w 1747589"/>
+              <a:gd name="connsiteY8" fmla="*/ 2860037 h 3862746"/>
+              <a:gd name="connsiteX9" fmla="*/ 209436 w 1747589"/>
+              <a:gd name="connsiteY9" fmla="*/ 2127632 h 3862746"/>
+              <a:gd name="connsiteX10" fmla="*/ 306241 w 1747589"/>
+              <a:gd name="connsiteY10" fmla="*/ 10147 h 3862746"/>
+              <a:gd name="connsiteX11" fmla="*/ 1538153 w 1747589"/>
+              <a:gd name="connsiteY11" fmla="*/ 1735113 h 3862746"/>
+            </a:gdLst>
+            <a:ahLst/>
+            <a:cxnLst>
+              <a:cxn ang="0">
+                <a:pos x="connsiteX0" y="connsiteY0"/>
+              </a:cxn>
+              <a:cxn ang="0">
+                <a:pos x="connsiteX1" y="connsiteY1"/>
+              </a:cxn>
+              <a:cxn ang="0">
+                <a:pos x="connsiteX2" y="connsiteY2"/>
+              </a:cxn>
+              <a:cxn ang="0">
+                <a:pos x="connsiteX3" y="connsiteY3"/>
+              </a:cxn>
+              <a:cxn ang="0">
+                <a:pos x="connsiteX4" y="connsiteY4"/>
+              </a:cxn>
+              <a:cxn ang="0">
+                <a:pos x="connsiteX5" y="connsiteY5"/>
+              </a:cxn>
+              <a:cxn ang="0">
+                <a:pos x="connsiteX6" y="connsiteY6"/>
+              </a:cxn>
+              <a:cxn ang="0">
+                <a:pos x="connsiteX7" y="connsiteY7"/>
+              </a:cxn>
+              <a:cxn ang="0">
+                <a:pos x="connsiteX8" y="connsiteY8"/>
+              </a:cxn>
+              <a:cxn ang="0">
+                <a:pos x="connsiteX9" y="connsiteY9"/>
+              </a:cxn>
+              <a:cxn ang="0">
+                <a:pos x="connsiteX10" y="connsiteY10"/>
+              </a:cxn>
+              <a:cxn ang="0">
+                <a:pos x="connsiteX11" y="connsiteY11"/>
+              </a:cxn>
+            </a:cxnLst>
+            <a:rect l="l" t="t" r="r" b="b"/>
+            <a:pathLst>
+              <a:path w="1747589" h="3862746">
+                <a:moveTo>
+                  <a:pt x="1538153" y="1735113"/>
+                </a:moveTo>
+                <a:cubicBezTo>
+                  <a:pt x="1851604" y="2796177"/>
+                  <a:pt x="1808263" y="3744208"/>
+                  <a:pt x="1441348" y="3852599"/>
+                </a:cubicBezTo>
+                <a:cubicBezTo>
+                  <a:pt x="1257891" y="3906795"/>
+                  <a:pt x="1028276" y="3740819"/>
+                  <a:pt x="805343" y="3428661"/>
+                </a:cubicBezTo>
+                <a:lnTo>
+                  <a:pt x="686553" y="3241347"/>
+                </a:lnTo>
+                <a:lnTo>
+                  <a:pt x="677463" y="3248227"/>
+                </a:lnTo>
+                <a:cubicBezTo>
+                  <a:pt x="602602" y="3320897"/>
+                  <a:pt x="524001" y="3463809"/>
+                  <a:pt x="439415" y="3719107"/>
+                </a:cubicBezTo>
+                <a:cubicBezTo>
+                  <a:pt x="490087" y="3511891"/>
+                  <a:pt x="527517" y="3328089"/>
+                  <a:pt x="555430" y="3161116"/>
+                </a:cubicBezTo>
+                <a:lnTo>
+                  <a:pt x="574198" y="3039201"/>
+                </a:lnTo>
+                <a:lnTo>
+                  <a:pt x="482562" y="2860037"/>
+                </a:lnTo>
+                <a:cubicBezTo>
+                  <a:pt x="381043" y="2640116"/>
+                  <a:pt x="287799" y="2392898"/>
+                  <a:pt x="209436" y="2127632"/>
+                </a:cubicBezTo>
+                <a:cubicBezTo>
+                  <a:pt x="-104015" y="1066569"/>
+                  <a:pt x="-60674" y="118538"/>
+                  <a:pt x="306241" y="10147"/>
+                </a:cubicBezTo>
+                <a:cubicBezTo>
+                  <a:pt x="673156" y="-98244"/>
+                  <a:pt x="1224702" y="674050"/>
+                  <a:pt x="1538153" y="1735113"/>
+                </a:cubicBezTo>
+                <a:close/>
+              </a:path>
+            </a:pathLst>
+          </a:custGeom>
+          <a:solidFill>
+            <a:srgbClr val="B8D4D3"/>
+          </a:solidFill>
+          <a:ln w="57150" cap="flat" cmpd="sng" algn="ctr">
+            <a:noFill/>
+            <a:prstDash val="solid"/>
+            <a:round/>
+            <a:headEnd type="none" w="med" len="med"/>
+            <a:tailEnd type="none" w="med" len="med"/>
+          </a:ln>
+        </p:spPr>
+        <p:style>
+          <a:lnRef idx="0">
+            <a:scrgbClr r="0" g="0" b="0"/>
+          </a:lnRef>
+          <a:fillRef idx="0">
+            <a:scrgbClr r="0" g="0" b="0"/>
+          </a:fillRef>
+          <a:effectRef idx="0">
+            <a:scrgbClr r="0" g="0" b="0"/>
+          </a:effectRef>
+          <a:fontRef idx="minor">
+            <a:schemeClr val="accent2"/>
+          </a:fontRef>
+        </p:style>
+        <p:txBody>
+          <a:bodyPr wrap="square" rtlCol="0" anchor="ctr">
+            <a:noAutofit/>
+          </a:bodyPr>
+          <a:lstStyle/>
+          <a:p>
+            <a:pPr algn="ctr"/>
+            <a:endParaRPr kumimoji="1" lang="ja-JP" altLang="en-US" dirty="0"/>
+          </a:p>
+        </p:txBody>
+      </p:sp>
+      <p:sp>
+        <p:nvSpPr>
+          <p:cNvPr id="7" name="フリーフォーム: 図形 6">
+            <a:extLst>
+              <a:ext uri="{FF2B5EF4-FFF2-40B4-BE49-F238E27FC236}">
+                <a16:creationId xmlns:a16="http://schemas.microsoft.com/office/drawing/2014/main" id="{AF1579B3-3E6E-4428-A176-7A779A1FEF49}"/>
+              </a:ext>
+            </a:extLst>
+          </p:cNvPr>
+          <p:cNvSpPr/>
+          <p:nvPr/>
+        </p:nvSpPr>
+        <p:spPr>
+          <a:xfrm rot="3703055" flipH="1">
+            <a:off x="8172914" y="248441"/>
+            <a:ext cx="2703888" cy="3900773"/>
+          </a:xfrm>
+          <a:custGeom>
+            <a:avLst/>
+            <a:gdLst>
+              <a:gd name="connsiteX0" fmla="*/ 1538153 w 1747589"/>
+              <a:gd name="connsiteY0" fmla="*/ 1735113 h 3862746"/>
+              <a:gd name="connsiteX1" fmla="*/ 1441348 w 1747589"/>
+              <a:gd name="connsiteY1" fmla="*/ 3852599 h 3862746"/>
+              <a:gd name="connsiteX2" fmla="*/ 805343 w 1747589"/>
+              <a:gd name="connsiteY2" fmla="*/ 3428661 h 3862746"/>
+              <a:gd name="connsiteX3" fmla="*/ 686553 w 1747589"/>
+              <a:gd name="connsiteY3" fmla="*/ 3241347 h 3862746"/>
+              <a:gd name="connsiteX4" fmla="*/ 677463 w 1747589"/>
+              <a:gd name="connsiteY4" fmla="*/ 3248227 h 3862746"/>
+              <a:gd name="connsiteX5" fmla="*/ 439415 w 1747589"/>
+              <a:gd name="connsiteY5" fmla="*/ 3719107 h 3862746"/>
+              <a:gd name="connsiteX6" fmla="*/ 555430 w 1747589"/>
+              <a:gd name="connsiteY6" fmla="*/ 3161116 h 3862746"/>
+              <a:gd name="connsiteX7" fmla="*/ 574198 w 1747589"/>
+              <a:gd name="connsiteY7" fmla="*/ 3039201 h 3862746"/>
+              <a:gd name="connsiteX8" fmla="*/ 482562 w 1747589"/>
+              <a:gd name="connsiteY8" fmla="*/ 2860037 h 3862746"/>
+              <a:gd name="connsiteX9" fmla="*/ 209436 w 1747589"/>
+              <a:gd name="connsiteY9" fmla="*/ 2127632 h 3862746"/>
+              <a:gd name="connsiteX10" fmla="*/ 306241 w 1747589"/>
+              <a:gd name="connsiteY10" fmla="*/ 10147 h 3862746"/>
+              <a:gd name="connsiteX11" fmla="*/ 1538153 w 1747589"/>
+              <a:gd name="connsiteY11" fmla="*/ 1735113 h 3862746"/>
+            </a:gdLst>
+            <a:ahLst/>
+            <a:cxnLst>
+              <a:cxn ang="0">
+                <a:pos x="connsiteX0" y="connsiteY0"/>
+              </a:cxn>
+              <a:cxn ang="0">
+                <a:pos x="connsiteX1" y="connsiteY1"/>
+              </a:cxn>
+              <a:cxn ang="0">
+                <a:pos x="connsiteX2" y="connsiteY2"/>
+              </a:cxn>
+              <a:cxn ang="0">
+                <a:pos x="connsiteX3" y="connsiteY3"/>
+              </a:cxn>
+              <a:cxn ang="0">
+                <a:pos x="connsiteX4" y="connsiteY4"/>
+              </a:cxn>
+              <a:cxn ang="0">
+                <a:pos x="connsiteX5" y="connsiteY5"/>
+              </a:cxn>
+              <a:cxn ang="0">
+                <a:pos x="connsiteX6" y="connsiteY6"/>
+              </a:cxn>
+              <a:cxn ang="0">
+                <a:pos x="connsiteX7" y="connsiteY7"/>
+              </a:cxn>
+              <a:cxn ang="0">
+                <a:pos x="connsiteX8" y="connsiteY8"/>
+              </a:cxn>
+              <a:cxn ang="0">
+                <a:pos x="connsiteX9" y="connsiteY9"/>
+              </a:cxn>
+              <a:cxn ang="0">
+                <a:pos x="connsiteX10" y="connsiteY10"/>
+              </a:cxn>
+              <a:cxn ang="0">
+                <a:pos x="connsiteX11" y="connsiteY11"/>
+              </a:cxn>
+            </a:cxnLst>
+            <a:rect l="l" t="t" r="r" b="b"/>
+            <a:pathLst>
+              <a:path w="1747589" h="3862746">
+                <a:moveTo>
+                  <a:pt x="1538153" y="1735113"/>
+                </a:moveTo>
+                <a:cubicBezTo>
+                  <a:pt x="1851604" y="2796177"/>
+                  <a:pt x="1808263" y="3744208"/>
+                  <a:pt x="1441348" y="3852599"/>
+                </a:cubicBezTo>
+                <a:cubicBezTo>
+                  <a:pt x="1257891" y="3906795"/>
+                  <a:pt x="1028276" y="3740819"/>
+                  <a:pt x="805343" y="3428661"/>
+                </a:cubicBezTo>
+                <a:lnTo>
+                  <a:pt x="686553" y="3241347"/>
+                </a:lnTo>
+                <a:lnTo>
+                  <a:pt x="677463" y="3248227"/>
+                </a:lnTo>
+                <a:cubicBezTo>
+                  <a:pt x="602602" y="3320897"/>
+                  <a:pt x="524001" y="3463809"/>
+                  <a:pt x="439415" y="3719107"/>
+                </a:cubicBezTo>
+                <a:cubicBezTo>
+                  <a:pt x="490087" y="3511891"/>
+                  <a:pt x="527517" y="3328089"/>
+                  <a:pt x="555430" y="3161116"/>
+                </a:cubicBezTo>
+                <a:lnTo>
+                  <a:pt x="574198" y="3039201"/>
+                </a:lnTo>
+                <a:lnTo>
+                  <a:pt x="482562" y="2860037"/>
+                </a:lnTo>
+                <a:cubicBezTo>
+                  <a:pt x="381043" y="2640116"/>
+                  <a:pt x="287799" y="2392898"/>
+                  <a:pt x="209436" y="2127632"/>
+                </a:cubicBezTo>
+                <a:cubicBezTo>
+                  <a:pt x="-104015" y="1066569"/>
+                  <a:pt x="-60674" y="118538"/>
+                  <a:pt x="306241" y="10147"/>
+                </a:cubicBezTo>
+                <a:cubicBezTo>
+                  <a:pt x="673156" y="-98244"/>
+                  <a:pt x="1224702" y="674050"/>
+                  <a:pt x="1538153" y="1735113"/>
+                </a:cubicBezTo>
+                <a:close/>
+              </a:path>
+            </a:pathLst>
+          </a:custGeom>
+          <a:solidFill>
+            <a:srgbClr val="B8D4D3"/>
+          </a:solidFill>
+          <a:ln w="38100" cap="flat" cmpd="sng" algn="ctr">
+            <a:solidFill>
+              <a:srgbClr val="818076"/>
+            </a:solidFill>
+            <a:prstDash val="solid"/>
+            <a:round/>
+            <a:headEnd type="none" w="med" len="med"/>
+            <a:tailEnd type="none" w="med" len="med"/>
+          </a:ln>
+        </p:spPr>
+        <p:style>
+          <a:lnRef idx="0">
+            <a:scrgbClr r="0" g="0" b="0"/>
+          </a:lnRef>
+          <a:fillRef idx="0">
+            <a:scrgbClr r="0" g="0" b="0"/>
+          </a:fillRef>
+          <a:effectRef idx="0">
+            <a:scrgbClr r="0" g="0" b="0"/>
+          </a:effectRef>
+          <a:fontRef idx="minor">
+            <a:schemeClr val="accent2"/>
+          </a:fontRef>
+        </p:style>
+        <p:txBody>
+          <a:bodyPr wrap="square" rtlCol="0" anchor="ctr">
+            <a:noAutofit/>
+          </a:bodyPr>
+          <a:lstStyle/>
+          <a:p>
+            <a:pPr algn="ctr"/>
+            <a:endParaRPr kumimoji="1" lang="ja-JP" altLang="en-US"/>
+          </a:p>
+        </p:txBody>
+      </p:sp>
+      <p:sp>
+        <p:nvSpPr>
+          <p:cNvPr id="8" name="フリーフォーム: 図形 7">
+            <a:extLst>
+              <a:ext uri="{FF2B5EF4-FFF2-40B4-BE49-F238E27FC236}">
+                <a16:creationId xmlns:a16="http://schemas.microsoft.com/office/drawing/2014/main" id="{8DA593B8-B8F7-42DA-AD8C-7C0127CC978E}"/>
+              </a:ext>
+            </a:extLst>
+          </p:cNvPr>
+          <p:cNvSpPr/>
+          <p:nvPr/>
+        </p:nvSpPr>
+        <p:spPr>
+          <a:xfrm rot="3703055" flipH="1">
+            <a:off x="9250655" y="2824326"/>
+            <a:ext cx="2436528" cy="3522439"/>
+          </a:xfrm>
+          <a:custGeom>
+            <a:avLst/>
+            <a:gdLst>
+              <a:gd name="connsiteX0" fmla="*/ 1538153 w 1747589"/>
+              <a:gd name="connsiteY0" fmla="*/ 1735113 h 3862746"/>
+              <a:gd name="connsiteX1" fmla="*/ 1441348 w 1747589"/>
+              <a:gd name="connsiteY1" fmla="*/ 3852599 h 3862746"/>
+              <a:gd name="connsiteX2" fmla="*/ 805343 w 1747589"/>
+              <a:gd name="connsiteY2" fmla="*/ 3428661 h 3862746"/>
+              <a:gd name="connsiteX3" fmla="*/ 686553 w 1747589"/>
+              <a:gd name="connsiteY3" fmla="*/ 3241347 h 3862746"/>
+              <a:gd name="connsiteX4" fmla="*/ 677463 w 1747589"/>
+              <a:gd name="connsiteY4" fmla="*/ 3248227 h 3862746"/>
+              <a:gd name="connsiteX5" fmla="*/ 439415 w 1747589"/>
+              <a:gd name="connsiteY5" fmla="*/ 3719107 h 3862746"/>
+              <a:gd name="connsiteX6" fmla="*/ 555430 w 1747589"/>
+              <a:gd name="connsiteY6" fmla="*/ 3161116 h 3862746"/>
+              <a:gd name="connsiteX7" fmla="*/ 574198 w 1747589"/>
+              <a:gd name="connsiteY7" fmla="*/ 3039201 h 3862746"/>
+              <a:gd name="connsiteX8" fmla="*/ 482562 w 1747589"/>
+              <a:gd name="connsiteY8" fmla="*/ 2860037 h 3862746"/>
+              <a:gd name="connsiteX9" fmla="*/ 209436 w 1747589"/>
+              <a:gd name="connsiteY9" fmla="*/ 2127632 h 3862746"/>
+              <a:gd name="connsiteX10" fmla="*/ 306241 w 1747589"/>
+              <a:gd name="connsiteY10" fmla="*/ 10147 h 3862746"/>
+              <a:gd name="connsiteX11" fmla="*/ 1538153 w 1747589"/>
+              <a:gd name="connsiteY11" fmla="*/ 1735113 h 3862746"/>
+            </a:gdLst>
+            <a:ahLst/>
+            <a:cxnLst>
+              <a:cxn ang="0">
+                <a:pos x="connsiteX0" y="connsiteY0"/>
+              </a:cxn>
+              <a:cxn ang="0">
+                <a:pos x="connsiteX1" y="connsiteY1"/>
+              </a:cxn>
+              <a:cxn ang="0">
+                <a:pos x="connsiteX2" y="connsiteY2"/>
+              </a:cxn>
+              <a:cxn ang="0">
+                <a:pos x="connsiteX3" y="connsiteY3"/>
+              </a:cxn>
+              <a:cxn ang="0">
+                <a:pos x="connsiteX4" y="connsiteY4"/>
+              </a:cxn>
+              <a:cxn ang="0">
+                <a:pos x="connsiteX5" y="connsiteY5"/>
+              </a:cxn>
+              <a:cxn ang="0">
+                <a:pos x="connsiteX6" y="connsiteY6"/>
+              </a:cxn>
+              <a:cxn ang="0">
+                <a:pos x="connsiteX7" y="connsiteY7"/>
+              </a:cxn>
+              <a:cxn ang="0">
+                <a:pos x="connsiteX8" y="connsiteY8"/>
+              </a:cxn>
+              <a:cxn ang="0">
+                <a:pos x="connsiteX9" y="connsiteY9"/>
+              </a:cxn>
+              <a:cxn ang="0">
+                <a:pos x="connsiteX10" y="connsiteY10"/>
+              </a:cxn>
+              <a:cxn ang="0">
+                <a:pos x="connsiteX11" y="connsiteY11"/>
+              </a:cxn>
+            </a:cxnLst>
+            <a:rect l="l" t="t" r="r" b="b"/>
+            <a:pathLst>
+              <a:path w="1747589" h="3862746">
+                <a:moveTo>
+                  <a:pt x="1538153" y="1735113"/>
+                </a:moveTo>
+                <a:cubicBezTo>
+                  <a:pt x="1851604" y="2796177"/>
+                  <a:pt x="1808263" y="3744208"/>
+                  <a:pt x="1441348" y="3852599"/>
+                </a:cubicBezTo>
+                <a:cubicBezTo>
+                  <a:pt x="1257891" y="3906795"/>
+                  <a:pt x="1028276" y="3740819"/>
+                  <a:pt x="805343" y="3428661"/>
+                </a:cubicBezTo>
+                <a:lnTo>
+                  <a:pt x="686553" y="3241347"/>
+                </a:lnTo>
+                <a:lnTo>
+                  <a:pt x="677463" y="3248227"/>
+                </a:lnTo>
+                <a:cubicBezTo>
+                  <a:pt x="602602" y="3320897"/>
+                  <a:pt x="524001" y="3463809"/>
+                  <a:pt x="439415" y="3719107"/>
+                </a:cubicBezTo>
+                <a:cubicBezTo>
+                  <a:pt x="490087" y="3511891"/>
+                  <a:pt x="527517" y="3328089"/>
+                  <a:pt x="555430" y="3161116"/>
+                </a:cubicBezTo>
+                <a:lnTo>
+                  <a:pt x="574198" y="3039201"/>
+                </a:lnTo>
+                <a:lnTo>
+                  <a:pt x="482562" y="2860037"/>
+                </a:lnTo>
+                <a:cubicBezTo>
+                  <a:pt x="381043" y="2640116"/>
+                  <a:pt x="287799" y="2392898"/>
+                  <a:pt x="209436" y="2127632"/>
+                </a:cubicBezTo>
+                <a:cubicBezTo>
+                  <a:pt x="-104015" y="1066569"/>
+                  <a:pt x="-60674" y="118538"/>
+                  <a:pt x="306241" y="10147"/>
+                </a:cubicBezTo>
+                <a:cubicBezTo>
+                  <a:pt x="673156" y="-98244"/>
+                  <a:pt x="1224702" y="674050"/>
+                  <a:pt x="1538153" y="1735113"/>
+                </a:cubicBezTo>
+                <a:close/>
+              </a:path>
+            </a:pathLst>
+          </a:custGeom>
+          <a:solidFill>
+            <a:srgbClr val="B8D4D3"/>
+          </a:solidFill>
+          <a:ln w="57150" cap="flat" cmpd="sng" algn="ctr">
+            <a:noFill/>
+            <a:prstDash val="solid"/>
+            <a:round/>
+            <a:headEnd type="none" w="med" len="med"/>
+            <a:tailEnd type="none" w="med" len="med"/>
+          </a:ln>
+        </p:spPr>
+        <p:style>
+          <a:lnRef idx="0">
+            <a:scrgbClr r="0" g="0" b="0"/>
+          </a:lnRef>
+          <a:fillRef idx="0">
+            <a:scrgbClr r="0" g="0" b="0"/>
+          </a:fillRef>
+          <a:effectRef idx="0">
+            <a:scrgbClr r="0" g="0" b="0"/>
+          </a:effectRef>
+          <a:fontRef idx="minor">
+            <a:schemeClr val="accent2"/>
+          </a:fontRef>
+        </p:style>
+        <p:txBody>
+          <a:bodyPr wrap="square" rtlCol="0" anchor="ctr">
+            <a:noAutofit/>
+          </a:bodyPr>
+          <a:lstStyle/>
+          <a:p>
+            <a:pPr algn="ctr"/>
+            <a:endParaRPr kumimoji="1" lang="ja-JP" altLang="en-US" dirty="0"/>
+          </a:p>
+        </p:txBody>
+      </p:sp>
+      <p:sp>
+        <p:nvSpPr>
+          <p:cNvPr id="9" name="フリーフォーム: 図形 8">
+            <a:extLst>
+              <a:ext uri="{FF2B5EF4-FFF2-40B4-BE49-F238E27FC236}">
+                <a16:creationId xmlns:a16="http://schemas.microsoft.com/office/drawing/2014/main" id="{539EB624-0C50-476C-9E0A-B1C086840837}"/>
+              </a:ext>
+            </a:extLst>
+          </p:cNvPr>
+          <p:cNvSpPr/>
+          <p:nvPr/>
+        </p:nvSpPr>
+        <p:spPr>
+          <a:xfrm rot="3703055" flipH="1">
+            <a:off x="9308503" y="2750217"/>
+            <a:ext cx="2436528" cy="3522439"/>
+          </a:xfrm>
+          <a:custGeom>
+            <a:avLst/>
+            <a:gdLst>
+              <a:gd name="connsiteX0" fmla="*/ 1538153 w 1747589"/>
+              <a:gd name="connsiteY0" fmla="*/ 1735113 h 3862746"/>
+              <a:gd name="connsiteX1" fmla="*/ 1441348 w 1747589"/>
+              <a:gd name="connsiteY1" fmla="*/ 3852599 h 3862746"/>
+              <a:gd name="connsiteX2" fmla="*/ 805343 w 1747589"/>
+              <a:gd name="connsiteY2" fmla="*/ 3428661 h 3862746"/>
+              <a:gd name="connsiteX3" fmla="*/ 686553 w 1747589"/>
+              <a:gd name="connsiteY3" fmla="*/ 3241347 h 3862746"/>
+              <a:gd name="connsiteX4" fmla="*/ 677463 w 1747589"/>
+              <a:gd name="connsiteY4" fmla="*/ 3248227 h 3862746"/>
+              <a:gd name="connsiteX5" fmla="*/ 439415 w 1747589"/>
+              <a:gd name="connsiteY5" fmla="*/ 3719107 h 3862746"/>
+              <a:gd name="connsiteX6" fmla="*/ 555430 w 1747589"/>
+              <a:gd name="connsiteY6" fmla="*/ 3161116 h 3862746"/>
+              <a:gd name="connsiteX7" fmla="*/ 574198 w 1747589"/>
+              <a:gd name="connsiteY7" fmla="*/ 3039201 h 3862746"/>
+              <a:gd name="connsiteX8" fmla="*/ 482562 w 1747589"/>
+              <a:gd name="connsiteY8" fmla="*/ 2860037 h 3862746"/>
+              <a:gd name="connsiteX9" fmla="*/ 209436 w 1747589"/>
+              <a:gd name="connsiteY9" fmla="*/ 2127632 h 3862746"/>
+              <a:gd name="connsiteX10" fmla="*/ 306241 w 1747589"/>
+              <a:gd name="connsiteY10" fmla="*/ 10147 h 3862746"/>
+              <a:gd name="connsiteX11" fmla="*/ 1538153 w 1747589"/>
+              <a:gd name="connsiteY11" fmla="*/ 1735113 h 3862746"/>
+            </a:gdLst>
+            <a:ahLst/>
+            <a:cxnLst>
+              <a:cxn ang="0">
+                <a:pos x="connsiteX0" y="connsiteY0"/>
+              </a:cxn>
+              <a:cxn ang="0">
+                <a:pos x="connsiteX1" y="connsiteY1"/>
+              </a:cxn>
+              <a:cxn ang="0">
+                <a:pos x="connsiteX2" y="connsiteY2"/>
+              </a:cxn>
+              <a:cxn ang="0">
+                <a:pos x="connsiteX3" y="connsiteY3"/>
+              </a:cxn>
+              <a:cxn ang="0">
+                <a:pos x="connsiteX4" y="connsiteY4"/>
+              </a:cxn>
+              <a:cxn ang="0">
+                <a:pos x="connsiteX5" y="connsiteY5"/>
+              </a:cxn>
+              <a:cxn ang="0">
+                <a:pos x="connsiteX6" y="connsiteY6"/>
+              </a:cxn>
+              <a:cxn ang="0">
+                <a:pos x="connsiteX7" y="connsiteY7"/>
+              </a:cxn>
+              <a:cxn ang="0">
+                <a:pos x="connsiteX8" y="connsiteY8"/>
+              </a:cxn>
+              <a:cxn ang="0">
+                <a:pos x="connsiteX9" y="connsiteY9"/>
+              </a:cxn>
+              <a:cxn ang="0">
+                <a:pos x="connsiteX10" y="connsiteY10"/>
+              </a:cxn>
+              <a:cxn ang="0">
+                <a:pos x="connsiteX11" y="connsiteY11"/>
+              </a:cxn>
+            </a:cxnLst>
+            <a:rect l="l" t="t" r="r" b="b"/>
+            <a:pathLst>
+              <a:path w="1747589" h="3862746">
+                <a:moveTo>
+                  <a:pt x="1538153" y="1735113"/>
+                </a:moveTo>
+                <a:cubicBezTo>
+                  <a:pt x="1851604" y="2796177"/>
+                  <a:pt x="1808263" y="3744208"/>
+                  <a:pt x="1441348" y="3852599"/>
+                </a:cubicBezTo>
+                <a:cubicBezTo>
+                  <a:pt x="1257891" y="3906795"/>
+                  <a:pt x="1028276" y="3740819"/>
+                  <a:pt x="805343" y="3428661"/>
+                </a:cubicBezTo>
+                <a:lnTo>
+                  <a:pt x="686553" y="3241347"/>
+                </a:lnTo>
+                <a:lnTo>
+                  <a:pt x="677463" y="3248227"/>
+                </a:lnTo>
+                <a:cubicBezTo>
+                  <a:pt x="602602" y="3320897"/>
+                  <a:pt x="524001" y="3463809"/>
+                  <a:pt x="439415" y="3719107"/>
+                </a:cubicBezTo>
+                <a:cubicBezTo>
+                  <a:pt x="490087" y="3511891"/>
+                  <a:pt x="527517" y="3328089"/>
+                  <a:pt x="555430" y="3161116"/>
+                </a:cubicBezTo>
+                <a:lnTo>
+                  <a:pt x="574198" y="3039201"/>
+                </a:lnTo>
+                <a:lnTo>
+                  <a:pt x="482562" y="2860037"/>
+                </a:lnTo>
+                <a:cubicBezTo>
+                  <a:pt x="381043" y="2640116"/>
+                  <a:pt x="287799" y="2392898"/>
+                  <a:pt x="209436" y="2127632"/>
+                </a:cubicBezTo>
+                <a:cubicBezTo>
+                  <a:pt x="-104015" y="1066569"/>
+                  <a:pt x="-60674" y="118538"/>
+                  <a:pt x="306241" y="10147"/>
+                </a:cubicBezTo>
+                <a:cubicBezTo>
+                  <a:pt x="673156" y="-98244"/>
+                  <a:pt x="1224702" y="674050"/>
+                  <a:pt x="1538153" y="1735113"/>
+                </a:cubicBezTo>
+                <a:close/>
+              </a:path>
+            </a:pathLst>
+          </a:custGeom>
+          <a:solidFill>
+            <a:srgbClr val="B8D4D3"/>
+          </a:solidFill>
+          <a:ln w="38100" cap="flat" cmpd="sng" algn="ctr">
+            <a:solidFill>
+              <a:srgbClr val="818076"/>
+            </a:solidFill>
+            <a:prstDash val="solid"/>
+            <a:round/>
+            <a:headEnd type="none" w="med" len="med"/>
+            <a:tailEnd type="none" w="med" len="med"/>
+          </a:ln>
+        </p:spPr>
+        <p:style>
+          <a:lnRef idx="0">
+            <a:scrgbClr r="0" g="0" b="0"/>
+          </a:lnRef>
+          <a:fillRef idx="0">
+            <a:scrgbClr r="0" g="0" b="0"/>
+          </a:fillRef>
+          <a:effectRef idx="0">
+            <a:scrgbClr r="0" g="0" b="0"/>
+          </a:effectRef>
+          <a:fontRef idx="minor">
+            <a:schemeClr val="accent2"/>
+          </a:fontRef>
+        </p:style>
+        <p:txBody>
+          <a:bodyPr wrap="square" rtlCol="0" anchor="ctr">
+            <a:noAutofit/>
+          </a:bodyPr>
+          <a:lstStyle/>
+          <a:p>
+            <a:pPr algn="ctr"/>
+            <a:endParaRPr kumimoji="1" lang="ja-JP" altLang="en-US"/>
+          </a:p>
+        </p:txBody>
+      </p:sp>
+      <p:sp>
+        <p:nvSpPr>
+          <p:cNvPr id="10" name="フリーフォーム: 図形 9">
+            <a:extLst>
+              <a:ext uri="{FF2B5EF4-FFF2-40B4-BE49-F238E27FC236}">
+                <a16:creationId xmlns:a16="http://schemas.microsoft.com/office/drawing/2014/main" id="{58AC840B-B342-4FEE-A821-89865ED3742D}"/>
+              </a:ext>
+            </a:extLst>
+          </p:cNvPr>
+          <p:cNvSpPr/>
+          <p:nvPr/>
+        </p:nvSpPr>
+        <p:spPr>
+          <a:xfrm rot="14531263" flipH="1">
+            <a:off x="955068" y="3030586"/>
+            <a:ext cx="2436528" cy="3522439"/>
+          </a:xfrm>
+          <a:custGeom>
+            <a:avLst/>
+            <a:gdLst>
+              <a:gd name="connsiteX0" fmla="*/ 1538153 w 1747589"/>
+              <a:gd name="connsiteY0" fmla="*/ 1735113 h 3862746"/>
+              <a:gd name="connsiteX1" fmla="*/ 1441348 w 1747589"/>
+              <a:gd name="connsiteY1" fmla="*/ 3852599 h 3862746"/>
+              <a:gd name="connsiteX2" fmla="*/ 805343 w 1747589"/>
+              <a:gd name="connsiteY2" fmla="*/ 3428661 h 3862746"/>
+              <a:gd name="connsiteX3" fmla="*/ 686553 w 1747589"/>
+              <a:gd name="connsiteY3" fmla="*/ 3241347 h 3862746"/>
+              <a:gd name="connsiteX4" fmla="*/ 677463 w 1747589"/>
+              <a:gd name="connsiteY4" fmla="*/ 3248227 h 3862746"/>
+              <a:gd name="connsiteX5" fmla="*/ 439415 w 1747589"/>
+              <a:gd name="connsiteY5" fmla="*/ 3719107 h 3862746"/>
+              <a:gd name="connsiteX6" fmla="*/ 555430 w 1747589"/>
+              <a:gd name="connsiteY6" fmla="*/ 3161116 h 3862746"/>
+              <a:gd name="connsiteX7" fmla="*/ 574198 w 1747589"/>
+              <a:gd name="connsiteY7" fmla="*/ 3039201 h 3862746"/>
+              <a:gd name="connsiteX8" fmla="*/ 482562 w 1747589"/>
+              <a:gd name="connsiteY8" fmla="*/ 2860037 h 3862746"/>
+              <a:gd name="connsiteX9" fmla="*/ 209436 w 1747589"/>
+              <a:gd name="connsiteY9" fmla="*/ 2127632 h 3862746"/>
+              <a:gd name="connsiteX10" fmla="*/ 306241 w 1747589"/>
+              <a:gd name="connsiteY10" fmla="*/ 10147 h 3862746"/>
+              <a:gd name="connsiteX11" fmla="*/ 1538153 w 1747589"/>
+              <a:gd name="connsiteY11" fmla="*/ 1735113 h 3862746"/>
+            </a:gdLst>
+            <a:ahLst/>
+            <a:cxnLst>
+              <a:cxn ang="0">
+                <a:pos x="connsiteX0" y="connsiteY0"/>
+              </a:cxn>
+              <a:cxn ang="0">
+                <a:pos x="connsiteX1" y="connsiteY1"/>
+              </a:cxn>
+              <a:cxn ang="0">
+                <a:pos x="connsiteX2" y="connsiteY2"/>
+              </a:cxn>
+              <a:cxn ang="0">
+                <a:pos x="connsiteX3" y="connsiteY3"/>
+              </a:cxn>
+              <a:cxn ang="0">
+                <a:pos x="connsiteX4" y="connsiteY4"/>
+              </a:cxn>
+              <a:cxn ang="0">
+                <a:pos x="connsiteX5" y="connsiteY5"/>
+              </a:cxn>
+              <a:cxn ang="0">
+                <a:pos x="connsiteX6" y="connsiteY6"/>
+              </a:cxn>
+              <a:cxn ang="0">
+                <a:pos x="connsiteX7" y="connsiteY7"/>
+              </a:cxn>
+              <a:cxn ang="0">
+                <a:pos x="connsiteX8" y="connsiteY8"/>
+              </a:cxn>
+              <a:cxn ang="0">
+                <a:pos x="connsiteX9" y="connsiteY9"/>
+              </a:cxn>
+              <a:cxn ang="0">
+                <a:pos x="connsiteX10" y="connsiteY10"/>
+              </a:cxn>
+              <a:cxn ang="0">
+                <a:pos x="connsiteX11" y="connsiteY11"/>
+              </a:cxn>
+            </a:cxnLst>
+            <a:rect l="l" t="t" r="r" b="b"/>
+            <a:pathLst>
+              <a:path w="1747589" h="3862746">
+                <a:moveTo>
+                  <a:pt x="1538153" y="1735113"/>
+                </a:moveTo>
+                <a:cubicBezTo>
+                  <a:pt x="1851604" y="2796177"/>
+                  <a:pt x="1808263" y="3744208"/>
+                  <a:pt x="1441348" y="3852599"/>
+                </a:cubicBezTo>
+                <a:cubicBezTo>
+                  <a:pt x="1257891" y="3906795"/>
+                  <a:pt x="1028276" y="3740819"/>
+                  <a:pt x="805343" y="3428661"/>
+                </a:cubicBezTo>
+                <a:lnTo>
+                  <a:pt x="686553" y="3241347"/>
+                </a:lnTo>
+                <a:lnTo>
+                  <a:pt x="677463" y="3248227"/>
+                </a:lnTo>
+                <a:cubicBezTo>
+                  <a:pt x="602602" y="3320897"/>
+                  <a:pt x="524001" y="3463809"/>
+                  <a:pt x="439415" y="3719107"/>
+                </a:cubicBezTo>
+                <a:cubicBezTo>
+                  <a:pt x="490087" y="3511891"/>
+                  <a:pt x="527517" y="3328089"/>
+                  <a:pt x="555430" y="3161116"/>
+                </a:cubicBezTo>
+                <a:lnTo>
+                  <a:pt x="574198" y="3039201"/>
+                </a:lnTo>
+                <a:lnTo>
+                  <a:pt x="482562" y="2860037"/>
+                </a:lnTo>
+                <a:cubicBezTo>
+                  <a:pt x="381043" y="2640116"/>
+                  <a:pt x="287799" y="2392898"/>
+                  <a:pt x="209436" y="2127632"/>
+                </a:cubicBezTo>
+                <a:cubicBezTo>
+                  <a:pt x="-104015" y="1066569"/>
+                  <a:pt x="-60674" y="118538"/>
+                  <a:pt x="306241" y="10147"/>
+                </a:cubicBezTo>
+                <a:cubicBezTo>
+                  <a:pt x="673156" y="-98244"/>
+                  <a:pt x="1224702" y="674050"/>
+                  <a:pt x="1538153" y="1735113"/>
+                </a:cubicBezTo>
+                <a:close/>
+              </a:path>
+            </a:pathLst>
+          </a:custGeom>
+          <a:solidFill>
+            <a:srgbClr val="B8D4D3"/>
+          </a:solidFill>
+          <a:ln w="57150" cap="flat" cmpd="sng" algn="ctr">
+            <a:noFill/>
+            <a:prstDash val="solid"/>
+            <a:round/>
+            <a:headEnd type="none" w="med" len="med"/>
+            <a:tailEnd type="none" w="med" len="med"/>
+          </a:ln>
+        </p:spPr>
+        <p:style>
+          <a:lnRef idx="0">
+            <a:scrgbClr r="0" g="0" b="0"/>
+          </a:lnRef>
+          <a:fillRef idx="0">
+            <a:scrgbClr r="0" g="0" b="0"/>
+          </a:fillRef>
+          <a:effectRef idx="0">
+            <a:scrgbClr r="0" g="0" b="0"/>
+          </a:effectRef>
+          <a:fontRef idx="minor">
+            <a:schemeClr val="accent2"/>
+          </a:fontRef>
+        </p:style>
+        <p:txBody>
+          <a:bodyPr wrap="square" rtlCol="0" anchor="ctr">
+            <a:noAutofit/>
+          </a:bodyPr>
+          <a:lstStyle/>
+          <a:p>
+            <a:pPr algn="ctr"/>
+            <a:endParaRPr kumimoji="1" lang="ja-JP" altLang="en-US" dirty="0"/>
+          </a:p>
+        </p:txBody>
+      </p:sp>
+      <p:sp>
+        <p:nvSpPr>
+          <p:cNvPr id="11" name="フリーフォーム: 図形 10">
+            <a:extLst>
+              <a:ext uri="{FF2B5EF4-FFF2-40B4-BE49-F238E27FC236}">
+                <a16:creationId xmlns:a16="http://schemas.microsoft.com/office/drawing/2014/main" id="{E2AC9ECA-64A0-474F-AA70-23E9121F82D5}"/>
+              </a:ext>
+            </a:extLst>
+          </p:cNvPr>
+          <p:cNvSpPr/>
+          <p:nvPr/>
+        </p:nvSpPr>
+        <p:spPr>
+          <a:xfrm rot="14531263" flipH="1">
+            <a:off x="1012916" y="2956477"/>
+            <a:ext cx="2436528" cy="3522439"/>
+          </a:xfrm>
+          <a:custGeom>
+            <a:avLst/>
+            <a:gdLst>
+              <a:gd name="connsiteX0" fmla="*/ 1538153 w 1747589"/>
+              <a:gd name="connsiteY0" fmla="*/ 1735113 h 3862746"/>
+              <a:gd name="connsiteX1" fmla="*/ 1441348 w 1747589"/>
+              <a:gd name="connsiteY1" fmla="*/ 3852599 h 3862746"/>
+              <a:gd name="connsiteX2" fmla="*/ 805343 w 1747589"/>
+              <a:gd name="connsiteY2" fmla="*/ 3428661 h 3862746"/>
+              <a:gd name="connsiteX3" fmla="*/ 686553 w 1747589"/>
+              <a:gd name="connsiteY3" fmla="*/ 3241347 h 3862746"/>
+              <a:gd name="connsiteX4" fmla="*/ 677463 w 1747589"/>
+              <a:gd name="connsiteY4" fmla="*/ 3248227 h 3862746"/>
+              <a:gd name="connsiteX5" fmla="*/ 439415 w 1747589"/>
+              <a:gd name="connsiteY5" fmla="*/ 3719107 h 3862746"/>
+              <a:gd name="connsiteX6" fmla="*/ 555430 w 1747589"/>
+              <a:gd name="connsiteY6" fmla="*/ 3161116 h 3862746"/>
+              <a:gd name="connsiteX7" fmla="*/ 574198 w 1747589"/>
+              <a:gd name="connsiteY7" fmla="*/ 3039201 h 3862746"/>
+              <a:gd name="connsiteX8" fmla="*/ 482562 w 1747589"/>
+              <a:gd name="connsiteY8" fmla="*/ 2860037 h 3862746"/>
+              <a:gd name="connsiteX9" fmla="*/ 209436 w 1747589"/>
+              <a:gd name="connsiteY9" fmla="*/ 2127632 h 3862746"/>
+              <a:gd name="connsiteX10" fmla="*/ 306241 w 1747589"/>
+              <a:gd name="connsiteY10" fmla="*/ 10147 h 3862746"/>
+              <a:gd name="connsiteX11" fmla="*/ 1538153 w 1747589"/>
+              <a:gd name="connsiteY11" fmla="*/ 1735113 h 3862746"/>
+            </a:gdLst>
+            <a:ahLst/>
+            <a:cxnLst>
+              <a:cxn ang="0">
+                <a:pos x="connsiteX0" y="connsiteY0"/>
+              </a:cxn>
+              <a:cxn ang="0">
+                <a:pos x="connsiteX1" y="connsiteY1"/>
+              </a:cxn>
+              <a:cxn ang="0">
+                <a:pos x="connsiteX2" y="connsiteY2"/>
+              </a:cxn>
+              <a:cxn ang="0">
+                <a:pos x="connsiteX3" y="connsiteY3"/>
+              </a:cxn>
+              <a:cxn ang="0">
+                <a:pos x="connsiteX4" y="connsiteY4"/>
+              </a:cxn>
+              <a:cxn ang="0">
+                <a:pos x="connsiteX5" y="connsiteY5"/>
+              </a:cxn>
+              <a:cxn ang="0">
+                <a:pos x="connsiteX6" y="connsiteY6"/>
+              </a:cxn>
+              <a:cxn ang="0">
+                <a:pos x="connsiteX7" y="connsiteY7"/>
+              </a:cxn>
+              <a:cxn ang="0">
+                <a:pos x="connsiteX8" y="connsiteY8"/>
+              </a:cxn>
+              <a:cxn ang="0">
+                <a:pos x="connsiteX9" y="connsiteY9"/>
+              </a:cxn>
+              <a:cxn ang="0">
+                <a:pos x="connsiteX10" y="connsiteY10"/>
+              </a:cxn>
+              <a:cxn ang="0">
+                <a:pos x="connsiteX11" y="connsiteY11"/>
+              </a:cxn>
+            </a:cxnLst>
+            <a:rect l="l" t="t" r="r" b="b"/>
+            <a:pathLst>
+              <a:path w="1747589" h="3862746">
+                <a:moveTo>
+                  <a:pt x="1538153" y="1735113"/>
+                </a:moveTo>
+                <a:cubicBezTo>
+                  <a:pt x="1851604" y="2796177"/>
+                  <a:pt x="1808263" y="3744208"/>
+                  <a:pt x="1441348" y="3852599"/>
+                </a:cubicBezTo>
+                <a:cubicBezTo>
+                  <a:pt x="1257891" y="3906795"/>
+                  <a:pt x="1028276" y="3740819"/>
+                  <a:pt x="805343" y="3428661"/>
+                </a:cubicBezTo>
+                <a:lnTo>
+                  <a:pt x="686553" y="3241347"/>
+                </a:lnTo>
+                <a:lnTo>
+                  <a:pt x="677463" y="3248227"/>
+                </a:lnTo>
+                <a:cubicBezTo>
+                  <a:pt x="602602" y="3320897"/>
+                  <a:pt x="524001" y="3463809"/>
+                  <a:pt x="439415" y="3719107"/>
+                </a:cubicBezTo>
+                <a:cubicBezTo>
+                  <a:pt x="490087" y="3511891"/>
+                  <a:pt x="527517" y="3328089"/>
+                  <a:pt x="555430" y="3161116"/>
+                </a:cubicBezTo>
+                <a:lnTo>
+                  <a:pt x="574198" y="3039201"/>
+                </a:lnTo>
+                <a:lnTo>
+                  <a:pt x="482562" y="2860037"/>
+                </a:lnTo>
+                <a:cubicBezTo>
+                  <a:pt x="381043" y="2640116"/>
+                  <a:pt x="287799" y="2392898"/>
+                  <a:pt x="209436" y="2127632"/>
+                </a:cubicBezTo>
+                <a:cubicBezTo>
+                  <a:pt x="-104015" y="1066569"/>
+                  <a:pt x="-60674" y="118538"/>
+                  <a:pt x="306241" y="10147"/>
+                </a:cubicBezTo>
+                <a:cubicBezTo>
+                  <a:pt x="673156" y="-98244"/>
+                  <a:pt x="1224702" y="674050"/>
+                  <a:pt x="1538153" y="1735113"/>
+                </a:cubicBezTo>
+                <a:close/>
+              </a:path>
+            </a:pathLst>
+          </a:custGeom>
+          <a:solidFill>
+            <a:srgbClr val="B8D4D3"/>
+          </a:solidFill>
+          <a:ln w="38100" cap="flat" cmpd="sng" algn="ctr">
+            <a:solidFill>
+              <a:srgbClr val="818076"/>
+            </a:solidFill>
+            <a:prstDash val="solid"/>
+            <a:round/>
+            <a:headEnd type="none" w="med" len="med"/>
+            <a:tailEnd type="none" w="med" len="med"/>
+          </a:ln>
+        </p:spPr>
+        <p:style>
+          <a:lnRef idx="0">
+            <a:scrgbClr r="0" g="0" b="0"/>
+          </a:lnRef>
+          <a:fillRef idx="0">
+            <a:scrgbClr r="0" g="0" b="0"/>
+          </a:fillRef>
+          <a:effectRef idx="0">
+            <a:scrgbClr r="0" g="0" b="0"/>
+          </a:effectRef>
+          <a:fontRef idx="minor">
+            <a:schemeClr val="accent2"/>
+          </a:fontRef>
+        </p:style>
+        <p:txBody>
+          <a:bodyPr wrap="square" rtlCol="0" anchor="ctr">
+            <a:noAutofit/>
+          </a:bodyPr>
+          <a:lstStyle/>
+          <a:p>
+            <a:pPr algn="ctr"/>
+            <a:endParaRPr kumimoji="1" lang="ja-JP" altLang="en-US"/>
+          </a:p>
+        </p:txBody>
+      </p:sp>
+      <p:sp>
+        <p:nvSpPr>
+          <p:cNvPr id="12" name="テキスト ボックス 11">
+            <a:extLst>
+              <a:ext uri="{FF2B5EF4-FFF2-40B4-BE49-F238E27FC236}">
+                <a16:creationId xmlns:a16="http://schemas.microsoft.com/office/drawing/2014/main" id="{BFE4200D-F96C-4677-B99A-30D0D3C57F5D}"/>
+              </a:ext>
+            </a:extLst>
+          </p:cNvPr>
+          <p:cNvSpPr txBox="1"/>
+          <p:nvPr/>
+        </p:nvSpPr>
+        <p:spPr>
+          <a:xfrm>
+            <a:off x="7275922" y="1737912"/>
+            <a:ext cx="4256412" cy="1107996"/>
+          </a:xfrm>
+          <a:prstGeom prst="rect">
+            <a:avLst/>
+          </a:prstGeom>
+          <a:noFill/>
+        </p:spPr>
+        <p:txBody>
+          <a:bodyPr wrap="square" rtlCol="0">
+            <a:spAutoFit/>
+          </a:bodyPr>
+          <a:lstStyle/>
+          <a:p>
+            <a:pPr algn="ctr"/>
+            <a:r>
+              <a:rPr lang="ja-JP" altLang="en-US" sz="2400" dirty="0"/>
+              <a:t>気温に合わせた</a:t>
+            </a:r>
+            <a:endParaRPr lang="en-US" altLang="ja-JP" sz="2400" dirty="0"/>
+          </a:p>
+          <a:p>
+            <a:pPr algn="ctr"/>
+            <a:r>
+              <a:rPr lang="ja-JP" altLang="en-US" sz="2400" dirty="0"/>
+              <a:t>服装を考えるのが苦手</a:t>
+            </a:r>
+            <a:endParaRPr lang="en-US" altLang="ja-JP" sz="2400" dirty="0"/>
+          </a:p>
+          <a:p>
+            <a:endParaRPr kumimoji="1" lang="ja-JP" altLang="en-US" dirty="0"/>
+          </a:p>
+        </p:txBody>
+      </p:sp>
+      <p:sp>
+        <p:nvSpPr>
+          <p:cNvPr id="13" name="テキスト ボックス 12">
+            <a:extLst>
+              <a:ext uri="{FF2B5EF4-FFF2-40B4-BE49-F238E27FC236}">
+                <a16:creationId xmlns:a16="http://schemas.microsoft.com/office/drawing/2014/main" id="{07404619-F009-48AA-8134-118E87BE09BB}"/>
+              </a:ext>
+            </a:extLst>
+          </p:cNvPr>
+          <p:cNvSpPr txBox="1"/>
+          <p:nvPr/>
+        </p:nvSpPr>
+        <p:spPr>
+          <a:xfrm>
+            <a:off x="483956" y="4348673"/>
+            <a:ext cx="4643919" cy="923330"/>
+          </a:xfrm>
+          <a:prstGeom prst="rect">
+            <a:avLst/>
+          </a:prstGeom>
+          <a:noFill/>
+        </p:spPr>
+        <p:txBody>
+          <a:bodyPr wrap="square" rtlCol="0">
+            <a:spAutoFit/>
+          </a:bodyPr>
+          <a:lstStyle/>
+          <a:p>
+            <a:r>
+              <a:rPr lang="ja-JP" altLang="en-US" dirty="0"/>
+              <a:t>新社会人になって</a:t>
+            </a:r>
+            <a:endParaRPr lang="en-US" altLang="ja-JP" dirty="0"/>
+          </a:p>
+          <a:p>
+            <a:r>
+              <a:rPr lang="ja-JP" altLang="en-US" dirty="0"/>
+              <a:t>オフィスカジュアルに悩んでいる</a:t>
+            </a:r>
+            <a:endParaRPr lang="en-US" altLang="ja-JP" dirty="0"/>
+          </a:p>
+          <a:p>
+            <a:endParaRPr kumimoji="1" lang="ja-JP" altLang="en-US" dirty="0"/>
+          </a:p>
+        </p:txBody>
+      </p:sp>
+      <p:sp>
+        <p:nvSpPr>
+          <p:cNvPr id="14" name="テキスト ボックス 13">
+            <a:extLst>
+              <a:ext uri="{FF2B5EF4-FFF2-40B4-BE49-F238E27FC236}">
+                <a16:creationId xmlns:a16="http://schemas.microsoft.com/office/drawing/2014/main" id="{0977919E-DDC4-497F-8BEC-F76326B58A5D}"/>
+              </a:ext>
+            </a:extLst>
+          </p:cNvPr>
+          <p:cNvSpPr txBox="1"/>
+          <p:nvPr/>
+        </p:nvSpPr>
+        <p:spPr>
+          <a:xfrm>
+            <a:off x="9095038" y="4095937"/>
+            <a:ext cx="3202867" cy="830997"/>
+          </a:xfrm>
+          <a:prstGeom prst="rect">
+            <a:avLst/>
+          </a:prstGeom>
+          <a:noFill/>
+        </p:spPr>
+        <p:txBody>
+          <a:bodyPr wrap="square" rtlCol="0">
+            <a:spAutoFit/>
+          </a:bodyPr>
+          <a:lstStyle/>
+          <a:p>
+            <a:r>
+              <a:rPr lang="ja-JP" altLang="en-US" sz="2400" dirty="0"/>
+              <a:t>毎朝服装を考えることに時間を取られる</a:t>
+            </a:r>
+            <a:endParaRPr kumimoji="1" lang="ja-JP" altLang="en-US" sz="2400" dirty="0"/>
+          </a:p>
+        </p:txBody>
+      </p:sp>
     </p:spTree>
     <p:extLst>
       <p:ext uri="{BB962C8B-B14F-4D97-AF65-F5344CB8AC3E}">
@@ -15786,10 +18878,249 @@
       </p:grpSpPr>
       <p:sp>
         <p:nvSpPr>
-          <p:cNvPr id="2" name="タイトル 1">
+          <p:cNvPr id="11" name="四角形: 1 つの角を切り取る 10">
             <a:extLst>
               <a:ext uri="{FF2B5EF4-FFF2-40B4-BE49-F238E27FC236}">
-                <a16:creationId xmlns:a16="http://schemas.microsoft.com/office/drawing/2014/main" id="{72C53B0B-FC7C-463B-9137-3059537DC8F6}"/>
+                <a16:creationId xmlns:a16="http://schemas.microsoft.com/office/drawing/2014/main" id="{1CD9201F-A823-4C2F-93F2-822CE783708D}"/>
+              </a:ext>
+            </a:extLst>
+          </p:cNvPr>
+          <p:cNvSpPr/>
+          <p:nvPr/>
+        </p:nvSpPr>
+        <p:spPr>
+          <a:xfrm flipH="1">
+            <a:off x="1400173" y="681037"/>
+            <a:ext cx="9458324" cy="5756096"/>
+          </a:xfrm>
+          <a:prstGeom prst="snip1Rect">
+            <a:avLst/>
+          </a:prstGeom>
+          <a:solidFill>
+            <a:srgbClr val="B8D4D3"/>
+          </a:solidFill>
+          <a:ln>
+            <a:noFill/>
+          </a:ln>
+        </p:spPr>
+        <p:style>
+          <a:lnRef idx="1">
+            <a:schemeClr val="accent6"/>
+          </a:lnRef>
+          <a:fillRef idx="2">
+            <a:schemeClr val="accent6"/>
+          </a:fillRef>
+          <a:effectRef idx="1">
+            <a:schemeClr val="accent6"/>
+          </a:effectRef>
+          <a:fontRef idx="minor">
+            <a:schemeClr val="dk1"/>
+          </a:fontRef>
+        </p:style>
+        <p:txBody>
+          <a:bodyPr rtlCol="0" anchor="ctr"/>
+          <a:lstStyle/>
+          <a:p>
+            <a:pPr marL="0" marR="0" lvl="0" indent="0" algn="ctr" defTabSz="914400" rtl="0" eaLnBrk="1" fontAlgn="auto" latinLnBrk="0" hangingPunct="1">
+              <a:lnSpc>
+                <a:spcPct val="100000"/>
+              </a:lnSpc>
+              <a:spcBef>
+                <a:spcPts val="0"/>
+              </a:spcBef>
+              <a:spcAft>
+                <a:spcPts val="0"/>
+              </a:spcAft>
+              <a:buClrTx/>
+              <a:buSzTx/>
+              <a:buFontTx/>
+              <a:buNone/>
+              <a:tabLst/>
+              <a:defRPr/>
+            </a:pPr>
+            <a:endParaRPr kumimoji="1" lang="ja-JP" altLang="en-US" sz="1800" b="0" i="0" u="none" strike="noStrike" kern="1200" cap="none" spc="0" normalizeH="0" baseline="0" noProof="0">
+              <a:ln>
+                <a:noFill/>
+              </a:ln>
+              <a:solidFill>
+                <a:srgbClr val="B8D4D3"/>
+              </a:solidFill>
+              <a:effectLst/>
+              <a:uLnTx/>
+              <a:uFillTx/>
+              <a:latin typeface="Times New Roman" panose="02020603050405020304"/>
+              <a:ea typeface="ＭＳ Ｐ明朝" panose="02020600040205080304" pitchFamily="18" charset="-128"/>
+              <a:cs typeface="+mn-cs"/>
+            </a:endParaRPr>
+          </a:p>
+        </p:txBody>
+      </p:sp>
+      <p:sp>
+        <p:nvSpPr>
+          <p:cNvPr id="12" name="減算記号 11">
+            <a:extLst>
+              <a:ext uri="{FF2B5EF4-FFF2-40B4-BE49-F238E27FC236}">
+                <a16:creationId xmlns:a16="http://schemas.microsoft.com/office/drawing/2014/main" id="{FDB6A37B-0230-4D32-932D-E341D3097CE7}"/>
+              </a:ext>
+            </a:extLst>
+          </p:cNvPr>
+          <p:cNvSpPr/>
+          <p:nvPr/>
+        </p:nvSpPr>
+        <p:spPr>
+          <a:xfrm>
+            <a:off x="-298383" y="5744759"/>
+            <a:ext cx="12859351" cy="519720"/>
+          </a:xfrm>
+          <a:prstGeom prst="mathMinus">
+            <a:avLst/>
+          </a:prstGeom>
+          <a:solidFill>
+            <a:srgbClr val="F3F5F2"/>
+          </a:solidFill>
+          <a:ln>
+            <a:noFill/>
+          </a:ln>
+        </p:spPr>
+        <p:style>
+          <a:lnRef idx="2">
+            <a:schemeClr val="dk1"/>
+          </a:lnRef>
+          <a:fillRef idx="1">
+            <a:schemeClr val="lt1"/>
+          </a:fillRef>
+          <a:effectRef idx="0">
+            <a:schemeClr val="dk1"/>
+          </a:effectRef>
+          <a:fontRef idx="minor">
+            <a:schemeClr val="dk1"/>
+          </a:fontRef>
+        </p:style>
+        <p:txBody>
+          <a:bodyPr rtlCol="0" anchor="ctr"/>
+          <a:lstStyle/>
+          <a:p>
+            <a:pPr marL="0" marR="0" lvl="0" indent="0" algn="ctr" defTabSz="914400" rtl="0" eaLnBrk="1" fontAlgn="auto" latinLnBrk="0" hangingPunct="1">
+              <a:lnSpc>
+                <a:spcPct val="100000"/>
+              </a:lnSpc>
+              <a:spcBef>
+                <a:spcPts val="0"/>
+              </a:spcBef>
+              <a:spcAft>
+                <a:spcPts val="0"/>
+              </a:spcAft>
+              <a:buClrTx/>
+              <a:buSzTx/>
+              <a:buFontTx/>
+              <a:buNone/>
+              <a:tabLst/>
+              <a:defRPr/>
+            </a:pPr>
+            <a:endParaRPr kumimoji="1" lang="ja-JP" altLang="en-US" sz="1800" b="0" i="0" u="none" strike="noStrike" kern="1200" cap="none" spc="0" normalizeH="0" baseline="0" noProof="0">
+              <a:ln>
+                <a:noFill/>
+              </a:ln>
+              <a:solidFill>
+                <a:srgbClr val="F3F5F2"/>
+              </a:solidFill>
+              <a:effectLst/>
+              <a:uLnTx/>
+              <a:uFillTx/>
+              <a:latin typeface="Times New Roman" panose="02020603050405020304"/>
+              <a:ea typeface="ＭＳ Ｐ明朝" panose="02020600040205080304" pitchFamily="18" charset="-128"/>
+              <a:cs typeface="+mn-cs"/>
+            </a:endParaRPr>
+          </a:p>
+        </p:txBody>
+      </p:sp>
+      <p:sp>
+        <p:nvSpPr>
+          <p:cNvPr id="13" name="フローチャート: 結合子 12">
+            <a:extLst>
+              <a:ext uri="{FF2B5EF4-FFF2-40B4-BE49-F238E27FC236}">
+                <a16:creationId xmlns:a16="http://schemas.microsoft.com/office/drawing/2014/main" id="{3711E2C2-AFC9-4AC5-85BA-24FAF9CF72F5}"/>
+              </a:ext>
+            </a:extLst>
+          </p:cNvPr>
+          <p:cNvSpPr/>
+          <p:nvPr/>
+        </p:nvSpPr>
+        <p:spPr>
+          <a:xfrm>
+            <a:off x="1942964" y="1284132"/>
+            <a:ext cx="440689" cy="385011"/>
+          </a:xfrm>
+          <a:prstGeom prst="flowChartConnector">
+            <a:avLst/>
+          </a:prstGeom>
+          <a:solidFill>
+            <a:srgbClr val="F3F5F2"/>
+          </a:solidFill>
+          <a:ln>
+            <a:noFill/>
+          </a:ln>
+        </p:spPr>
+        <p:style>
+          <a:lnRef idx="2">
+            <a:schemeClr val="accent1">
+              <a:shade val="50000"/>
+            </a:schemeClr>
+          </a:lnRef>
+          <a:fillRef idx="1">
+            <a:schemeClr val="accent1"/>
+          </a:fillRef>
+          <a:effectRef idx="0">
+            <a:schemeClr val="accent1"/>
+          </a:effectRef>
+          <a:fontRef idx="minor">
+            <a:schemeClr val="lt1"/>
+          </a:fontRef>
+        </p:style>
+        <p:txBody>
+          <a:bodyPr rtlCol="0" anchor="ctr"/>
+          <a:lstStyle/>
+          <a:p>
+            <a:pPr marL="0" marR="0" lvl="0" indent="0" algn="ctr" defTabSz="914400" rtl="0" eaLnBrk="1" fontAlgn="auto" latinLnBrk="0" hangingPunct="1">
+              <a:lnSpc>
+                <a:spcPct val="100000"/>
+              </a:lnSpc>
+              <a:spcBef>
+                <a:spcPts val="0"/>
+              </a:spcBef>
+              <a:spcAft>
+                <a:spcPts val="0"/>
+              </a:spcAft>
+              <a:buClrTx/>
+              <a:buSzTx/>
+              <a:buFontTx/>
+              <a:buNone/>
+              <a:tabLst/>
+              <a:defRPr/>
+            </a:pPr>
+            <a:endParaRPr kumimoji="1" lang="ja-JP" altLang="en-US" sz="1800" b="0" i="0" u="none" strike="noStrike" kern="1200" cap="none" spc="0" normalizeH="0" baseline="0" noProof="0">
+              <a:ln>
+                <a:noFill/>
+              </a:ln>
+              <a:solidFill>
+                <a:prstClr val="white"/>
+              </a:solidFill>
+              <a:effectLst/>
+              <a:uLnTx/>
+              <a:uFillTx/>
+              <a:latin typeface="Times New Roman" panose="02020603050405020304"/>
+              <a:ea typeface="ＭＳ Ｐ明朝" panose="02020600040205080304" pitchFamily="18" charset="-128"/>
+              <a:cs typeface="+mn-cs"/>
+            </a:endParaRPr>
+          </a:p>
+        </p:txBody>
+      </p:sp>
+      <p:sp>
+        <p:nvSpPr>
+          <p:cNvPr id="3" name="字幕 2">
+            <a:extLst>
+              <a:ext uri="{FF2B5EF4-FFF2-40B4-BE49-F238E27FC236}">
+                <a16:creationId xmlns:a16="http://schemas.microsoft.com/office/drawing/2014/main" id="{0E69DC7B-EB9E-4D53-9B49-270F93F8560C}"/>
               </a:ext>
             </a:extLst>
           </p:cNvPr>
@@ -15797,95 +19128,121 @@
             <a:spLocks noGrp="1"/>
           </p:cNvSpPr>
           <p:nvPr>
-            <p:ph type="title"/>
+            <p:ph type="subTitle" idx="1"/>
           </p:nvPr>
         </p:nvSpPr>
-        <p:spPr/>
-        <p:txBody>
-          <a:bodyPr/>
+        <p:spPr>
+          <a:xfrm>
+            <a:off x="1524000" y="3602038"/>
+            <a:ext cx="9144000" cy="2036762"/>
+          </a:xfrm>
+        </p:spPr>
+        <p:txBody>
+          <a:bodyPr>
+            <a:normAutofit fontScale="92500" lnSpcReduction="10000"/>
+          </a:bodyPr>
           <a:lstStyle/>
           <a:p>
-            <a:r>
-              <a:rPr kumimoji="1" lang="ja-JP" altLang="en-US" dirty="0"/>
-              <a:t>まとめ</a:t>
-            </a:r>
-          </a:p>
-        </p:txBody>
-      </p:sp>
-      <p:sp>
-        <p:nvSpPr>
-          <p:cNvPr id="3" name="コンテンツ プレースホルダー 2">
+            <a:endParaRPr kumimoji="1" lang="en-US" altLang="ja-JP" dirty="0">
+              <a:solidFill>
+                <a:srgbClr val="818076"/>
+              </a:solidFill>
+            </a:endParaRPr>
+          </a:p>
+          <a:p>
+            <a:endParaRPr kumimoji="1" lang="en-US" altLang="ja-JP" dirty="0">
+              <a:solidFill>
+                <a:srgbClr val="818076"/>
+              </a:solidFill>
+            </a:endParaRPr>
+          </a:p>
+          <a:p>
+            <a:r>
+              <a:rPr lang="ja-JP" altLang="en-US" sz="2600" dirty="0">
+                <a:solidFill>
+                  <a:srgbClr val="230647"/>
+                </a:solidFill>
+              </a:rPr>
+              <a:t>快適な</a:t>
+            </a:r>
+            <a:r>
+              <a:rPr lang="en-US" altLang="ja-JP" sz="2600" dirty="0">
+                <a:solidFill>
+                  <a:srgbClr val="230647"/>
+                </a:solidFill>
+              </a:rPr>
+              <a:t>1</a:t>
+            </a:r>
+            <a:r>
+              <a:rPr lang="ja-JP" altLang="en-US" sz="2600" dirty="0">
+                <a:solidFill>
+                  <a:srgbClr val="230647"/>
+                </a:solidFill>
+              </a:rPr>
+              <a:t>日の始まりをあなたに</a:t>
+            </a:r>
+            <a:endParaRPr lang="en-US" altLang="ja-JP" sz="2600" dirty="0">
+              <a:solidFill>
+                <a:srgbClr val="230647"/>
+              </a:solidFill>
+            </a:endParaRPr>
+          </a:p>
+          <a:p>
+            <a:endParaRPr lang="en-US" altLang="ja-JP" sz="2600" dirty="0">
+              <a:solidFill>
+                <a:srgbClr val="230647"/>
+              </a:solidFill>
+            </a:endParaRPr>
+          </a:p>
+          <a:p>
+            <a:r>
+              <a:rPr lang="ja-JP" altLang="en-US" sz="2600" dirty="0">
+                <a:solidFill>
+                  <a:srgbClr val="230647"/>
+                </a:solidFill>
+              </a:rPr>
+              <a:t>チーム</a:t>
+            </a:r>
+            <a:r>
+              <a:rPr lang="en-US" altLang="ja-JP" sz="2600" dirty="0">
+                <a:solidFill>
+                  <a:srgbClr val="230647"/>
+                </a:solidFill>
+              </a:rPr>
+              <a:t>A</a:t>
+            </a:r>
+            <a:r>
+              <a:rPr lang="ja-JP" altLang="en-US" sz="2600" dirty="0">
+                <a:solidFill>
+                  <a:srgbClr val="230647"/>
+                </a:solidFill>
+              </a:rPr>
+              <a:t>型</a:t>
+            </a:r>
+            <a:endParaRPr lang="en-US" altLang="ja-JP" sz="2600" dirty="0">
+              <a:solidFill>
+                <a:srgbClr val="230647"/>
+              </a:solidFill>
+            </a:endParaRPr>
+          </a:p>
+          <a:p>
+            <a:endParaRPr lang="en-US" altLang="ja-JP" sz="2600" dirty="0">
+              <a:solidFill>
+                <a:srgbClr val="230647"/>
+              </a:solidFill>
+            </a:endParaRPr>
+          </a:p>
+          <a:p>
+            <a:endParaRPr kumimoji="1" lang="ja-JP" altLang="en-US" dirty="0"/>
+          </a:p>
+        </p:txBody>
+      </p:sp>
+      <p:pic>
+        <p:nvPicPr>
+          <p:cNvPr id="5" name="図 4" descr="テキスト&#10;&#10;自動的に生成された説明">
             <a:extLst>
               <a:ext uri="{FF2B5EF4-FFF2-40B4-BE49-F238E27FC236}">
-                <a16:creationId xmlns:a16="http://schemas.microsoft.com/office/drawing/2014/main" id="{B1A5A070-0329-413B-A5A5-E75D28ECD1E1}"/>
-              </a:ext>
-            </a:extLst>
-          </p:cNvPr>
-          <p:cNvSpPr>
-            <a:spLocks noGrp="1"/>
-          </p:cNvSpPr>
-          <p:nvPr>
-            <p:ph idx="1"/>
-          </p:nvPr>
-        </p:nvSpPr>
-        <p:spPr/>
-        <p:txBody>
-          <a:bodyPr/>
-          <a:lstStyle/>
-          <a:p>
-            <a:r>
-              <a:rPr kumimoji="1" lang="ja-JP" altLang="en-US" dirty="0"/>
-              <a:t>ありがとう的な</a:t>
-            </a:r>
-            <a:endParaRPr kumimoji="1" lang="en-US" altLang="ja-JP" dirty="0"/>
-          </a:p>
-          <a:p>
-            <a:endParaRPr kumimoji="1" lang="ja-JP" altLang="en-US" dirty="0"/>
-          </a:p>
-        </p:txBody>
-      </p:sp>
-      <p:pic>
-        <p:nvPicPr>
-          <p:cNvPr id="5" name="図 4" descr="シャツ が含まれている画像&#10;&#10;自動的に生成された説明">
-            <a:extLst>
-              <a:ext uri="{FF2B5EF4-FFF2-40B4-BE49-F238E27FC236}">
-                <a16:creationId xmlns:a16="http://schemas.microsoft.com/office/drawing/2014/main" id="{87E1D6EA-0CB2-4C72-8354-82BCC8ADD641}"/>
-              </a:ext>
-            </a:extLst>
-          </p:cNvPr>
-          <p:cNvPicPr>
-            <a:picLocks noChangeAspect="1"/>
-          </p:cNvPicPr>
-          <p:nvPr/>
-        </p:nvPicPr>
-        <p:blipFill>
-          <a:blip r:embed="rId2">
-            <a:extLst>
-              <a:ext uri="{28A0092B-C50C-407E-A947-70E740481C1C}">
-                <a14:useLocalDpi xmlns:a14="http://schemas.microsoft.com/office/drawing/2010/main" val="0"/>
-              </a:ext>
-            </a:extLst>
-          </a:blip>
-          <a:stretch>
-            <a:fillRect/>
-          </a:stretch>
-        </p:blipFill>
-        <p:spPr>
-          <a:xfrm>
-            <a:off x="3191968" y="2900011"/>
-            <a:ext cx="2391568" cy="2391568"/>
-          </a:xfrm>
-          <a:prstGeom prst="rect">
-            <a:avLst/>
-          </a:prstGeom>
-        </p:spPr>
-      </p:pic>
-      <p:pic>
-        <p:nvPicPr>
-          <p:cNvPr id="7" name="図 6" descr="シャツ が含まれている画像&#10;&#10;自動的に生成された説明">
-            <a:extLst>
-              <a:ext uri="{FF2B5EF4-FFF2-40B4-BE49-F238E27FC236}">
-                <a16:creationId xmlns:a16="http://schemas.microsoft.com/office/drawing/2014/main" id="{B4F17CAD-DF05-4396-9B2A-DC7C313FB9DE}"/>
+                <a16:creationId xmlns:a16="http://schemas.microsoft.com/office/drawing/2014/main" id="{24A83D8D-6F3A-4B2B-ABB7-47615BF1B294}"/>
               </a:ext>
             </a:extLst>
           </p:cNvPr>
@@ -15908,8 +19265,8 @@
         </p:blipFill>
         <p:spPr>
           <a:xfrm>
-            <a:off x="5634598" y="2991444"/>
-            <a:ext cx="2208701" cy="2208701"/>
+            <a:off x="1503673" y="1986371"/>
+            <a:ext cx="8949408" cy="2036761"/>
           </a:xfrm>
           <a:prstGeom prst="rect">
             <a:avLst/>
@@ -15919,7 +19276,7 @@
     </p:spTree>
     <p:extLst>
       <p:ext uri="{BB962C8B-B14F-4D97-AF65-F5344CB8AC3E}">
-        <p14:creationId xmlns:p14="http://schemas.microsoft.com/office/powerpoint/2010/main" val="2366153960"/>
+        <p14:creationId xmlns:p14="http://schemas.microsoft.com/office/powerpoint/2010/main" val="1964965847"/>
       </p:ext>
     </p:extLst>
   </p:cSld>
@@ -16505,7 +19862,7 @@
 </file>
 
 <file path=ppt/slides/slide6.xml><?xml version="1.0" encoding="utf-8"?>
-<p:sld xmlns:a="http://schemas.openxmlformats.org/drawingml/2006/main" xmlns:r="http://schemas.openxmlformats.org/officeDocument/2006/relationships" xmlns:p="http://schemas.openxmlformats.org/presentationml/2006/main">
+<p:sld xmlns:a="http://schemas.openxmlformats.org/drawingml/2006/main" xmlns:r="http://schemas.openxmlformats.org/officeDocument/2006/relationships" xmlns:p="http://schemas.openxmlformats.org/presentationml/2006/main" show="0">
   <p:cSld>
     <p:spTree>
       <p:nvGrpSpPr>
